--- a/פרויקט בגילוי שינויים.pptx
+++ b/פרויקט בגילוי שינויים.pptx
@@ -5,24 +5,26 @@
     <p:sldMasterId id="2147483648" r:id="rId1"/>
   </p:sldMasterIdLst>
   <p:notesMasterIdLst>
-    <p:notesMasterId r:id="rId17"/>
+    <p:notesMasterId r:id="rId19"/>
   </p:notesMasterIdLst>
   <p:sldIdLst>
     <p:sldId id="256" r:id="rId2"/>
     <p:sldId id="257" r:id="rId3"/>
     <p:sldId id="258" r:id="rId4"/>
-    <p:sldId id="259" r:id="rId5"/>
+    <p:sldId id="273" r:id="rId5"/>
     <p:sldId id="260" r:id="rId6"/>
     <p:sldId id="261" r:id="rId7"/>
     <p:sldId id="263" r:id="rId8"/>
     <p:sldId id="262" r:id="rId9"/>
     <p:sldId id="264" r:id="rId10"/>
     <p:sldId id="265" r:id="rId11"/>
-    <p:sldId id="266" r:id="rId12"/>
-    <p:sldId id="267" r:id="rId13"/>
-    <p:sldId id="268" r:id="rId14"/>
-    <p:sldId id="270" r:id="rId15"/>
-    <p:sldId id="269" r:id="rId16"/>
+    <p:sldId id="274" r:id="rId12"/>
+    <p:sldId id="271" r:id="rId13"/>
+    <p:sldId id="266" r:id="rId14"/>
+    <p:sldId id="272" r:id="rId15"/>
+    <p:sldId id="267" r:id="rId16"/>
+    <p:sldId id="268" r:id="rId17"/>
+    <p:sldId id="269" r:id="rId18"/>
   </p:sldIdLst>
   <p:sldSz cx="12192000" cy="6858000"/>
   <p:notesSz cx="6858000" cy="9144000"/>
@@ -121,6 +123,11 @@
       </a:defRPr>
     </a:lvl9pPr>
   </p:defaultTextStyle>
+  <p:extLst>
+    <p:ext uri="{EFAFB233-063F-42B5-8137-9DF3F51BA10A}">
+      <p15:sldGuideLst xmlns:p15="http://schemas.microsoft.com/office/powerpoint/2012/main"/>
+    </p:ext>
+  </p:extLst>
 </p:presentation>
 </file>
 
@@ -190,7 +197,7 @@
               <a:cs typeface="+mn-cs"/>
             </a:defRPr>
           </a:pPr>
-          <a:endParaRPr lang="en-US"/>
+          <a:endParaRPr lang="he-IL"/>
         </a:p>
       </c:txPr>
     </c:title>
@@ -385,7 +392,7 @@
                 <a:cs typeface="+mn-cs"/>
               </a:defRPr>
             </a:pPr>
-            <a:endParaRPr lang="en-US"/>
+            <a:endParaRPr lang="he-IL"/>
           </a:p>
         </c:txPr>
         <c:crossAx val="1362054543"/>
@@ -444,7 +451,7 @@
                 <a:cs typeface="+mn-cs"/>
               </a:defRPr>
             </a:pPr>
-            <a:endParaRPr lang="en-US"/>
+            <a:endParaRPr lang="he-IL"/>
           </a:p>
         </c:txPr>
         <c:crossAx val="1362047055"/>
@@ -487,7 +494,7 @@
               <a:cs typeface="+mn-cs"/>
             </a:defRPr>
           </a:pPr>
-          <a:endParaRPr lang="en-US"/>
+          <a:endParaRPr lang="he-IL"/>
         </a:p>
       </c:txPr>
     </c:legend>
@@ -509,7 +516,7 @@
       <a:pPr>
         <a:defRPr/>
       </a:pPr>
-      <a:endParaRPr lang="en-US"/>
+      <a:endParaRPr lang="he-IL"/>
     </a:p>
   </c:txPr>
   <c:externalData r:id="rId3">
@@ -584,7 +591,7 @@
               <a:cs typeface="+mn-cs"/>
             </a:defRPr>
           </a:pPr>
-          <a:endParaRPr lang="en-US"/>
+          <a:endParaRPr lang="he-IL"/>
         </a:p>
       </c:txPr>
     </c:title>
@@ -779,7 +786,7 @@
                 <a:cs typeface="+mn-cs"/>
               </a:defRPr>
             </a:pPr>
-            <a:endParaRPr lang="en-US"/>
+            <a:endParaRPr lang="he-IL"/>
           </a:p>
         </c:txPr>
         <c:crossAx val="1141491759"/>
@@ -838,7 +845,7 @@
                 <a:cs typeface="+mn-cs"/>
               </a:defRPr>
             </a:pPr>
-            <a:endParaRPr lang="en-US"/>
+            <a:endParaRPr lang="he-IL"/>
           </a:p>
         </c:txPr>
         <c:crossAx val="1141478863"/>
@@ -881,7 +888,7 @@
               <a:cs typeface="+mn-cs"/>
             </a:defRPr>
           </a:pPr>
-          <a:endParaRPr lang="en-US"/>
+          <a:endParaRPr lang="he-IL"/>
         </a:p>
       </c:txPr>
     </c:legend>
@@ -903,7 +910,925 @@
       <a:pPr>
         <a:defRPr/>
       </a:pPr>
-      <a:endParaRPr lang="en-US"/>
+      <a:endParaRPr lang="he-IL"/>
+    </a:p>
+  </c:txPr>
+  <c:externalData r:id="rId3">
+    <c:autoUpdate val="0"/>
+  </c:externalData>
+</c:chartSpace>
+</file>
+
+<file path=ppt/charts/chart3.xml><?xml version="1.0" encoding="utf-8"?>
+<c:chartSpace xmlns:c="http://schemas.openxmlformats.org/drawingml/2006/chart" xmlns:a="http://schemas.openxmlformats.org/drawingml/2006/main" xmlns:r="http://schemas.openxmlformats.org/officeDocument/2006/relationships" xmlns:c16r2="http://schemas.microsoft.com/office/drawing/2015/06/chart">
+  <c:date1904 val="0"/>
+  <c:lang val="en-US"/>
+  <c:roundedCorners val="0"/>
+  <mc:AlternateContent xmlns:mc="http://schemas.openxmlformats.org/markup-compatibility/2006">
+    <mc:Choice xmlns:c14="http://schemas.microsoft.com/office/drawing/2007/8/2/chart" Requires="c14">
+      <c14:style val="102"/>
+    </mc:Choice>
+    <mc:Fallback>
+      <c:style val="2"/>
+    </mc:Fallback>
+  </mc:AlternateContent>
+  <c:chart>
+    <c:title>
+      <c:tx>
+        <c:rich>
+          <a:bodyPr rot="0" spcFirstLastPara="1" vertOverflow="ellipsis" vert="horz" wrap="square" anchor="ctr" anchorCtr="1"/>
+          <a:lstStyle/>
+          <a:p>
+            <a:pPr>
+              <a:defRPr sz="1400" b="0" i="0" u="none" strike="noStrike" kern="1200" spc="0" baseline="0">
+                <a:solidFill>
+                  <a:schemeClr val="tx1">
+                    <a:lumMod val="65000"/>
+                    <a:lumOff val="35000"/>
+                  </a:schemeClr>
+                </a:solidFill>
+                <a:latin typeface="+mn-lt"/>
+                <a:ea typeface="+mn-ea"/>
+                <a:cs typeface="+mn-cs"/>
+              </a:defRPr>
+            </a:pPr>
+            <a:r>
+              <a:rPr lang="en-US"/>
+              <a:t>Recall</a:t>
+            </a:r>
+          </a:p>
+        </c:rich>
+      </c:tx>
+      <c:layout/>
+      <c:overlay val="0"/>
+      <c:spPr>
+        <a:noFill/>
+        <a:ln>
+          <a:noFill/>
+        </a:ln>
+        <a:effectLst/>
+      </c:spPr>
+      <c:txPr>
+        <a:bodyPr rot="0" spcFirstLastPara="1" vertOverflow="ellipsis" vert="horz" wrap="square" anchor="ctr" anchorCtr="1"/>
+        <a:lstStyle/>
+        <a:p>
+          <a:pPr>
+            <a:defRPr sz="1400" b="0" i="0" u="none" strike="noStrike" kern="1200" spc="0" baseline="0">
+              <a:solidFill>
+                <a:schemeClr val="tx1">
+                  <a:lumMod val="65000"/>
+                  <a:lumOff val="35000"/>
+                </a:schemeClr>
+              </a:solidFill>
+              <a:latin typeface="+mn-lt"/>
+              <a:ea typeface="+mn-ea"/>
+              <a:cs typeface="+mn-cs"/>
+            </a:defRPr>
+          </a:pPr>
+          <a:endParaRPr lang="he-IL"/>
+        </a:p>
+      </c:txPr>
+    </c:title>
+    <c:autoTitleDeleted val="0"/>
+    <c:plotArea>
+      <c:layout/>
+      <c:barChart>
+        <c:barDir val="col"/>
+        <c:grouping val="clustered"/>
+        <c:varyColors val="0"/>
+        <c:ser>
+          <c:idx val="0"/>
+          <c:order val="0"/>
+          <c:tx>
+            <c:strRef>
+              <c:f>[results.xlsx]Sheet1!$C$1</c:f>
+              <c:strCache>
+                <c:ptCount val="1"/>
+                <c:pt idx="0">
+                  <c:v>Semantic segmentation</c:v>
+                </c:pt>
+              </c:strCache>
+            </c:strRef>
+          </c:tx>
+          <c:spPr>
+            <a:solidFill>
+              <a:schemeClr val="accent1"/>
+            </a:solidFill>
+            <a:ln>
+              <a:noFill/>
+            </a:ln>
+            <a:effectLst/>
+          </c:spPr>
+          <c:invertIfNegative val="0"/>
+          <c:cat>
+            <c:strRef>
+              <c:f>[results.xlsx]Sheet1!$F$15:$F$17</c:f>
+              <c:strCache>
+                <c:ptCount val="3"/>
+                <c:pt idx="0">
+                  <c:v>IOU Threshold 0.5</c:v>
+                </c:pt>
+                <c:pt idx="1">
+                  <c:v>IOU Threshold 0.3</c:v>
+                </c:pt>
+                <c:pt idx="2">
+                  <c:v>IOU Threshold 0.1</c:v>
+                </c:pt>
+              </c:strCache>
+            </c:strRef>
+          </c:cat>
+          <c:val>
+            <c:numRef>
+              <c:f>[results.xlsx]Sheet1!$C$3,[results.xlsx]Sheet1!$C$6,[results.xlsx]Sheet1!$C$9</c:f>
+              <c:numCache>
+                <c:formatCode>General</c:formatCode>
+                <c:ptCount val="3"/>
+                <c:pt idx="0">
+                  <c:v>0.50864781973959705</c:v>
+                </c:pt>
+                <c:pt idx="1">
+                  <c:v>0.82824206935588696</c:v>
+                </c:pt>
+                <c:pt idx="2">
+                  <c:v>0.98700389418327195</c:v>
+                </c:pt>
+              </c:numCache>
+            </c:numRef>
+          </c:val>
+          <c:extLst>
+            <c:ext xmlns:c16="http://schemas.microsoft.com/office/drawing/2014/chart" uri="{C3380CC4-5D6E-409C-BE32-E72D297353CC}">
+              <c16:uniqueId val="{00000000-C1CB-42E0-A62D-F861F09AAF4B}"/>
+            </c:ext>
+          </c:extLst>
+        </c:ser>
+        <c:ser>
+          <c:idx val="1"/>
+          <c:order val="1"/>
+          <c:tx>
+            <c:strRef>
+              <c:f>[results.xlsx]Sheet1!$D$1</c:f>
+              <c:strCache>
+                <c:ptCount val="1"/>
+                <c:pt idx="0">
+                  <c:v>GAN</c:v>
+                </c:pt>
+              </c:strCache>
+            </c:strRef>
+          </c:tx>
+          <c:spPr>
+            <a:solidFill>
+              <a:schemeClr val="accent2"/>
+            </a:solidFill>
+            <a:ln>
+              <a:noFill/>
+            </a:ln>
+            <a:effectLst/>
+          </c:spPr>
+          <c:invertIfNegative val="0"/>
+          <c:cat>
+            <c:strRef>
+              <c:f>[results.xlsx]Sheet1!$F$15:$F$17</c:f>
+              <c:strCache>
+                <c:ptCount val="3"/>
+                <c:pt idx="0">
+                  <c:v>IOU Threshold 0.5</c:v>
+                </c:pt>
+                <c:pt idx="1">
+                  <c:v>IOU Threshold 0.3</c:v>
+                </c:pt>
+                <c:pt idx="2">
+                  <c:v>IOU Threshold 0.1</c:v>
+                </c:pt>
+              </c:strCache>
+            </c:strRef>
+          </c:cat>
+          <c:val>
+            <c:numRef>
+              <c:f>[results.xlsx]Sheet1!$D$3,[results.xlsx]Sheet1!$D$6,[results.xlsx]Sheet1!$D$9</c:f>
+              <c:numCache>
+                <c:formatCode>General</c:formatCode>
+                <c:ptCount val="3"/>
+                <c:pt idx="0">
+                  <c:v>0.65</c:v>
+                </c:pt>
+                <c:pt idx="1">
+                  <c:v>0.72</c:v>
+                </c:pt>
+                <c:pt idx="2">
+                  <c:v>0.87</c:v>
+                </c:pt>
+              </c:numCache>
+            </c:numRef>
+          </c:val>
+          <c:extLst>
+            <c:ext xmlns:c16="http://schemas.microsoft.com/office/drawing/2014/chart" uri="{C3380CC4-5D6E-409C-BE32-E72D297353CC}">
+              <c16:uniqueId val="{00000001-C1CB-42E0-A62D-F861F09AAF4B}"/>
+            </c:ext>
+          </c:extLst>
+        </c:ser>
+        <c:ser>
+          <c:idx val="2"/>
+          <c:order val="2"/>
+          <c:tx>
+            <c:strRef>
+              <c:f>[results.xlsx]Sheet1!$E$1</c:f>
+              <c:strCache>
+                <c:ptCount val="1"/>
+                <c:pt idx="0">
+                  <c:v>GAP localization</c:v>
+                </c:pt>
+              </c:strCache>
+            </c:strRef>
+          </c:tx>
+          <c:spPr>
+            <a:solidFill>
+              <a:schemeClr val="accent3"/>
+            </a:solidFill>
+            <a:ln>
+              <a:noFill/>
+            </a:ln>
+            <a:effectLst/>
+          </c:spPr>
+          <c:invertIfNegative val="0"/>
+          <c:cat>
+            <c:strRef>
+              <c:f>[results.xlsx]Sheet1!$F$15:$F$17</c:f>
+              <c:strCache>
+                <c:ptCount val="3"/>
+                <c:pt idx="0">
+                  <c:v>IOU Threshold 0.5</c:v>
+                </c:pt>
+                <c:pt idx="1">
+                  <c:v>IOU Threshold 0.3</c:v>
+                </c:pt>
+                <c:pt idx="2">
+                  <c:v>IOU Threshold 0.1</c:v>
+                </c:pt>
+              </c:strCache>
+            </c:strRef>
+          </c:cat>
+          <c:val>
+            <c:numRef>
+              <c:f>[results.xlsx]Sheet1!$E$3,[results.xlsx]Sheet1!$E$6,[results.xlsx]Sheet1!$E$9</c:f>
+              <c:numCache>
+                <c:formatCode>General</c:formatCode>
+                <c:ptCount val="3"/>
+                <c:pt idx="0">
+                  <c:v>0.289030334753968</c:v>
+                </c:pt>
+                <c:pt idx="1">
+                  <c:v>0.72410963069494905</c:v>
+                </c:pt>
+                <c:pt idx="2">
+                  <c:v>0.93954602574482304</c:v>
+                </c:pt>
+              </c:numCache>
+            </c:numRef>
+          </c:val>
+          <c:extLst>
+            <c:ext xmlns:c16="http://schemas.microsoft.com/office/drawing/2014/chart" uri="{C3380CC4-5D6E-409C-BE32-E72D297353CC}">
+              <c16:uniqueId val="{00000002-C1CB-42E0-A62D-F861F09AAF4B}"/>
+            </c:ext>
+          </c:extLst>
+        </c:ser>
+        <c:dLbls>
+          <c:showLegendKey val="0"/>
+          <c:showVal val="0"/>
+          <c:showCatName val="0"/>
+          <c:showSerName val="0"/>
+          <c:showPercent val="0"/>
+          <c:showBubbleSize val="0"/>
+        </c:dLbls>
+        <c:gapWidth val="219"/>
+        <c:overlap val="-27"/>
+        <c:axId val="1487983120"/>
+        <c:axId val="1487987280"/>
+      </c:barChart>
+      <c:catAx>
+        <c:axId val="1487983120"/>
+        <c:scaling>
+          <c:orientation val="maxMin"/>
+        </c:scaling>
+        <c:delete val="0"/>
+        <c:axPos val="b"/>
+        <c:numFmt formatCode="General" sourceLinked="1"/>
+        <c:majorTickMark val="none"/>
+        <c:minorTickMark val="none"/>
+        <c:tickLblPos val="nextTo"/>
+        <c:spPr>
+          <a:noFill/>
+          <a:ln w="9525" cap="flat" cmpd="sng" algn="ctr">
+            <a:solidFill>
+              <a:schemeClr val="tx1">
+                <a:lumMod val="15000"/>
+                <a:lumOff val="85000"/>
+              </a:schemeClr>
+            </a:solidFill>
+            <a:round/>
+          </a:ln>
+          <a:effectLst/>
+        </c:spPr>
+        <c:txPr>
+          <a:bodyPr rot="-60000000" spcFirstLastPara="1" vertOverflow="ellipsis" vert="horz" wrap="square" anchor="ctr" anchorCtr="1"/>
+          <a:lstStyle/>
+          <a:p>
+            <a:pPr>
+              <a:defRPr sz="900" b="0" i="0" u="none" strike="noStrike" kern="1200" baseline="0">
+                <a:solidFill>
+                  <a:schemeClr val="tx1">
+                    <a:lumMod val="65000"/>
+                    <a:lumOff val="35000"/>
+                  </a:schemeClr>
+                </a:solidFill>
+                <a:latin typeface="+mn-lt"/>
+                <a:ea typeface="+mn-ea"/>
+                <a:cs typeface="+mn-cs"/>
+              </a:defRPr>
+            </a:pPr>
+            <a:endParaRPr lang="he-IL"/>
+          </a:p>
+        </c:txPr>
+        <c:crossAx val="1487987280"/>
+        <c:crosses val="autoZero"/>
+        <c:auto val="1"/>
+        <c:lblAlgn val="ctr"/>
+        <c:lblOffset val="100"/>
+        <c:noMultiLvlLbl val="0"/>
+      </c:catAx>
+      <c:valAx>
+        <c:axId val="1487987280"/>
+        <c:scaling>
+          <c:orientation val="minMax"/>
+        </c:scaling>
+        <c:delete val="0"/>
+        <c:axPos val="r"/>
+        <c:majorGridlines>
+          <c:spPr>
+            <a:ln w="9525" cap="flat" cmpd="sng" algn="ctr">
+              <a:solidFill>
+                <a:schemeClr val="tx1">
+                  <a:lumMod val="15000"/>
+                  <a:lumOff val="85000"/>
+                </a:schemeClr>
+              </a:solidFill>
+              <a:round/>
+            </a:ln>
+            <a:effectLst/>
+          </c:spPr>
+        </c:majorGridlines>
+        <c:numFmt formatCode="General" sourceLinked="1"/>
+        <c:majorTickMark val="none"/>
+        <c:minorTickMark val="none"/>
+        <c:tickLblPos val="nextTo"/>
+        <c:spPr>
+          <a:noFill/>
+          <a:ln>
+            <a:noFill/>
+          </a:ln>
+          <a:effectLst/>
+        </c:spPr>
+        <c:txPr>
+          <a:bodyPr rot="-60000000" spcFirstLastPara="1" vertOverflow="ellipsis" vert="horz" wrap="square" anchor="ctr" anchorCtr="1"/>
+          <a:lstStyle/>
+          <a:p>
+            <a:pPr>
+              <a:defRPr sz="900" b="0" i="0" u="none" strike="noStrike" kern="1200" baseline="0">
+                <a:solidFill>
+                  <a:schemeClr val="tx1">
+                    <a:lumMod val="65000"/>
+                    <a:lumOff val="35000"/>
+                  </a:schemeClr>
+                </a:solidFill>
+                <a:latin typeface="+mn-lt"/>
+                <a:ea typeface="+mn-ea"/>
+                <a:cs typeface="+mn-cs"/>
+              </a:defRPr>
+            </a:pPr>
+            <a:endParaRPr lang="he-IL"/>
+          </a:p>
+        </c:txPr>
+        <c:crossAx val="1487983120"/>
+        <c:crosses val="autoZero"/>
+        <c:crossBetween val="between"/>
+      </c:valAx>
+      <c:spPr>
+        <a:noFill/>
+        <a:ln>
+          <a:noFill/>
+        </a:ln>
+        <a:effectLst/>
+      </c:spPr>
+    </c:plotArea>
+    <c:legend>
+      <c:legendPos val="b"/>
+      <c:layout/>
+      <c:overlay val="0"/>
+      <c:spPr>
+        <a:noFill/>
+        <a:ln>
+          <a:noFill/>
+        </a:ln>
+        <a:effectLst/>
+      </c:spPr>
+      <c:txPr>
+        <a:bodyPr rot="0" spcFirstLastPara="1" vertOverflow="ellipsis" vert="horz" wrap="square" anchor="ctr" anchorCtr="1"/>
+        <a:lstStyle/>
+        <a:p>
+          <a:pPr>
+            <a:defRPr sz="900" b="0" i="0" u="none" strike="noStrike" kern="1200" baseline="0">
+              <a:solidFill>
+                <a:schemeClr val="tx1">
+                  <a:lumMod val="65000"/>
+                  <a:lumOff val="35000"/>
+                </a:schemeClr>
+              </a:solidFill>
+              <a:latin typeface="+mn-lt"/>
+              <a:ea typeface="+mn-ea"/>
+              <a:cs typeface="+mn-cs"/>
+            </a:defRPr>
+          </a:pPr>
+          <a:endParaRPr lang="he-IL"/>
+        </a:p>
+      </c:txPr>
+    </c:legend>
+    <c:plotVisOnly val="1"/>
+    <c:dispBlanksAs val="gap"/>
+    <c:showDLblsOverMax val="0"/>
+  </c:chart>
+  <c:spPr>
+    <a:noFill/>
+    <a:ln>
+      <a:noFill/>
+    </a:ln>
+    <a:effectLst/>
+  </c:spPr>
+  <c:txPr>
+    <a:bodyPr/>
+    <a:lstStyle/>
+    <a:p>
+      <a:pPr>
+        <a:defRPr/>
+      </a:pPr>
+      <a:endParaRPr lang="he-IL"/>
+    </a:p>
+  </c:txPr>
+  <c:externalData r:id="rId3">
+    <c:autoUpdate val="0"/>
+  </c:externalData>
+</c:chartSpace>
+</file>
+
+<file path=ppt/charts/chart4.xml><?xml version="1.0" encoding="utf-8"?>
+<c:chartSpace xmlns:c="http://schemas.openxmlformats.org/drawingml/2006/chart" xmlns:a="http://schemas.openxmlformats.org/drawingml/2006/main" xmlns:r="http://schemas.openxmlformats.org/officeDocument/2006/relationships" xmlns:c16r2="http://schemas.microsoft.com/office/drawing/2015/06/chart">
+  <c:date1904 val="0"/>
+  <c:lang val="en-US"/>
+  <c:roundedCorners val="0"/>
+  <mc:AlternateContent xmlns:mc="http://schemas.openxmlformats.org/markup-compatibility/2006">
+    <mc:Choice xmlns:c14="http://schemas.microsoft.com/office/drawing/2007/8/2/chart" Requires="c14">
+      <c14:style val="102"/>
+    </mc:Choice>
+    <mc:Fallback>
+      <c:style val="2"/>
+    </mc:Fallback>
+  </mc:AlternateContent>
+  <c:chart>
+    <c:title>
+      <c:tx>
+        <c:rich>
+          <a:bodyPr rot="0" spcFirstLastPara="1" vertOverflow="ellipsis" vert="horz" wrap="square" anchor="ctr" anchorCtr="1"/>
+          <a:lstStyle/>
+          <a:p>
+            <a:pPr>
+              <a:defRPr sz="1400" b="0" i="0" u="none" strike="noStrike" kern="1200" spc="0" baseline="0">
+                <a:solidFill>
+                  <a:schemeClr val="tx1">
+                    <a:lumMod val="65000"/>
+                    <a:lumOff val="35000"/>
+                  </a:schemeClr>
+                </a:solidFill>
+                <a:latin typeface="+mn-lt"/>
+                <a:ea typeface="+mn-ea"/>
+                <a:cs typeface="+mn-cs"/>
+              </a:defRPr>
+            </a:pPr>
+            <a:r>
+              <a:rPr lang="en-US"/>
+              <a:t>Precision</a:t>
+            </a:r>
+          </a:p>
+        </c:rich>
+      </c:tx>
+      <c:layout/>
+      <c:overlay val="0"/>
+      <c:spPr>
+        <a:noFill/>
+        <a:ln>
+          <a:noFill/>
+        </a:ln>
+        <a:effectLst/>
+      </c:spPr>
+      <c:txPr>
+        <a:bodyPr rot="0" spcFirstLastPara="1" vertOverflow="ellipsis" vert="horz" wrap="square" anchor="ctr" anchorCtr="1"/>
+        <a:lstStyle/>
+        <a:p>
+          <a:pPr>
+            <a:defRPr sz="1400" b="0" i="0" u="none" strike="noStrike" kern="1200" spc="0" baseline="0">
+              <a:solidFill>
+                <a:schemeClr val="tx1">
+                  <a:lumMod val="65000"/>
+                  <a:lumOff val="35000"/>
+                </a:schemeClr>
+              </a:solidFill>
+              <a:latin typeface="+mn-lt"/>
+              <a:ea typeface="+mn-ea"/>
+              <a:cs typeface="+mn-cs"/>
+            </a:defRPr>
+          </a:pPr>
+          <a:endParaRPr lang="he-IL"/>
+        </a:p>
+      </c:txPr>
+    </c:title>
+    <c:autoTitleDeleted val="0"/>
+    <c:plotArea>
+      <c:layout/>
+      <c:barChart>
+        <c:barDir val="col"/>
+        <c:grouping val="clustered"/>
+        <c:varyColors val="0"/>
+        <c:ser>
+          <c:idx val="0"/>
+          <c:order val="0"/>
+          <c:tx>
+            <c:strRef>
+              <c:f>[results.xlsx]Sheet1!$C$1</c:f>
+              <c:strCache>
+                <c:ptCount val="1"/>
+                <c:pt idx="0">
+                  <c:v>Semantic segmentation</c:v>
+                </c:pt>
+              </c:strCache>
+            </c:strRef>
+          </c:tx>
+          <c:spPr>
+            <a:solidFill>
+              <a:schemeClr val="accent1"/>
+            </a:solidFill>
+            <a:ln>
+              <a:noFill/>
+            </a:ln>
+            <a:effectLst/>
+          </c:spPr>
+          <c:invertIfNegative val="0"/>
+          <c:cat>
+            <c:strRef>
+              <c:f>[results.xlsx]Sheet1!$F$15:$F$17</c:f>
+              <c:strCache>
+                <c:ptCount val="3"/>
+                <c:pt idx="0">
+                  <c:v>IOU Threshold 0.5</c:v>
+                </c:pt>
+                <c:pt idx="1">
+                  <c:v>IOU Threshold 0.3</c:v>
+                </c:pt>
+                <c:pt idx="2">
+                  <c:v>IOU Threshold 0.1</c:v>
+                </c:pt>
+              </c:strCache>
+            </c:strRef>
+          </c:cat>
+          <c:val>
+            <c:numRef>
+              <c:f>[results.xlsx]Sheet1!$C$4,[results.xlsx]Sheet1!$C$7,[results.xlsx]Sheet1!$C$10</c:f>
+              <c:numCache>
+                <c:formatCode>General</c:formatCode>
+                <c:ptCount val="3"/>
+                <c:pt idx="0">
+                  <c:v>0.54468454891919904</c:v>
+                </c:pt>
+                <c:pt idx="1">
+                  <c:v>0.75510918030337004</c:v>
+                </c:pt>
+                <c:pt idx="2">
+                  <c:v>0.82122162711699997</c:v>
+                </c:pt>
+              </c:numCache>
+            </c:numRef>
+          </c:val>
+          <c:extLst>
+            <c:ext xmlns:c16="http://schemas.microsoft.com/office/drawing/2014/chart" uri="{C3380CC4-5D6E-409C-BE32-E72D297353CC}">
+              <c16:uniqueId val="{00000000-4E88-4E76-A4B1-3769423CE2D1}"/>
+            </c:ext>
+          </c:extLst>
+        </c:ser>
+        <c:ser>
+          <c:idx val="1"/>
+          <c:order val="1"/>
+          <c:tx>
+            <c:strRef>
+              <c:f>[results.xlsx]Sheet1!$D$1</c:f>
+              <c:strCache>
+                <c:ptCount val="1"/>
+                <c:pt idx="0">
+                  <c:v>GAN</c:v>
+                </c:pt>
+              </c:strCache>
+            </c:strRef>
+          </c:tx>
+          <c:spPr>
+            <a:solidFill>
+              <a:schemeClr val="accent2"/>
+            </a:solidFill>
+            <a:ln>
+              <a:noFill/>
+            </a:ln>
+            <a:effectLst/>
+          </c:spPr>
+          <c:invertIfNegative val="0"/>
+          <c:cat>
+            <c:strRef>
+              <c:f>[results.xlsx]Sheet1!$F$15:$F$17</c:f>
+              <c:strCache>
+                <c:ptCount val="3"/>
+                <c:pt idx="0">
+                  <c:v>IOU Threshold 0.5</c:v>
+                </c:pt>
+                <c:pt idx="1">
+                  <c:v>IOU Threshold 0.3</c:v>
+                </c:pt>
+                <c:pt idx="2">
+                  <c:v>IOU Threshold 0.1</c:v>
+                </c:pt>
+              </c:strCache>
+            </c:strRef>
+          </c:cat>
+          <c:val>
+            <c:numRef>
+              <c:f>[results.xlsx]Sheet1!$D$4,[results.xlsx]Sheet1!$D$7,[results.xlsx]Sheet1!$D$10</c:f>
+              <c:numCache>
+                <c:formatCode>General</c:formatCode>
+                <c:ptCount val="3"/>
+                <c:pt idx="0">
+                  <c:v>0.72</c:v>
+                </c:pt>
+                <c:pt idx="1">
+                  <c:v>0.79</c:v>
+                </c:pt>
+                <c:pt idx="2">
+                  <c:v>0.91</c:v>
+                </c:pt>
+              </c:numCache>
+            </c:numRef>
+          </c:val>
+          <c:extLst>
+            <c:ext xmlns:c16="http://schemas.microsoft.com/office/drawing/2014/chart" uri="{C3380CC4-5D6E-409C-BE32-E72D297353CC}">
+              <c16:uniqueId val="{00000001-4E88-4E76-A4B1-3769423CE2D1}"/>
+            </c:ext>
+          </c:extLst>
+        </c:ser>
+        <c:ser>
+          <c:idx val="2"/>
+          <c:order val="2"/>
+          <c:tx>
+            <c:strRef>
+              <c:f>[results.xlsx]Sheet1!$E$1</c:f>
+              <c:strCache>
+                <c:ptCount val="1"/>
+                <c:pt idx="0">
+                  <c:v>GAP localization</c:v>
+                </c:pt>
+              </c:strCache>
+            </c:strRef>
+          </c:tx>
+          <c:spPr>
+            <a:solidFill>
+              <a:schemeClr val="accent3"/>
+            </a:solidFill>
+            <a:ln>
+              <a:noFill/>
+            </a:ln>
+            <a:effectLst/>
+          </c:spPr>
+          <c:invertIfNegative val="0"/>
+          <c:cat>
+            <c:strRef>
+              <c:f>[results.xlsx]Sheet1!$F$15:$F$17</c:f>
+              <c:strCache>
+                <c:ptCount val="3"/>
+                <c:pt idx="0">
+                  <c:v>IOU Threshold 0.5</c:v>
+                </c:pt>
+                <c:pt idx="1">
+                  <c:v>IOU Threshold 0.3</c:v>
+                </c:pt>
+                <c:pt idx="2">
+                  <c:v>IOU Threshold 0.1</c:v>
+                </c:pt>
+              </c:strCache>
+            </c:strRef>
+          </c:cat>
+          <c:val>
+            <c:numRef>
+              <c:f>[results.xlsx]Sheet1!$E$4,[results.xlsx]Sheet1!$E$7,[results.xlsx]Sheet1!$E$10</c:f>
+              <c:numCache>
+                <c:formatCode>General</c:formatCode>
+                <c:ptCount val="3"/>
+                <c:pt idx="0">
+                  <c:v>0.71614989461663903</c:v>
+                </c:pt>
+                <c:pt idx="1">
+                  <c:v>0.847188934876834</c:v>
+                </c:pt>
+                <c:pt idx="2">
+                  <c:v>0.86148336436761896</c:v>
+                </c:pt>
+              </c:numCache>
+            </c:numRef>
+          </c:val>
+          <c:extLst>
+            <c:ext xmlns:c16="http://schemas.microsoft.com/office/drawing/2014/chart" uri="{C3380CC4-5D6E-409C-BE32-E72D297353CC}">
+              <c16:uniqueId val="{00000002-4E88-4E76-A4B1-3769423CE2D1}"/>
+            </c:ext>
+          </c:extLst>
+        </c:ser>
+        <c:dLbls>
+          <c:showLegendKey val="0"/>
+          <c:showVal val="0"/>
+          <c:showCatName val="0"/>
+          <c:showSerName val="0"/>
+          <c:showPercent val="0"/>
+          <c:showBubbleSize val="0"/>
+        </c:dLbls>
+        <c:gapWidth val="219"/>
+        <c:overlap val="-27"/>
+        <c:axId val="1487983120"/>
+        <c:axId val="1487987280"/>
+      </c:barChart>
+      <c:catAx>
+        <c:axId val="1487983120"/>
+        <c:scaling>
+          <c:orientation val="maxMin"/>
+        </c:scaling>
+        <c:delete val="0"/>
+        <c:axPos val="b"/>
+        <c:numFmt formatCode="General" sourceLinked="1"/>
+        <c:majorTickMark val="none"/>
+        <c:minorTickMark val="none"/>
+        <c:tickLblPos val="nextTo"/>
+        <c:spPr>
+          <a:noFill/>
+          <a:ln w="9525" cap="flat" cmpd="sng" algn="ctr">
+            <a:solidFill>
+              <a:schemeClr val="tx1">
+                <a:lumMod val="15000"/>
+                <a:lumOff val="85000"/>
+              </a:schemeClr>
+            </a:solidFill>
+            <a:round/>
+          </a:ln>
+          <a:effectLst/>
+        </c:spPr>
+        <c:txPr>
+          <a:bodyPr rot="-60000000" spcFirstLastPara="1" vertOverflow="ellipsis" vert="horz" wrap="square" anchor="ctr" anchorCtr="1"/>
+          <a:lstStyle/>
+          <a:p>
+            <a:pPr>
+              <a:defRPr sz="900" b="0" i="0" u="none" strike="noStrike" kern="1200" baseline="0">
+                <a:solidFill>
+                  <a:schemeClr val="tx1">
+                    <a:lumMod val="65000"/>
+                    <a:lumOff val="35000"/>
+                  </a:schemeClr>
+                </a:solidFill>
+                <a:latin typeface="+mn-lt"/>
+                <a:ea typeface="+mn-ea"/>
+                <a:cs typeface="+mn-cs"/>
+              </a:defRPr>
+            </a:pPr>
+            <a:endParaRPr lang="he-IL"/>
+          </a:p>
+        </c:txPr>
+        <c:crossAx val="1487987280"/>
+        <c:crosses val="autoZero"/>
+        <c:auto val="1"/>
+        <c:lblAlgn val="ctr"/>
+        <c:lblOffset val="100"/>
+        <c:noMultiLvlLbl val="0"/>
+      </c:catAx>
+      <c:valAx>
+        <c:axId val="1487987280"/>
+        <c:scaling>
+          <c:orientation val="minMax"/>
+        </c:scaling>
+        <c:delete val="0"/>
+        <c:axPos val="r"/>
+        <c:majorGridlines>
+          <c:spPr>
+            <a:ln w="9525" cap="flat" cmpd="sng" algn="ctr">
+              <a:solidFill>
+                <a:schemeClr val="tx1">
+                  <a:lumMod val="15000"/>
+                  <a:lumOff val="85000"/>
+                </a:schemeClr>
+              </a:solidFill>
+              <a:round/>
+            </a:ln>
+            <a:effectLst/>
+          </c:spPr>
+        </c:majorGridlines>
+        <c:numFmt formatCode="General" sourceLinked="1"/>
+        <c:majorTickMark val="none"/>
+        <c:minorTickMark val="none"/>
+        <c:tickLblPos val="nextTo"/>
+        <c:spPr>
+          <a:noFill/>
+          <a:ln>
+            <a:noFill/>
+          </a:ln>
+          <a:effectLst/>
+        </c:spPr>
+        <c:txPr>
+          <a:bodyPr rot="-60000000" spcFirstLastPara="1" vertOverflow="ellipsis" vert="horz" wrap="square" anchor="ctr" anchorCtr="1"/>
+          <a:lstStyle/>
+          <a:p>
+            <a:pPr>
+              <a:defRPr sz="900" b="0" i="0" u="none" strike="noStrike" kern="1200" baseline="0">
+                <a:solidFill>
+                  <a:schemeClr val="tx1">
+                    <a:lumMod val="65000"/>
+                    <a:lumOff val="35000"/>
+                  </a:schemeClr>
+                </a:solidFill>
+                <a:latin typeface="+mn-lt"/>
+                <a:ea typeface="+mn-ea"/>
+                <a:cs typeface="+mn-cs"/>
+              </a:defRPr>
+            </a:pPr>
+            <a:endParaRPr lang="he-IL"/>
+          </a:p>
+        </c:txPr>
+        <c:crossAx val="1487983120"/>
+        <c:crosses val="autoZero"/>
+        <c:crossBetween val="between"/>
+      </c:valAx>
+      <c:spPr>
+        <a:noFill/>
+        <a:ln>
+          <a:noFill/>
+        </a:ln>
+        <a:effectLst/>
+      </c:spPr>
+    </c:plotArea>
+    <c:legend>
+      <c:legendPos val="b"/>
+      <c:layout/>
+      <c:overlay val="0"/>
+      <c:spPr>
+        <a:noFill/>
+        <a:ln>
+          <a:noFill/>
+        </a:ln>
+        <a:effectLst/>
+      </c:spPr>
+      <c:txPr>
+        <a:bodyPr rot="0" spcFirstLastPara="1" vertOverflow="ellipsis" vert="horz" wrap="square" anchor="ctr" anchorCtr="1"/>
+        <a:lstStyle/>
+        <a:p>
+          <a:pPr>
+            <a:defRPr sz="900" b="0" i="0" u="none" strike="noStrike" kern="1200" baseline="0">
+              <a:solidFill>
+                <a:schemeClr val="tx1">
+                  <a:lumMod val="65000"/>
+                  <a:lumOff val="35000"/>
+                </a:schemeClr>
+              </a:solidFill>
+              <a:latin typeface="+mn-lt"/>
+              <a:ea typeface="+mn-ea"/>
+              <a:cs typeface="+mn-cs"/>
+            </a:defRPr>
+          </a:pPr>
+          <a:endParaRPr lang="he-IL"/>
+        </a:p>
+      </c:txPr>
+    </c:legend>
+    <c:plotVisOnly val="1"/>
+    <c:dispBlanksAs val="gap"/>
+    <c:showDLblsOverMax val="0"/>
+  </c:chart>
+  <c:spPr>
+    <a:noFill/>
+    <a:ln>
+      <a:noFill/>
+    </a:ln>
+    <a:effectLst/>
+  </c:spPr>
+  <c:txPr>
+    <a:bodyPr/>
+    <a:lstStyle/>
+    <a:p>
+      <a:pPr>
+        <a:defRPr/>
+      </a:pPr>
+      <a:endParaRPr lang="he-IL"/>
     </a:p>
   </c:txPr>
   <c:externalData r:id="rId3">
@@ -953,6 +1878,86 @@
 </file>
 
 <file path=ppt/charts/colors2.xml><?xml version="1.0" encoding="utf-8"?>
+<cs:colorStyle xmlns:cs="http://schemas.microsoft.com/office/drawing/2012/chartStyle" xmlns:a="http://schemas.openxmlformats.org/drawingml/2006/main" meth="cycle" id="10">
+  <a:schemeClr val="accent1"/>
+  <a:schemeClr val="accent2"/>
+  <a:schemeClr val="accent3"/>
+  <a:schemeClr val="accent4"/>
+  <a:schemeClr val="accent5"/>
+  <a:schemeClr val="accent6"/>
+  <cs:variation/>
+  <cs:variation>
+    <a:lumMod val="60000"/>
+  </cs:variation>
+  <cs:variation>
+    <a:lumMod val="80000"/>
+    <a:lumOff val="20000"/>
+  </cs:variation>
+  <cs:variation>
+    <a:lumMod val="80000"/>
+  </cs:variation>
+  <cs:variation>
+    <a:lumMod val="60000"/>
+    <a:lumOff val="40000"/>
+  </cs:variation>
+  <cs:variation>
+    <a:lumMod val="50000"/>
+  </cs:variation>
+  <cs:variation>
+    <a:lumMod val="70000"/>
+    <a:lumOff val="30000"/>
+  </cs:variation>
+  <cs:variation>
+    <a:lumMod val="70000"/>
+  </cs:variation>
+  <cs:variation>
+    <a:lumMod val="50000"/>
+    <a:lumOff val="50000"/>
+  </cs:variation>
+</cs:colorStyle>
+</file>
+
+<file path=ppt/charts/colors3.xml><?xml version="1.0" encoding="utf-8"?>
+<cs:colorStyle xmlns:cs="http://schemas.microsoft.com/office/drawing/2012/chartStyle" xmlns:a="http://schemas.openxmlformats.org/drawingml/2006/main" meth="cycle" id="10">
+  <a:schemeClr val="accent1"/>
+  <a:schemeClr val="accent2"/>
+  <a:schemeClr val="accent3"/>
+  <a:schemeClr val="accent4"/>
+  <a:schemeClr val="accent5"/>
+  <a:schemeClr val="accent6"/>
+  <cs:variation/>
+  <cs:variation>
+    <a:lumMod val="60000"/>
+  </cs:variation>
+  <cs:variation>
+    <a:lumMod val="80000"/>
+    <a:lumOff val="20000"/>
+  </cs:variation>
+  <cs:variation>
+    <a:lumMod val="80000"/>
+  </cs:variation>
+  <cs:variation>
+    <a:lumMod val="60000"/>
+    <a:lumOff val="40000"/>
+  </cs:variation>
+  <cs:variation>
+    <a:lumMod val="50000"/>
+  </cs:variation>
+  <cs:variation>
+    <a:lumMod val="70000"/>
+    <a:lumOff val="30000"/>
+  </cs:variation>
+  <cs:variation>
+    <a:lumMod val="70000"/>
+  </cs:variation>
+  <cs:variation>
+    <a:lumMod val="50000"/>
+    <a:lumOff val="50000"/>
+  </cs:variation>
+</cs:colorStyle>
+</file>
+
+<file path=ppt/charts/colors4.xml><?xml version="1.0" encoding="utf-8"?>
 <cs:colorStyle xmlns:cs="http://schemas.microsoft.com/office/drawing/2012/chartStyle" xmlns:a="http://schemas.openxmlformats.org/drawingml/2006/main" meth="cycle" id="10">
   <a:schemeClr val="accent1"/>
   <a:schemeClr val="accent2"/>
@@ -1998,6 +3003,1012 @@
 </cs:chartStyle>
 </file>
 
+<file path=ppt/charts/style3.xml><?xml version="1.0" encoding="utf-8"?>
+<cs:chartStyle xmlns:cs="http://schemas.microsoft.com/office/drawing/2012/chartStyle" xmlns:a="http://schemas.openxmlformats.org/drawingml/2006/main" id="201">
+  <cs:axisTitle>
+    <cs:lnRef idx="0"/>
+    <cs:fillRef idx="0"/>
+    <cs:effectRef idx="0"/>
+    <cs:fontRef idx="minor">
+      <a:schemeClr val="tx1">
+        <a:lumMod val="65000"/>
+        <a:lumOff val="35000"/>
+      </a:schemeClr>
+    </cs:fontRef>
+    <cs:defRPr sz="1000" kern="1200"/>
+  </cs:axisTitle>
+  <cs:categoryAxis>
+    <cs:lnRef idx="0"/>
+    <cs:fillRef idx="0"/>
+    <cs:effectRef idx="0"/>
+    <cs:fontRef idx="minor">
+      <a:schemeClr val="tx1">
+        <a:lumMod val="65000"/>
+        <a:lumOff val="35000"/>
+      </a:schemeClr>
+    </cs:fontRef>
+    <cs:spPr>
+      <a:ln w="9525" cap="flat" cmpd="sng" algn="ctr">
+        <a:solidFill>
+          <a:schemeClr val="tx1">
+            <a:lumMod val="15000"/>
+            <a:lumOff val="85000"/>
+          </a:schemeClr>
+        </a:solidFill>
+        <a:round/>
+      </a:ln>
+    </cs:spPr>
+    <cs:defRPr sz="900" kern="1200"/>
+  </cs:categoryAxis>
+  <cs:chartArea mods="allowNoFillOverride allowNoLineOverride">
+    <cs:lnRef idx="0"/>
+    <cs:fillRef idx="0"/>
+    <cs:effectRef idx="0"/>
+    <cs:fontRef idx="minor">
+      <a:schemeClr val="tx1"/>
+    </cs:fontRef>
+    <cs:spPr>
+      <a:solidFill>
+        <a:schemeClr val="bg1"/>
+      </a:solidFill>
+      <a:ln w="9525" cap="flat" cmpd="sng" algn="ctr">
+        <a:solidFill>
+          <a:schemeClr val="tx1">
+            <a:lumMod val="15000"/>
+            <a:lumOff val="85000"/>
+          </a:schemeClr>
+        </a:solidFill>
+        <a:round/>
+      </a:ln>
+    </cs:spPr>
+    <cs:defRPr sz="1000" kern="1200"/>
+  </cs:chartArea>
+  <cs:dataLabel>
+    <cs:lnRef idx="0"/>
+    <cs:fillRef idx="0"/>
+    <cs:effectRef idx="0"/>
+    <cs:fontRef idx="minor">
+      <a:schemeClr val="tx1">
+        <a:lumMod val="75000"/>
+        <a:lumOff val="25000"/>
+      </a:schemeClr>
+    </cs:fontRef>
+    <cs:defRPr sz="900" kern="1200"/>
+  </cs:dataLabel>
+  <cs:dataLabelCallout>
+    <cs:lnRef idx="0"/>
+    <cs:fillRef idx="0"/>
+    <cs:effectRef idx="0"/>
+    <cs:fontRef idx="minor">
+      <a:schemeClr val="dk1">
+        <a:lumMod val="65000"/>
+        <a:lumOff val="35000"/>
+      </a:schemeClr>
+    </cs:fontRef>
+    <cs:spPr>
+      <a:solidFill>
+        <a:schemeClr val="lt1"/>
+      </a:solidFill>
+      <a:ln>
+        <a:solidFill>
+          <a:schemeClr val="dk1">
+            <a:lumMod val="25000"/>
+            <a:lumOff val="75000"/>
+          </a:schemeClr>
+        </a:solidFill>
+      </a:ln>
+    </cs:spPr>
+    <cs:defRPr sz="900" kern="1200"/>
+    <cs:bodyPr rot="0" spcFirstLastPara="1" vertOverflow="clip" horzOverflow="clip" vert="horz" wrap="square" lIns="36576" tIns="18288" rIns="36576" bIns="18288" anchor="ctr" anchorCtr="1">
+      <a:spAutoFit/>
+    </cs:bodyPr>
+  </cs:dataLabelCallout>
+  <cs:dataPoint>
+    <cs:lnRef idx="0"/>
+    <cs:fillRef idx="1">
+      <cs:styleClr val="auto"/>
+    </cs:fillRef>
+    <cs:effectRef idx="0"/>
+    <cs:fontRef idx="minor">
+      <a:schemeClr val="tx1"/>
+    </cs:fontRef>
+  </cs:dataPoint>
+  <cs:dataPoint3D>
+    <cs:lnRef idx="0"/>
+    <cs:fillRef idx="1">
+      <cs:styleClr val="auto"/>
+    </cs:fillRef>
+    <cs:effectRef idx="0"/>
+    <cs:fontRef idx="minor">
+      <a:schemeClr val="tx1"/>
+    </cs:fontRef>
+  </cs:dataPoint3D>
+  <cs:dataPointLine>
+    <cs:lnRef idx="0">
+      <cs:styleClr val="auto"/>
+    </cs:lnRef>
+    <cs:fillRef idx="1"/>
+    <cs:effectRef idx="0"/>
+    <cs:fontRef idx="minor">
+      <a:schemeClr val="tx1"/>
+    </cs:fontRef>
+    <cs:spPr>
+      <a:ln w="28575" cap="rnd">
+        <a:solidFill>
+          <a:schemeClr val="phClr"/>
+        </a:solidFill>
+        <a:round/>
+      </a:ln>
+    </cs:spPr>
+  </cs:dataPointLine>
+  <cs:dataPointMarker>
+    <cs:lnRef idx="0">
+      <cs:styleClr val="auto"/>
+    </cs:lnRef>
+    <cs:fillRef idx="1">
+      <cs:styleClr val="auto"/>
+    </cs:fillRef>
+    <cs:effectRef idx="0"/>
+    <cs:fontRef idx="minor">
+      <a:schemeClr val="tx1"/>
+    </cs:fontRef>
+    <cs:spPr>
+      <a:ln w="9525">
+        <a:solidFill>
+          <a:schemeClr val="phClr"/>
+        </a:solidFill>
+      </a:ln>
+    </cs:spPr>
+  </cs:dataPointMarker>
+  <cs:dataPointMarkerLayout symbol="circle" size="5"/>
+  <cs:dataPointWireframe>
+    <cs:lnRef idx="0">
+      <cs:styleClr val="auto"/>
+    </cs:lnRef>
+    <cs:fillRef idx="1"/>
+    <cs:effectRef idx="0"/>
+    <cs:fontRef idx="minor">
+      <a:schemeClr val="tx1"/>
+    </cs:fontRef>
+    <cs:spPr>
+      <a:ln w="9525" cap="rnd">
+        <a:solidFill>
+          <a:schemeClr val="phClr"/>
+        </a:solidFill>
+        <a:round/>
+      </a:ln>
+    </cs:spPr>
+  </cs:dataPointWireframe>
+  <cs:dataTable>
+    <cs:lnRef idx="0"/>
+    <cs:fillRef idx="0"/>
+    <cs:effectRef idx="0"/>
+    <cs:fontRef idx="minor">
+      <a:schemeClr val="tx1">
+        <a:lumMod val="65000"/>
+        <a:lumOff val="35000"/>
+      </a:schemeClr>
+    </cs:fontRef>
+    <cs:spPr>
+      <a:noFill/>
+      <a:ln w="9525" cap="flat" cmpd="sng" algn="ctr">
+        <a:solidFill>
+          <a:schemeClr val="tx1">
+            <a:lumMod val="15000"/>
+            <a:lumOff val="85000"/>
+          </a:schemeClr>
+        </a:solidFill>
+        <a:round/>
+      </a:ln>
+    </cs:spPr>
+    <cs:defRPr sz="900" kern="1200"/>
+  </cs:dataTable>
+  <cs:downBar>
+    <cs:lnRef idx="0"/>
+    <cs:fillRef idx="0"/>
+    <cs:effectRef idx="0"/>
+    <cs:fontRef idx="minor">
+      <a:schemeClr val="dk1"/>
+    </cs:fontRef>
+    <cs:spPr>
+      <a:solidFill>
+        <a:schemeClr val="dk1">
+          <a:lumMod val="65000"/>
+          <a:lumOff val="35000"/>
+        </a:schemeClr>
+      </a:solidFill>
+      <a:ln w="9525">
+        <a:solidFill>
+          <a:schemeClr val="tx1">
+            <a:lumMod val="65000"/>
+            <a:lumOff val="35000"/>
+          </a:schemeClr>
+        </a:solidFill>
+      </a:ln>
+    </cs:spPr>
+  </cs:downBar>
+  <cs:dropLine>
+    <cs:lnRef idx="0"/>
+    <cs:fillRef idx="0"/>
+    <cs:effectRef idx="0"/>
+    <cs:fontRef idx="minor">
+      <a:schemeClr val="tx1"/>
+    </cs:fontRef>
+    <cs:spPr>
+      <a:ln w="9525" cap="flat" cmpd="sng" algn="ctr">
+        <a:solidFill>
+          <a:schemeClr val="tx1">
+            <a:lumMod val="35000"/>
+            <a:lumOff val="65000"/>
+          </a:schemeClr>
+        </a:solidFill>
+        <a:round/>
+      </a:ln>
+    </cs:spPr>
+  </cs:dropLine>
+  <cs:errorBar>
+    <cs:lnRef idx="0"/>
+    <cs:fillRef idx="0"/>
+    <cs:effectRef idx="0"/>
+    <cs:fontRef idx="minor">
+      <a:schemeClr val="tx1"/>
+    </cs:fontRef>
+    <cs:spPr>
+      <a:ln w="9525" cap="flat" cmpd="sng" algn="ctr">
+        <a:solidFill>
+          <a:schemeClr val="tx1">
+            <a:lumMod val="65000"/>
+            <a:lumOff val="35000"/>
+          </a:schemeClr>
+        </a:solidFill>
+        <a:round/>
+      </a:ln>
+    </cs:spPr>
+  </cs:errorBar>
+  <cs:floor>
+    <cs:lnRef idx="0"/>
+    <cs:fillRef idx="0"/>
+    <cs:effectRef idx="0"/>
+    <cs:fontRef idx="minor">
+      <a:schemeClr val="tx1"/>
+    </cs:fontRef>
+    <cs:spPr>
+      <a:noFill/>
+      <a:ln>
+        <a:noFill/>
+      </a:ln>
+    </cs:spPr>
+  </cs:floor>
+  <cs:gridlineMajor>
+    <cs:lnRef idx="0"/>
+    <cs:fillRef idx="0"/>
+    <cs:effectRef idx="0"/>
+    <cs:fontRef idx="minor">
+      <a:schemeClr val="tx1"/>
+    </cs:fontRef>
+    <cs:spPr>
+      <a:ln w="9525" cap="flat" cmpd="sng" algn="ctr">
+        <a:solidFill>
+          <a:schemeClr val="tx1">
+            <a:lumMod val="15000"/>
+            <a:lumOff val="85000"/>
+          </a:schemeClr>
+        </a:solidFill>
+        <a:round/>
+      </a:ln>
+    </cs:spPr>
+  </cs:gridlineMajor>
+  <cs:gridlineMinor>
+    <cs:lnRef idx="0"/>
+    <cs:fillRef idx="0"/>
+    <cs:effectRef idx="0"/>
+    <cs:fontRef idx="minor">
+      <a:schemeClr val="tx1"/>
+    </cs:fontRef>
+    <cs:spPr>
+      <a:ln w="9525" cap="flat" cmpd="sng" algn="ctr">
+        <a:solidFill>
+          <a:schemeClr val="tx1">
+            <a:lumMod val="5000"/>
+            <a:lumOff val="95000"/>
+          </a:schemeClr>
+        </a:solidFill>
+        <a:round/>
+      </a:ln>
+    </cs:spPr>
+  </cs:gridlineMinor>
+  <cs:hiLoLine>
+    <cs:lnRef idx="0"/>
+    <cs:fillRef idx="0"/>
+    <cs:effectRef idx="0"/>
+    <cs:fontRef idx="minor">
+      <a:schemeClr val="tx1"/>
+    </cs:fontRef>
+    <cs:spPr>
+      <a:ln w="9525" cap="flat" cmpd="sng" algn="ctr">
+        <a:solidFill>
+          <a:schemeClr val="tx1">
+            <a:lumMod val="75000"/>
+            <a:lumOff val="25000"/>
+          </a:schemeClr>
+        </a:solidFill>
+        <a:round/>
+      </a:ln>
+    </cs:spPr>
+  </cs:hiLoLine>
+  <cs:leaderLine>
+    <cs:lnRef idx="0"/>
+    <cs:fillRef idx="0"/>
+    <cs:effectRef idx="0"/>
+    <cs:fontRef idx="minor">
+      <a:schemeClr val="tx1"/>
+    </cs:fontRef>
+    <cs:spPr>
+      <a:ln w="9525" cap="flat" cmpd="sng" algn="ctr">
+        <a:solidFill>
+          <a:schemeClr val="tx1">
+            <a:lumMod val="35000"/>
+            <a:lumOff val="65000"/>
+          </a:schemeClr>
+        </a:solidFill>
+        <a:round/>
+      </a:ln>
+    </cs:spPr>
+  </cs:leaderLine>
+  <cs:legend>
+    <cs:lnRef idx="0"/>
+    <cs:fillRef idx="0"/>
+    <cs:effectRef idx="0"/>
+    <cs:fontRef idx="minor">
+      <a:schemeClr val="tx1">
+        <a:lumMod val="65000"/>
+        <a:lumOff val="35000"/>
+      </a:schemeClr>
+    </cs:fontRef>
+    <cs:defRPr sz="900" kern="1200"/>
+  </cs:legend>
+  <cs:plotArea mods="allowNoFillOverride allowNoLineOverride">
+    <cs:lnRef idx="0"/>
+    <cs:fillRef idx="0"/>
+    <cs:effectRef idx="0"/>
+    <cs:fontRef idx="minor">
+      <a:schemeClr val="tx1"/>
+    </cs:fontRef>
+  </cs:plotArea>
+  <cs:plotArea3D mods="allowNoFillOverride allowNoLineOverride">
+    <cs:lnRef idx="0"/>
+    <cs:fillRef idx="0"/>
+    <cs:effectRef idx="0"/>
+    <cs:fontRef idx="minor">
+      <a:schemeClr val="tx1"/>
+    </cs:fontRef>
+  </cs:plotArea3D>
+  <cs:seriesAxis>
+    <cs:lnRef idx="0"/>
+    <cs:fillRef idx="0"/>
+    <cs:effectRef idx="0"/>
+    <cs:fontRef idx="minor">
+      <a:schemeClr val="tx1">
+        <a:lumMod val="65000"/>
+        <a:lumOff val="35000"/>
+      </a:schemeClr>
+    </cs:fontRef>
+    <cs:defRPr sz="900" kern="1200"/>
+  </cs:seriesAxis>
+  <cs:seriesLine>
+    <cs:lnRef idx="0"/>
+    <cs:fillRef idx="0"/>
+    <cs:effectRef idx="0"/>
+    <cs:fontRef idx="minor">
+      <a:schemeClr val="tx1"/>
+    </cs:fontRef>
+    <cs:spPr>
+      <a:ln w="9525" cap="flat" cmpd="sng" algn="ctr">
+        <a:solidFill>
+          <a:schemeClr val="tx1">
+            <a:lumMod val="35000"/>
+            <a:lumOff val="65000"/>
+          </a:schemeClr>
+        </a:solidFill>
+        <a:round/>
+      </a:ln>
+    </cs:spPr>
+  </cs:seriesLine>
+  <cs:title>
+    <cs:lnRef idx="0"/>
+    <cs:fillRef idx="0"/>
+    <cs:effectRef idx="0"/>
+    <cs:fontRef idx="minor">
+      <a:schemeClr val="tx1">
+        <a:lumMod val="65000"/>
+        <a:lumOff val="35000"/>
+      </a:schemeClr>
+    </cs:fontRef>
+    <cs:defRPr sz="1400" b="0" kern="1200" spc="0" baseline="0"/>
+  </cs:title>
+  <cs:trendline>
+    <cs:lnRef idx="0">
+      <cs:styleClr val="auto"/>
+    </cs:lnRef>
+    <cs:fillRef idx="0"/>
+    <cs:effectRef idx="0"/>
+    <cs:fontRef idx="minor">
+      <a:schemeClr val="tx1"/>
+    </cs:fontRef>
+    <cs:spPr>
+      <a:ln w="19050" cap="rnd">
+        <a:solidFill>
+          <a:schemeClr val="phClr"/>
+        </a:solidFill>
+        <a:prstDash val="sysDot"/>
+      </a:ln>
+    </cs:spPr>
+  </cs:trendline>
+  <cs:trendlineLabel>
+    <cs:lnRef idx="0"/>
+    <cs:fillRef idx="0"/>
+    <cs:effectRef idx="0"/>
+    <cs:fontRef idx="minor">
+      <a:schemeClr val="tx1">
+        <a:lumMod val="65000"/>
+        <a:lumOff val="35000"/>
+      </a:schemeClr>
+    </cs:fontRef>
+    <cs:defRPr sz="900" kern="1200"/>
+  </cs:trendlineLabel>
+  <cs:upBar>
+    <cs:lnRef idx="0"/>
+    <cs:fillRef idx="0"/>
+    <cs:effectRef idx="0"/>
+    <cs:fontRef idx="minor">
+      <a:schemeClr val="dk1"/>
+    </cs:fontRef>
+    <cs:spPr>
+      <a:solidFill>
+        <a:schemeClr val="lt1"/>
+      </a:solidFill>
+      <a:ln w="9525">
+        <a:solidFill>
+          <a:schemeClr val="tx1">
+            <a:lumMod val="15000"/>
+            <a:lumOff val="85000"/>
+          </a:schemeClr>
+        </a:solidFill>
+      </a:ln>
+    </cs:spPr>
+  </cs:upBar>
+  <cs:valueAxis>
+    <cs:lnRef idx="0"/>
+    <cs:fillRef idx="0"/>
+    <cs:effectRef idx="0"/>
+    <cs:fontRef idx="minor">
+      <a:schemeClr val="tx1">
+        <a:lumMod val="65000"/>
+        <a:lumOff val="35000"/>
+      </a:schemeClr>
+    </cs:fontRef>
+    <cs:defRPr sz="900" kern="1200"/>
+  </cs:valueAxis>
+  <cs:wall>
+    <cs:lnRef idx="0"/>
+    <cs:fillRef idx="0"/>
+    <cs:effectRef idx="0"/>
+    <cs:fontRef idx="minor">
+      <a:schemeClr val="tx1"/>
+    </cs:fontRef>
+    <cs:spPr>
+      <a:noFill/>
+      <a:ln>
+        <a:noFill/>
+      </a:ln>
+    </cs:spPr>
+  </cs:wall>
+</cs:chartStyle>
+</file>
+
+<file path=ppt/charts/style4.xml><?xml version="1.0" encoding="utf-8"?>
+<cs:chartStyle xmlns:cs="http://schemas.microsoft.com/office/drawing/2012/chartStyle" xmlns:a="http://schemas.openxmlformats.org/drawingml/2006/main" id="201">
+  <cs:axisTitle>
+    <cs:lnRef idx="0"/>
+    <cs:fillRef idx="0"/>
+    <cs:effectRef idx="0"/>
+    <cs:fontRef idx="minor">
+      <a:schemeClr val="tx1">
+        <a:lumMod val="65000"/>
+        <a:lumOff val="35000"/>
+      </a:schemeClr>
+    </cs:fontRef>
+    <cs:defRPr sz="1000" kern="1200"/>
+  </cs:axisTitle>
+  <cs:categoryAxis>
+    <cs:lnRef idx="0"/>
+    <cs:fillRef idx="0"/>
+    <cs:effectRef idx="0"/>
+    <cs:fontRef idx="minor">
+      <a:schemeClr val="tx1">
+        <a:lumMod val="65000"/>
+        <a:lumOff val="35000"/>
+      </a:schemeClr>
+    </cs:fontRef>
+    <cs:spPr>
+      <a:ln w="9525" cap="flat" cmpd="sng" algn="ctr">
+        <a:solidFill>
+          <a:schemeClr val="tx1">
+            <a:lumMod val="15000"/>
+            <a:lumOff val="85000"/>
+          </a:schemeClr>
+        </a:solidFill>
+        <a:round/>
+      </a:ln>
+    </cs:spPr>
+    <cs:defRPr sz="900" kern="1200"/>
+  </cs:categoryAxis>
+  <cs:chartArea mods="allowNoFillOverride allowNoLineOverride">
+    <cs:lnRef idx="0"/>
+    <cs:fillRef idx="0"/>
+    <cs:effectRef idx="0"/>
+    <cs:fontRef idx="minor">
+      <a:schemeClr val="tx1"/>
+    </cs:fontRef>
+    <cs:spPr>
+      <a:solidFill>
+        <a:schemeClr val="bg1"/>
+      </a:solidFill>
+      <a:ln w="9525" cap="flat" cmpd="sng" algn="ctr">
+        <a:solidFill>
+          <a:schemeClr val="tx1">
+            <a:lumMod val="15000"/>
+            <a:lumOff val="85000"/>
+          </a:schemeClr>
+        </a:solidFill>
+        <a:round/>
+      </a:ln>
+    </cs:spPr>
+    <cs:defRPr sz="1000" kern="1200"/>
+  </cs:chartArea>
+  <cs:dataLabel>
+    <cs:lnRef idx="0"/>
+    <cs:fillRef idx="0"/>
+    <cs:effectRef idx="0"/>
+    <cs:fontRef idx="minor">
+      <a:schemeClr val="tx1">
+        <a:lumMod val="75000"/>
+        <a:lumOff val="25000"/>
+      </a:schemeClr>
+    </cs:fontRef>
+    <cs:defRPr sz="900" kern="1200"/>
+  </cs:dataLabel>
+  <cs:dataLabelCallout>
+    <cs:lnRef idx="0"/>
+    <cs:fillRef idx="0"/>
+    <cs:effectRef idx="0"/>
+    <cs:fontRef idx="minor">
+      <a:schemeClr val="dk1">
+        <a:lumMod val="65000"/>
+        <a:lumOff val="35000"/>
+      </a:schemeClr>
+    </cs:fontRef>
+    <cs:spPr>
+      <a:solidFill>
+        <a:schemeClr val="lt1"/>
+      </a:solidFill>
+      <a:ln>
+        <a:solidFill>
+          <a:schemeClr val="dk1">
+            <a:lumMod val="25000"/>
+            <a:lumOff val="75000"/>
+          </a:schemeClr>
+        </a:solidFill>
+      </a:ln>
+    </cs:spPr>
+    <cs:defRPr sz="900" kern="1200"/>
+    <cs:bodyPr rot="0" spcFirstLastPara="1" vertOverflow="clip" horzOverflow="clip" vert="horz" wrap="square" lIns="36576" tIns="18288" rIns="36576" bIns="18288" anchor="ctr" anchorCtr="1">
+      <a:spAutoFit/>
+    </cs:bodyPr>
+  </cs:dataLabelCallout>
+  <cs:dataPoint>
+    <cs:lnRef idx="0"/>
+    <cs:fillRef idx="1">
+      <cs:styleClr val="auto"/>
+    </cs:fillRef>
+    <cs:effectRef idx="0"/>
+    <cs:fontRef idx="minor">
+      <a:schemeClr val="tx1"/>
+    </cs:fontRef>
+  </cs:dataPoint>
+  <cs:dataPoint3D>
+    <cs:lnRef idx="0"/>
+    <cs:fillRef idx="1">
+      <cs:styleClr val="auto"/>
+    </cs:fillRef>
+    <cs:effectRef idx="0"/>
+    <cs:fontRef idx="minor">
+      <a:schemeClr val="tx1"/>
+    </cs:fontRef>
+  </cs:dataPoint3D>
+  <cs:dataPointLine>
+    <cs:lnRef idx="0">
+      <cs:styleClr val="auto"/>
+    </cs:lnRef>
+    <cs:fillRef idx="1"/>
+    <cs:effectRef idx="0"/>
+    <cs:fontRef idx="minor">
+      <a:schemeClr val="tx1"/>
+    </cs:fontRef>
+    <cs:spPr>
+      <a:ln w="28575" cap="rnd">
+        <a:solidFill>
+          <a:schemeClr val="phClr"/>
+        </a:solidFill>
+        <a:round/>
+      </a:ln>
+    </cs:spPr>
+  </cs:dataPointLine>
+  <cs:dataPointMarker>
+    <cs:lnRef idx="0">
+      <cs:styleClr val="auto"/>
+    </cs:lnRef>
+    <cs:fillRef idx="1">
+      <cs:styleClr val="auto"/>
+    </cs:fillRef>
+    <cs:effectRef idx="0"/>
+    <cs:fontRef idx="minor">
+      <a:schemeClr val="tx1"/>
+    </cs:fontRef>
+    <cs:spPr>
+      <a:ln w="9525">
+        <a:solidFill>
+          <a:schemeClr val="phClr"/>
+        </a:solidFill>
+      </a:ln>
+    </cs:spPr>
+  </cs:dataPointMarker>
+  <cs:dataPointMarkerLayout symbol="circle" size="5"/>
+  <cs:dataPointWireframe>
+    <cs:lnRef idx="0">
+      <cs:styleClr val="auto"/>
+    </cs:lnRef>
+    <cs:fillRef idx="1"/>
+    <cs:effectRef idx="0"/>
+    <cs:fontRef idx="minor">
+      <a:schemeClr val="tx1"/>
+    </cs:fontRef>
+    <cs:spPr>
+      <a:ln w="9525" cap="rnd">
+        <a:solidFill>
+          <a:schemeClr val="phClr"/>
+        </a:solidFill>
+        <a:round/>
+      </a:ln>
+    </cs:spPr>
+  </cs:dataPointWireframe>
+  <cs:dataTable>
+    <cs:lnRef idx="0"/>
+    <cs:fillRef idx="0"/>
+    <cs:effectRef idx="0"/>
+    <cs:fontRef idx="minor">
+      <a:schemeClr val="tx1">
+        <a:lumMod val="65000"/>
+        <a:lumOff val="35000"/>
+      </a:schemeClr>
+    </cs:fontRef>
+    <cs:spPr>
+      <a:noFill/>
+      <a:ln w="9525" cap="flat" cmpd="sng" algn="ctr">
+        <a:solidFill>
+          <a:schemeClr val="tx1">
+            <a:lumMod val="15000"/>
+            <a:lumOff val="85000"/>
+          </a:schemeClr>
+        </a:solidFill>
+        <a:round/>
+      </a:ln>
+    </cs:spPr>
+    <cs:defRPr sz="900" kern="1200"/>
+  </cs:dataTable>
+  <cs:downBar>
+    <cs:lnRef idx="0"/>
+    <cs:fillRef idx="0"/>
+    <cs:effectRef idx="0"/>
+    <cs:fontRef idx="minor">
+      <a:schemeClr val="dk1"/>
+    </cs:fontRef>
+    <cs:spPr>
+      <a:solidFill>
+        <a:schemeClr val="dk1">
+          <a:lumMod val="65000"/>
+          <a:lumOff val="35000"/>
+        </a:schemeClr>
+      </a:solidFill>
+      <a:ln w="9525">
+        <a:solidFill>
+          <a:schemeClr val="tx1">
+            <a:lumMod val="65000"/>
+            <a:lumOff val="35000"/>
+          </a:schemeClr>
+        </a:solidFill>
+      </a:ln>
+    </cs:spPr>
+  </cs:downBar>
+  <cs:dropLine>
+    <cs:lnRef idx="0"/>
+    <cs:fillRef idx="0"/>
+    <cs:effectRef idx="0"/>
+    <cs:fontRef idx="minor">
+      <a:schemeClr val="tx1"/>
+    </cs:fontRef>
+    <cs:spPr>
+      <a:ln w="9525" cap="flat" cmpd="sng" algn="ctr">
+        <a:solidFill>
+          <a:schemeClr val="tx1">
+            <a:lumMod val="35000"/>
+            <a:lumOff val="65000"/>
+          </a:schemeClr>
+        </a:solidFill>
+        <a:round/>
+      </a:ln>
+    </cs:spPr>
+  </cs:dropLine>
+  <cs:errorBar>
+    <cs:lnRef idx="0"/>
+    <cs:fillRef idx="0"/>
+    <cs:effectRef idx="0"/>
+    <cs:fontRef idx="minor">
+      <a:schemeClr val="tx1"/>
+    </cs:fontRef>
+    <cs:spPr>
+      <a:ln w="9525" cap="flat" cmpd="sng" algn="ctr">
+        <a:solidFill>
+          <a:schemeClr val="tx1">
+            <a:lumMod val="65000"/>
+            <a:lumOff val="35000"/>
+          </a:schemeClr>
+        </a:solidFill>
+        <a:round/>
+      </a:ln>
+    </cs:spPr>
+  </cs:errorBar>
+  <cs:floor>
+    <cs:lnRef idx="0"/>
+    <cs:fillRef idx="0"/>
+    <cs:effectRef idx="0"/>
+    <cs:fontRef idx="minor">
+      <a:schemeClr val="tx1"/>
+    </cs:fontRef>
+    <cs:spPr>
+      <a:noFill/>
+      <a:ln>
+        <a:noFill/>
+      </a:ln>
+    </cs:spPr>
+  </cs:floor>
+  <cs:gridlineMajor>
+    <cs:lnRef idx="0"/>
+    <cs:fillRef idx="0"/>
+    <cs:effectRef idx="0"/>
+    <cs:fontRef idx="minor">
+      <a:schemeClr val="tx1"/>
+    </cs:fontRef>
+    <cs:spPr>
+      <a:ln w="9525" cap="flat" cmpd="sng" algn="ctr">
+        <a:solidFill>
+          <a:schemeClr val="tx1">
+            <a:lumMod val="15000"/>
+            <a:lumOff val="85000"/>
+          </a:schemeClr>
+        </a:solidFill>
+        <a:round/>
+      </a:ln>
+    </cs:spPr>
+  </cs:gridlineMajor>
+  <cs:gridlineMinor>
+    <cs:lnRef idx="0"/>
+    <cs:fillRef idx="0"/>
+    <cs:effectRef idx="0"/>
+    <cs:fontRef idx="minor">
+      <a:schemeClr val="tx1"/>
+    </cs:fontRef>
+    <cs:spPr>
+      <a:ln w="9525" cap="flat" cmpd="sng" algn="ctr">
+        <a:solidFill>
+          <a:schemeClr val="tx1">
+            <a:lumMod val="5000"/>
+            <a:lumOff val="95000"/>
+          </a:schemeClr>
+        </a:solidFill>
+        <a:round/>
+      </a:ln>
+    </cs:spPr>
+  </cs:gridlineMinor>
+  <cs:hiLoLine>
+    <cs:lnRef idx="0"/>
+    <cs:fillRef idx="0"/>
+    <cs:effectRef idx="0"/>
+    <cs:fontRef idx="minor">
+      <a:schemeClr val="tx1"/>
+    </cs:fontRef>
+    <cs:spPr>
+      <a:ln w="9525" cap="flat" cmpd="sng" algn="ctr">
+        <a:solidFill>
+          <a:schemeClr val="tx1">
+            <a:lumMod val="75000"/>
+            <a:lumOff val="25000"/>
+          </a:schemeClr>
+        </a:solidFill>
+        <a:round/>
+      </a:ln>
+    </cs:spPr>
+  </cs:hiLoLine>
+  <cs:leaderLine>
+    <cs:lnRef idx="0"/>
+    <cs:fillRef idx="0"/>
+    <cs:effectRef idx="0"/>
+    <cs:fontRef idx="minor">
+      <a:schemeClr val="tx1"/>
+    </cs:fontRef>
+    <cs:spPr>
+      <a:ln w="9525" cap="flat" cmpd="sng" algn="ctr">
+        <a:solidFill>
+          <a:schemeClr val="tx1">
+            <a:lumMod val="35000"/>
+            <a:lumOff val="65000"/>
+          </a:schemeClr>
+        </a:solidFill>
+        <a:round/>
+      </a:ln>
+    </cs:spPr>
+  </cs:leaderLine>
+  <cs:legend>
+    <cs:lnRef idx="0"/>
+    <cs:fillRef idx="0"/>
+    <cs:effectRef idx="0"/>
+    <cs:fontRef idx="minor">
+      <a:schemeClr val="tx1">
+        <a:lumMod val="65000"/>
+        <a:lumOff val="35000"/>
+      </a:schemeClr>
+    </cs:fontRef>
+    <cs:defRPr sz="900" kern="1200"/>
+  </cs:legend>
+  <cs:plotArea mods="allowNoFillOverride allowNoLineOverride">
+    <cs:lnRef idx="0"/>
+    <cs:fillRef idx="0"/>
+    <cs:effectRef idx="0"/>
+    <cs:fontRef idx="minor">
+      <a:schemeClr val="tx1"/>
+    </cs:fontRef>
+  </cs:plotArea>
+  <cs:plotArea3D mods="allowNoFillOverride allowNoLineOverride">
+    <cs:lnRef idx="0"/>
+    <cs:fillRef idx="0"/>
+    <cs:effectRef idx="0"/>
+    <cs:fontRef idx="minor">
+      <a:schemeClr val="tx1"/>
+    </cs:fontRef>
+  </cs:plotArea3D>
+  <cs:seriesAxis>
+    <cs:lnRef idx="0"/>
+    <cs:fillRef idx="0"/>
+    <cs:effectRef idx="0"/>
+    <cs:fontRef idx="minor">
+      <a:schemeClr val="tx1">
+        <a:lumMod val="65000"/>
+        <a:lumOff val="35000"/>
+      </a:schemeClr>
+    </cs:fontRef>
+    <cs:defRPr sz="900" kern="1200"/>
+  </cs:seriesAxis>
+  <cs:seriesLine>
+    <cs:lnRef idx="0"/>
+    <cs:fillRef idx="0"/>
+    <cs:effectRef idx="0"/>
+    <cs:fontRef idx="minor">
+      <a:schemeClr val="tx1"/>
+    </cs:fontRef>
+    <cs:spPr>
+      <a:ln w="9525" cap="flat" cmpd="sng" algn="ctr">
+        <a:solidFill>
+          <a:schemeClr val="tx1">
+            <a:lumMod val="35000"/>
+            <a:lumOff val="65000"/>
+          </a:schemeClr>
+        </a:solidFill>
+        <a:round/>
+      </a:ln>
+    </cs:spPr>
+  </cs:seriesLine>
+  <cs:title>
+    <cs:lnRef idx="0"/>
+    <cs:fillRef idx="0"/>
+    <cs:effectRef idx="0"/>
+    <cs:fontRef idx="minor">
+      <a:schemeClr val="tx1">
+        <a:lumMod val="65000"/>
+        <a:lumOff val="35000"/>
+      </a:schemeClr>
+    </cs:fontRef>
+    <cs:defRPr sz="1400" b="0" kern="1200" spc="0" baseline="0"/>
+  </cs:title>
+  <cs:trendline>
+    <cs:lnRef idx="0">
+      <cs:styleClr val="auto"/>
+    </cs:lnRef>
+    <cs:fillRef idx="0"/>
+    <cs:effectRef idx="0"/>
+    <cs:fontRef idx="minor">
+      <a:schemeClr val="tx1"/>
+    </cs:fontRef>
+    <cs:spPr>
+      <a:ln w="19050" cap="rnd">
+        <a:solidFill>
+          <a:schemeClr val="phClr"/>
+        </a:solidFill>
+        <a:prstDash val="sysDot"/>
+      </a:ln>
+    </cs:spPr>
+  </cs:trendline>
+  <cs:trendlineLabel>
+    <cs:lnRef idx="0"/>
+    <cs:fillRef idx="0"/>
+    <cs:effectRef idx="0"/>
+    <cs:fontRef idx="minor">
+      <a:schemeClr val="tx1">
+        <a:lumMod val="65000"/>
+        <a:lumOff val="35000"/>
+      </a:schemeClr>
+    </cs:fontRef>
+    <cs:defRPr sz="900" kern="1200"/>
+  </cs:trendlineLabel>
+  <cs:upBar>
+    <cs:lnRef idx="0"/>
+    <cs:fillRef idx="0"/>
+    <cs:effectRef idx="0"/>
+    <cs:fontRef idx="minor">
+      <a:schemeClr val="dk1"/>
+    </cs:fontRef>
+    <cs:spPr>
+      <a:solidFill>
+        <a:schemeClr val="lt1"/>
+      </a:solidFill>
+      <a:ln w="9525">
+        <a:solidFill>
+          <a:schemeClr val="tx1">
+            <a:lumMod val="15000"/>
+            <a:lumOff val="85000"/>
+          </a:schemeClr>
+        </a:solidFill>
+      </a:ln>
+    </cs:spPr>
+  </cs:upBar>
+  <cs:valueAxis>
+    <cs:lnRef idx="0"/>
+    <cs:fillRef idx="0"/>
+    <cs:effectRef idx="0"/>
+    <cs:fontRef idx="minor">
+      <a:schemeClr val="tx1">
+        <a:lumMod val="65000"/>
+        <a:lumOff val="35000"/>
+      </a:schemeClr>
+    </cs:fontRef>
+    <cs:defRPr sz="900" kern="1200"/>
+  </cs:valueAxis>
+  <cs:wall>
+    <cs:lnRef idx="0"/>
+    <cs:fillRef idx="0"/>
+    <cs:effectRef idx="0"/>
+    <cs:fontRef idx="minor">
+      <a:schemeClr val="tx1"/>
+    </cs:fontRef>
+    <cs:spPr>
+      <a:noFill/>
+      <a:ln>
+        <a:noFill/>
+      </a:ln>
+    </cs:spPr>
+  </cs:wall>
+</cs:chartStyle>
+</file>
+
 <file path=ppt/notesMasters/notesMaster1.xml><?xml version="1.0" encoding="utf-8"?>
 <p:notesMaster xmlns:a="http://schemas.openxmlformats.org/drawingml/2006/main" xmlns:r="http://schemas.openxmlformats.org/officeDocument/2006/relationships" xmlns:p="http://schemas.openxmlformats.org/presentationml/2006/main">
   <p:cSld>
@@ -2080,7 +4091,7 @@
           <a:p>
             <a:fld id="{C43F93BD-4170-49A3-8F74-6D68B9BD76A1}" type="datetimeFigureOut">
               <a:rPr lang="en-US" smtClean="0"/>
-              <a:t>2/18/2020</a:t>
+              <a:t>3/8/2020</a:t>
             </a:fld>
             <a:endParaRPr lang="en-US"/>
           </a:p>
@@ -2144,38 +4155,37 @@
           <a:p>
             <a:pPr lvl="0"/>
             <a:r>
-              <a:rPr lang="en-US" smtClean="0"/>
+              <a:rPr lang="en-US"/>
               <a:t>Edit Master text styles</a:t>
             </a:r>
           </a:p>
           <a:p>
             <a:pPr lvl="1"/>
             <a:r>
-              <a:rPr lang="en-US" smtClean="0"/>
+              <a:rPr lang="en-US"/>
               <a:t>Second level</a:t>
             </a:r>
           </a:p>
           <a:p>
             <a:pPr lvl="2"/>
             <a:r>
-              <a:rPr lang="en-US" smtClean="0"/>
+              <a:rPr lang="en-US"/>
               <a:t>Third level</a:t>
             </a:r>
           </a:p>
           <a:p>
             <a:pPr lvl="3"/>
             <a:r>
-              <a:rPr lang="en-US" smtClean="0"/>
+              <a:rPr lang="en-US"/>
               <a:t>Fourth level</a:t>
             </a:r>
           </a:p>
           <a:p>
             <a:pPr lvl="4"/>
             <a:r>
-              <a:rPr lang="en-US" smtClean="0"/>
+              <a:rPr lang="en-US"/>
               <a:t>Fifth level</a:t>
             </a:r>
-            <a:endParaRPr lang="en-US"/>
           </a:p>
         </p:txBody>
       </p:sp>
@@ -2394,19 +4404,19 @@
           <a:p>
             <a:pPr algn="r" rtl="1"/>
             <a:r>
-              <a:rPr lang="en-US" dirty="0" smtClean="0"/>
+              <a:rPr lang="en-US" dirty="0"/>
               <a:t>Recall</a:t>
             </a:r>
             <a:r>
-              <a:rPr lang="en-US" baseline="0" dirty="0" smtClean="0"/>
+              <a:rPr lang="en-US" baseline="0" dirty="0"/>
               <a:t> </a:t>
             </a:r>
             <a:r>
-              <a:rPr lang="he-IL" baseline="0" dirty="0" smtClean="0"/>
+              <a:rPr lang="he-IL" baseline="0" dirty="0"/>
               <a:t>יותר חשוב מ</a:t>
             </a:r>
             <a:r>
-              <a:rPr lang="en-US" baseline="0" dirty="0" smtClean="0"/>
+              <a:rPr lang="en-US" baseline="0" dirty="0"/>
               <a:t> precision</a:t>
             </a:r>
             <a:endParaRPr lang="en-US" dirty="0"/>
@@ -2493,7 +4503,7 @@
           </a:lstStyle>
           <a:p>
             <a:r>
-              <a:rPr lang="en-US" smtClean="0"/>
+              <a:rPr lang="en-US"/>
               <a:t>Click to edit Master title style</a:t>
             </a:r>
             <a:endParaRPr lang="en-US" dirty="0"/>
@@ -2613,7 +4623,7 @@
           </a:lstStyle>
           <a:p>
             <a:r>
-              <a:rPr lang="en-US" smtClean="0"/>
+              <a:rPr lang="en-US"/>
               <a:t>Click to edit Master subtitle style</a:t>
             </a:r>
             <a:endParaRPr lang="en-US" dirty="0"/>
@@ -2638,7 +4648,7 @@
             <a:fld id="{B61BEF0D-F0BB-DE4B-95CE-6DB70DBA9567}" type="datetimeFigureOut">
               <a:rPr lang="en-US" dirty="0"/>
               <a:pPr/>
-              <a:t>2/18/2020</a:t>
+              <a:t>3/8/2020</a:t>
             </a:fld>
             <a:endParaRPr lang="en-US" dirty="0"/>
           </a:p>
@@ -2826,7 +4836,7 @@
           </a:lstStyle>
           <a:p>
             <a:r>
-              <a:rPr lang="en-US" smtClean="0"/>
+              <a:rPr lang="en-US"/>
               <a:t>Click to edit Master title style</a:t>
             </a:r>
             <a:endParaRPr lang="en-US" dirty="0"/>
@@ -2949,7 +4959,7 @@
           <a:p>
             <a:pPr lvl="0"/>
             <a:r>
-              <a:rPr lang="en-US" smtClean="0"/>
+              <a:rPr lang="en-US"/>
               <a:t>Edit Master text styles</a:t>
             </a:r>
           </a:p>
@@ -2973,7 +4983,7 @@
             <a:fld id="{B61BEF0D-F0BB-DE4B-95CE-6DB70DBA9567}" type="datetimeFigureOut">
               <a:rPr lang="en-US" dirty="0"/>
               <a:pPr/>
-              <a:t>2/18/2020</a:t>
+              <a:t>3/8/2020</a:t>
             </a:fld>
             <a:endParaRPr lang="en-US" dirty="0"/>
           </a:p>
@@ -3161,7 +5171,7 @@
           </a:lstStyle>
           <a:p>
             <a:r>
-              <a:rPr lang="en-US" smtClean="0"/>
+              <a:rPr lang="en-US"/>
               <a:t>Click to edit Master title style</a:t>
             </a:r>
             <a:endParaRPr lang="en-US" dirty="0"/>
@@ -3225,7 +5235,7 @@
           <a:p>
             <a:pPr lvl="0"/>
             <a:r>
-              <a:rPr lang="en-US" smtClean="0"/>
+              <a:rPr lang="en-US"/>
               <a:t>Edit Master text styles</a:t>
             </a:r>
           </a:p>
@@ -3347,7 +5357,7 @@
           <a:p>
             <a:pPr lvl="0"/>
             <a:r>
-              <a:rPr lang="en-US" smtClean="0"/>
+              <a:rPr lang="en-US"/>
               <a:t>Edit Master text styles</a:t>
             </a:r>
           </a:p>
@@ -3371,7 +5381,7 @@
             <a:fld id="{B61BEF0D-F0BB-DE4B-95CE-6DB70DBA9567}" type="datetimeFigureOut">
               <a:rPr lang="en-US" dirty="0"/>
               <a:pPr/>
-              <a:t>2/18/2020</a:t>
+              <a:t>3/8/2020</a:t>
             </a:fld>
             <a:endParaRPr lang="en-US" dirty="0"/>
           </a:p>
@@ -3635,7 +5645,7 @@
           </a:lstStyle>
           <a:p>
             <a:r>
-              <a:rPr lang="en-US" smtClean="0"/>
+              <a:rPr lang="en-US"/>
               <a:t>Click to edit Master title style</a:t>
             </a:r>
             <a:endParaRPr lang="en-US" dirty="0"/>
@@ -3680,7 +5690,7 @@
               <a:buNone/>
             </a:pPr>
             <a:r>
-              <a:rPr lang="en-US" smtClean="0"/>
+              <a:rPr lang="en-US"/>
               <a:t>Edit Master text styles</a:t>
             </a:r>
           </a:p>
@@ -3704,7 +5714,7 @@
             <a:fld id="{B61BEF0D-F0BB-DE4B-95CE-6DB70DBA9567}" type="datetimeFigureOut">
               <a:rPr lang="en-US" dirty="0"/>
               <a:pPr/>
-              <a:t>2/18/2020</a:t>
+              <a:t>3/8/2020</a:t>
             </a:fld>
             <a:endParaRPr lang="en-US" dirty="0"/>
           </a:p>
@@ -3892,7 +5902,7 @@
           </a:lstStyle>
           <a:p>
             <a:r>
-              <a:rPr lang="en-US" smtClean="0"/>
+              <a:rPr lang="en-US"/>
               <a:t>Click to edit Master title style</a:t>
             </a:r>
             <a:endParaRPr lang="en-US" dirty="0"/>
@@ -3953,7 +5963,7 @@
           <a:p>
             <a:pPr lvl="0"/>
             <a:r>
-              <a:rPr lang="en-US" smtClean="0"/>
+              <a:rPr lang="en-US"/>
               <a:t>Edit Master text styles</a:t>
             </a:r>
           </a:p>
@@ -3997,7 +6007,7 @@
               <a:buNone/>
             </a:pPr>
             <a:r>
-              <a:rPr lang="en-US" smtClean="0"/>
+              <a:rPr lang="en-US"/>
               <a:t>Edit Master text styles</a:t>
             </a:r>
           </a:p>
@@ -4021,7 +6031,7 @@
             <a:fld id="{B61BEF0D-F0BB-DE4B-95CE-6DB70DBA9567}" type="datetimeFigureOut">
               <a:rPr lang="en-US" dirty="0"/>
               <a:pPr/>
-              <a:t>2/18/2020</a:t>
+              <a:t>3/8/2020</a:t>
             </a:fld>
             <a:endParaRPr lang="en-US" dirty="0"/>
           </a:p>
@@ -4285,7 +6295,7 @@
           </a:lstStyle>
           <a:p>
             <a:r>
-              <a:rPr lang="en-US" smtClean="0"/>
+              <a:rPr lang="en-US"/>
               <a:t>Click to edit Master title style</a:t>
             </a:r>
             <a:endParaRPr lang="en-US" dirty="0"/>
@@ -4346,7 +6356,7 @@
           <a:p>
             <a:pPr lvl="0"/>
             <a:r>
-              <a:rPr lang="en-US" smtClean="0"/>
+              <a:rPr lang="en-US"/>
               <a:t>Edit Master text styles</a:t>
             </a:r>
           </a:p>
@@ -4390,7 +6400,7 @@
               <a:buNone/>
             </a:pPr>
             <a:r>
-              <a:rPr lang="en-US" smtClean="0"/>
+              <a:rPr lang="en-US"/>
               <a:t>Edit Master text styles</a:t>
             </a:r>
           </a:p>
@@ -4414,7 +6424,7 @@
             <a:fld id="{B61BEF0D-F0BB-DE4B-95CE-6DB70DBA9567}" type="datetimeFigureOut">
               <a:rPr lang="en-US" dirty="0"/>
               <a:pPr/>
-              <a:t>2/18/2020</a:t>
+              <a:t>3/8/2020</a:t>
             </a:fld>
             <a:endParaRPr lang="en-US" dirty="0"/>
           </a:p>
@@ -4591,7 +6601,7 @@
           <a:lstStyle/>
           <a:p>
             <a:r>
-              <a:rPr lang="en-US" smtClean="0"/>
+              <a:rPr lang="en-US"/>
               <a:t>Click to edit Master title style</a:t>
             </a:r>
             <a:endParaRPr lang="en-US" dirty="0"/>
@@ -4615,35 +6625,35 @@
           <a:p>
             <a:pPr lvl="0"/>
             <a:r>
-              <a:rPr lang="en-US" smtClean="0"/>
+              <a:rPr lang="en-US"/>
               <a:t>Edit Master text styles</a:t>
             </a:r>
           </a:p>
           <a:p>
             <a:pPr lvl="1"/>
             <a:r>
-              <a:rPr lang="en-US" smtClean="0"/>
+              <a:rPr lang="en-US"/>
               <a:t>Second level</a:t>
             </a:r>
           </a:p>
           <a:p>
             <a:pPr lvl="2"/>
             <a:r>
-              <a:rPr lang="en-US" smtClean="0"/>
+              <a:rPr lang="en-US"/>
               <a:t>Third level</a:t>
             </a:r>
           </a:p>
           <a:p>
             <a:pPr lvl="3"/>
             <a:r>
-              <a:rPr lang="en-US" smtClean="0"/>
+              <a:rPr lang="en-US"/>
               <a:t>Fourth level</a:t>
             </a:r>
           </a:p>
           <a:p>
             <a:pPr lvl="4"/>
             <a:r>
-              <a:rPr lang="en-US" smtClean="0"/>
+              <a:rPr lang="en-US"/>
               <a:t>Fifth level</a:t>
             </a:r>
             <a:endParaRPr lang="en-US" dirty="0"/>
@@ -4668,7 +6678,7 @@
             <a:fld id="{B61BEF0D-F0BB-DE4B-95CE-6DB70DBA9567}" type="datetimeFigureOut">
               <a:rPr lang="en-US" dirty="0"/>
               <a:pPr/>
-              <a:t>2/18/2020</a:t>
+              <a:t>3/8/2020</a:t>
             </a:fld>
             <a:endParaRPr lang="en-US" dirty="0"/>
           </a:p>
@@ -4845,7 +6855,7 @@
           <a:lstStyle/>
           <a:p>
             <a:r>
-              <a:rPr lang="en-US" smtClean="0"/>
+              <a:rPr lang="en-US"/>
               <a:t>Click to edit Master title style</a:t>
             </a:r>
             <a:endParaRPr lang="en-US" dirty="0"/>
@@ -4874,35 +6884,35 @@
           <a:p>
             <a:pPr lvl="0"/>
             <a:r>
-              <a:rPr lang="en-US" smtClean="0"/>
+              <a:rPr lang="en-US"/>
               <a:t>Edit Master text styles</a:t>
             </a:r>
           </a:p>
           <a:p>
             <a:pPr lvl="1"/>
             <a:r>
-              <a:rPr lang="en-US" smtClean="0"/>
+              <a:rPr lang="en-US"/>
               <a:t>Second level</a:t>
             </a:r>
           </a:p>
           <a:p>
             <a:pPr lvl="2"/>
             <a:r>
-              <a:rPr lang="en-US" smtClean="0"/>
+              <a:rPr lang="en-US"/>
               <a:t>Third level</a:t>
             </a:r>
           </a:p>
           <a:p>
             <a:pPr lvl="3"/>
             <a:r>
-              <a:rPr lang="en-US" smtClean="0"/>
+              <a:rPr lang="en-US"/>
               <a:t>Fourth level</a:t>
             </a:r>
           </a:p>
           <a:p>
             <a:pPr lvl="4"/>
             <a:r>
-              <a:rPr lang="en-US" smtClean="0"/>
+              <a:rPr lang="en-US"/>
               <a:t>Fifth level</a:t>
             </a:r>
             <a:endParaRPr lang="en-US" dirty="0"/>
@@ -4927,7 +6937,7 @@
             <a:fld id="{B61BEF0D-F0BB-DE4B-95CE-6DB70DBA9567}" type="datetimeFigureOut">
               <a:rPr lang="en-US" dirty="0"/>
               <a:pPr/>
-              <a:t>2/18/2020</a:t>
+              <a:t>3/8/2020</a:t>
             </a:fld>
             <a:endParaRPr lang="en-US" dirty="0"/>
           </a:p>
@@ -5104,7 +7114,7 @@
           <a:lstStyle/>
           <a:p>
             <a:r>
-              <a:rPr lang="en-US" smtClean="0"/>
+              <a:rPr lang="en-US"/>
               <a:t>Click to edit Master title style</a:t>
             </a:r>
             <a:endParaRPr lang="en-US" dirty="0"/>
@@ -5133,35 +7143,35 @@
           <a:p>
             <a:pPr lvl="0"/>
             <a:r>
-              <a:rPr lang="en-US" smtClean="0"/>
+              <a:rPr lang="en-US"/>
               <a:t>Edit Master text styles</a:t>
             </a:r>
           </a:p>
           <a:p>
             <a:pPr lvl="1"/>
             <a:r>
-              <a:rPr lang="en-US" smtClean="0"/>
+              <a:rPr lang="en-US"/>
               <a:t>Second level</a:t>
             </a:r>
           </a:p>
           <a:p>
             <a:pPr lvl="2"/>
             <a:r>
-              <a:rPr lang="en-US" smtClean="0"/>
+              <a:rPr lang="en-US"/>
               <a:t>Third level</a:t>
             </a:r>
           </a:p>
           <a:p>
             <a:pPr lvl="3"/>
             <a:r>
-              <a:rPr lang="en-US" smtClean="0"/>
+              <a:rPr lang="en-US"/>
               <a:t>Fourth level</a:t>
             </a:r>
           </a:p>
           <a:p>
             <a:pPr lvl="4"/>
             <a:r>
-              <a:rPr lang="en-US" smtClean="0"/>
+              <a:rPr lang="en-US"/>
               <a:t>Fifth level</a:t>
             </a:r>
             <a:endParaRPr lang="en-US" dirty="0"/>
@@ -5186,7 +7196,7 @@
             <a:fld id="{B61BEF0D-F0BB-DE4B-95CE-6DB70DBA9567}" type="datetimeFigureOut">
               <a:rPr lang="en-US" dirty="0"/>
               <a:pPr/>
-              <a:t>2/18/2020</a:t>
+              <a:t>3/8/2020</a:t>
             </a:fld>
             <a:endParaRPr lang="en-US" dirty="0"/>
           </a:p>
@@ -5367,7 +7377,7 @@
           </a:lstStyle>
           <a:p>
             <a:r>
-              <a:rPr lang="en-US" smtClean="0"/>
+              <a:rPr lang="en-US"/>
               <a:t>Click to edit Master title style</a:t>
             </a:r>
             <a:endParaRPr lang="en-US" dirty="0"/>
@@ -5488,7 +7498,7 @@
           <a:p>
             <a:pPr lvl="0"/>
             <a:r>
-              <a:rPr lang="en-US" smtClean="0"/>
+              <a:rPr lang="en-US"/>
               <a:t>Edit Master text styles</a:t>
             </a:r>
           </a:p>
@@ -5512,7 +7522,7 @@
             <a:fld id="{B61BEF0D-F0BB-DE4B-95CE-6DB70DBA9567}" type="datetimeFigureOut">
               <a:rPr lang="en-US" dirty="0"/>
               <a:pPr/>
-              <a:t>2/18/2020</a:t>
+              <a:t>3/8/2020</a:t>
             </a:fld>
             <a:endParaRPr lang="en-US" dirty="0"/>
           </a:p>
@@ -5689,7 +7699,7 @@
           <a:lstStyle/>
           <a:p>
             <a:r>
-              <a:rPr lang="en-US" smtClean="0"/>
+              <a:rPr lang="en-US"/>
               <a:t>Click to edit Master title style</a:t>
             </a:r>
             <a:endParaRPr lang="en-US" dirty="0"/>
@@ -5720,35 +7730,35 @@
           <a:p>
             <a:pPr lvl="0"/>
             <a:r>
-              <a:rPr lang="en-US" smtClean="0"/>
+              <a:rPr lang="en-US"/>
               <a:t>Edit Master text styles</a:t>
             </a:r>
           </a:p>
           <a:p>
             <a:pPr lvl="1"/>
             <a:r>
-              <a:rPr lang="en-US" smtClean="0"/>
+              <a:rPr lang="en-US"/>
               <a:t>Second level</a:t>
             </a:r>
           </a:p>
           <a:p>
             <a:pPr lvl="2"/>
             <a:r>
-              <a:rPr lang="en-US" smtClean="0"/>
+              <a:rPr lang="en-US"/>
               <a:t>Third level</a:t>
             </a:r>
           </a:p>
           <a:p>
             <a:pPr lvl="3"/>
             <a:r>
-              <a:rPr lang="en-US" smtClean="0"/>
+              <a:rPr lang="en-US"/>
               <a:t>Fourth level</a:t>
             </a:r>
           </a:p>
           <a:p>
             <a:pPr lvl="4"/>
             <a:r>
-              <a:rPr lang="en-US" smtClean="0"/>
+              <a:rPr lang="en-US"/>
               <a:t>Fifth level</a:t>
             </a:r>
             <a:endParaRPr lang="en-US" dirty="0"/>
@@ -5779,35 +7789,35 @@
           <a:p>
             <a:pPr lvl="0"/>
             <a:r>
-              <a:rPr lang="en-US" smtClean="0"/>
+              <a:rPr lang="en-US"/>
               <a:t>Edit Master text styles</a:t>
             </a:r>
           </a:p>
           <a:p>
             <a:pPr lvl="1"/>
             <a:r>
-              <a:rPr lang="en-US" smtClean="0"/>
+              <a:rPr lang="en-US"/>
               <a:t>Second level</a:t>
             </a:r>
           </a:p>
           <a:p>
             <a:pPr lvl="2"/>
             <a:r>
-              <a:rPr lang="en-US" smtClean="0"/>
+              <a:rPr lang="en-US"/>
               <a:t>Third level</a:t>
             </a:r>
           </a:p>
           <a:p>
             <a:pPr lvl="3"/>
             <a:r>
-              <a:rPr lang="en-US" smtClean="0"/>
+              <a:rPr lang="en-US"/>
               <a:t>Fourth level</a:t>
             </a:r>
           </a:p>
           <a:p>
             <a:pPr lvl="4"/>
             <a:r>
-              <a:rPr lang="en-US" smtClean="0"/>
+              <a:rPr lang="en-US"/>
               <a:t>Fifth level</a:t>
             </a:r>
             <a:endParaRPr lang="en-US" dirty="0"/>
@@ -5832,7 +7842,7 @@
             <a:fld id="{B61BEF0D-F0BB-DE4B-95CE-6DB70DBA9567}" type="datetimeFigureOut">
               <a:rPr lang="en-US" dirty="0"/>
               <a:pPr/>
-              <a:t>2/18/2020</a:t>
+              <a:t>3/8/2020</a:t>
             </a:fld>
             <a:endParaRPr lang="en-US" dirty="0"/>
           </a:p>
@@ -6009,7 +8019,7 @@
           <a:lstStyle/>
           <a:p>
             <a:r>
-              <a:rPr lang="en-US" smtClean="0"/>
+              <a:rPr lang="en-US"/>
               <a:t>Click to edit Master title style</a:t>
             </a:r>
             <a:endParaRPr lang="en-US" dirty="0"/>
@@ -6077,7 +8087,7 @@
           <a:p>
             <a:pPr lvl="0"/>
             <a:r>
-              <a:rPr lang="en-US" smtClean="0"/>
+              <a:rPr lang="en-US"/>
               <a:t>Edit Master text styles</a:t>
             </a:r>
           </a:p>
@@ -6107,35 +8117,35 @@
           <a:p>
             <a:pPr lvl="0"/>
             <a:r>
-              <a:rPr lang="en-US" smtClean="0"/>
+              <a:rPr lang="en-US"/>
               <a:t>Edit Master text styles</a:t>
             </a:r>
           </a:p>
           <a:p>
             <a:pPr lvl="1"/>
             <a:r>
-              <a:rPr lang="en-US" smtClean="0"/>
+              <a:rPr lang="en-US"/>
               <a:t>Second level</a:t>
             </a:r>
           </a:p>
           <a:p>
             <a:pPr lvl="2"/>
             <a:r>
-              <a:rPr lang="en-US" smtClean="0"/>
+              <a:rPr lang="en-US"/>
               <a:t>Third level</a:t>
             </a:r>
           </a:p>
           <a:p>
             <a:pPr lvl="3"/>
             <a:r>
-              <a:rPr lang="en-US" smtClean="0"/>
+              <a:rPr lang="en-US"/>
               <a:t>Fourth level</a:t>
             </a:r>
           </a:p>
           <a:p>
             <a:pPr lvl="4"/>
             <a:r>
-              <a:rPr lang="en-US" smtClean="0"/>
+              <a:rPr lang="en-US"/>
               <a:t>Fifth level</a:t>
             </a:r>
             <a:endParaRPr lang="en-US" dirty="0"/>
@@ -6203,7 +8213,7 @@
           <a:p>
             <a:pPr lvl="0"/>
             <a:r>
-              <a:rPr lang="en-US" smtClean="0"/>
+              <a:rPr lang="en-US"/>
               <a:t>Edit Master text styles</a:t>
             </a:r>
           </a:p>
@@ -6233,35 +8243,35 @@
           <a:p>
             <a:pPr lvl="0"/>
             <a:r>
-              <a:rPr lang="en-US" smtClean="0"/>
+              <a:rPr lang="en-US"/>
               <a:t>Edit Master text styles</a:t>
             </a:r>
           </a:p>
           <a:p>
             <a:pPr lvl="1"/>
             <a:r>
-              <a:rPr lang="en-US" smtClean="0"/>
+              <a:rPr lang="en-US"/>
               <a:t>Second level</a:t>
             </a:r>
           </a:p>
           <a:p>
             <a:pPr lvl="2"/>
             <a:r>
-              <a:rPr lang="en-US" smtClean="0"/>
+              <a:rPr lang="en-US"/>
               <a:t>Third level</a:t>
             </a:r>
           </a:p>
           <a:p>
             <a:pPr lvl="3"/>
             <a:r>
-              <a:rPr lang="en-US" smtClean="0"/>
+              <a:rPr lang="en-US"/>
               <a:t>Fourth level</a:t>
             </a:r>
           </a:p>
           <a:p>
             <a:pPr lvl="4"/>
             <a:r>
-              <a:rPr lang="en-US" smtClean="0"/>
+              <a:rPr lang="en-US"/>
               <a:t>Fifth level</a:t>
             </a:r>
             <a:endParaRPr lang="en-US" dirty="0"/>
@@ -6286,7 +8296,7 @@
             <a:fld id="{B61BEF0D-F0BB-DE4B-95CE-6DB70DBA9567}" type="datetimeFigureOut">
               <a:rPr lang="en-US" dirty="0"/>
               <a:pPr/>
-              <a:t>2/18/2020</a:t>
+              <a:t>3/8/2020</a:t>
             </a:fld>
             <a:endParaRPr lang="en-US" dirty="0"/>
           </a:p>
@@ -6463,7 +8473,7 @@
           <a:lstStyle/>
           <a:p>
             <a:r>
-              <a:rPr lang="en-US" smtClean="0"/>
+              <a:rPr lang="en-US"/>
               <a:t>Click to edit Master title style</a:t>
             </a:r>
             <a:endParaRPr lang="en-US" dirty="0"/>
@@ -6488,7 +8498,7 @@
             <a:fld id="{B61BEF0D-F0BB-DE4B-95CE-6DB70DBA9567}" type="datetimeFigureOut">
               <a:rPr lang="en-US" dirty="0"/>
               <a:pPr/>
-              <a:t>2/18/2020</a:t>
+              <a:t>3/8/2020</a:t>
             </a:fld>
             <a:endParaRPr lang="en-US" dirty="0"/>
           </a:p>
@@ -6662,7 +8672,7 @@
             <a:fld id="{B61BEF0D-F0BB-DE4B-95CE-6DB70DBA9567}" type="datetimeFigureOut">
               <a:rPr lang="en-US" dirty="0"/>
               <a:pPr/>
-              <a:t>2/18/2020</a:t>
+              <a:t>3/8/2020</a:t>
             </a:fld>
             <a:endParaRPr lang="en-US" dirty="0"/>
           </a:p>
@@ -6843,7 +8853,7 @@
           </a:lstStyle>
           <a:p>
             <a:r>
-              <a:rPr lang="en-US" smtClean="0"/>
+              <a:rPr lang="en-US"/>
               <a:t>Click to edit Master title style</a:t>
             </a:r>
             <a:endParaRPr lang="en-US" dirty="0"/>
@@ -6874,35 +8884,35 @@
           <a:p>
             <a:pPr lvl="0"/>
             <a:r>
-              <a:rPr lang="en-US" smtClean="0"/>
+              <a:rPr lang="en-US"/>
               <a:t>Edit Master text styles</a:t>
             </a:r>
           </a:p>
           <a:p>
             <a:pPr lvl="1"/>
             <a:r>
-              <a:rPr lang="en-US" smtClean="0"/>
+              <a:rPr lang="en-US"/>
               <a:t>Second level</a:t>
             </a:r>
           </a:p>
           <a:p>
             <a:pPr lvl="2"/>
             <a:r>
-              <a:rPr lang="en-US" smtClean="0"/>
+              <a:rPr lang="en-US"/>
               <a:t>Third level</a:t>
             </a:r>
           </a:p>
           <a:p>
             <a:pPr lvl="3"/>
             <a:r>
-              <a:rPr lang="en-US" smtClean="0"/>
+              <a:rPr lang="en-US"/>
               <a:t>Fourth level</a:t>
             </a:r>
           </a:p>
           <a:p>
             <a:pPr lvl="4"/>
             <a:r>
-              <a:rPr lang="en-US" smtClean="0"/>
+              <a:rPr lang="en-US"/>
               <a:t>Fifth level</a:t>
             </a:r>
             <a:endParaRPr lang="en-US" dirty="0"/>
@@ -6968,7 +8978,7 @@
           <a:p>
             <a:pPr lvl="0"/>
             <a:r>
-              <a:rPr lang="en-US" smtClean="0"/>
+              <a:rPr lang="en-US"/>
               <a:t>Edit Master text styles</a:t>
             </a:r>
           </a:p>
@@ -6992,7 +9002,7 @@
             <a:fld id="{B61BEF0D-F0BB-DE4B-95CE-6DB70DBA9567}" type="datetimeFigureOut">
               <a:rPr lang="en-US" dirty="0"/>
               <a:pPr/>
-              <a:t>2/18/2020</a:t>
+              <a:t>3/8/2020</a:t>
             </a:fld>
             <a:endParaRPr lang="en-US" dirty="0"/>
           </a:p>
@@ -7175,7 +9185,7 @@
           </a:lstStyle>
           <a:p>
             <a:r>
-              <a:rPr lang="en-US" smtClean="0"/>
+              <a:rPr lang="en-US"/>
               <a:t>Click to edit Master title style</a:t>
             </a:r>
             <a:endParaRPr lang="en-US" dirty="0"/>
@@ -7242,7 +9252,7 @@
           </a:lstStyle>
           <a:p>
             <a:r>
-              <a:rPr lang="en-US" smtClean="0"/>
+              <a:rPr lang="en-US"/>
               <a:t>Click icon to add picture</a:t>
             </a:r>
             <a:endParaRPr lang="en-US" dirty="0"/>
@@ -7310,7 +9320,7 @@
           <a:p>
             <a:pPr lvl="0"/>
             <a:r>
-              <a:rPr lang="en-US" smtClean="0"/>
+              <a:rPr lang="en-US"/>
               <a:t>Edit Master text styles</a:t>
             </a:r>
           </a:p>
@@ -7334,7 +9344,7 @@
             <a:fld id="{B61BEF0D-F0BB-DE4B-95CE-6DB70DBA9567}" type="datetimeFigureOut">
               <a:rPr lang="en-US" dirty="0"/>
               <a:pPr/>
-              <a:t>2/18/2020</a:t>
+              <a:t>3/8/2020</a:t>
             </a:fld>
             <a:endParaRPr lang="en-US" dirty="0"/>
           </a:p>
@@ -9343,7 +11353,7 @@
           <a:lstStyle/>
           <a:p>
             <a:r>
-              <a:rPr lang="en-US" smtClean="0"/>
+              <a:rPr lang="en-US"/>
               <a:t>Click to edit Master title style</a:t>
             </a:r>
             <a:endParaRPr lang="en-US" dirty="0"/>
@@ -9377,35 +11387,35 @@
           <a:p>
             <a:pPr lvl="0"/>
             <a:r>
-              <a:rPr lang="en-US" smtClean="0"/>
+              <a:rPr lang="en-US"/>
               <a:t>Edit Master text styles</a:t>
             </a:r>
           </a:p>
           <a:p>
             <a:pPr lvl="1"/>
             <a:r>
-              <a:rPr lang="en-US" smtClean="0"/>
+              <a:rPr lang="en-US"/>
               <a:t>Second level</a:t>
             </a:r>
           </a:p>
           <a:p>
             <a:pPr lvl="2"/>
             <a:r>
-              <a:rPr lang="en-US" smtClean="0"/>
+              <a:rPr lang="en-US"/>
               <a:t>Third level</a:t>
             </a:r>
           </a:p>
           <a:p>
             <a:pPr lvl="3"/>
             <a:r>
-              <a:rPr lang="en-US" smtClean="0"/>
+              <a:rPr lang="en-US"/>
               <a:t>Fourth level</a:t>
             </a:r>
           </a:p>
           <a:p>
             <a:pPr lvl="4"/>
             <a:r>
-              <a:rPr lang="en-US" smtClean="0"/>
+              <a:rPr lang="en-US"/>
               <a:t>Fifth level</a:t>
             </a:r>
             <a:endParaRPr lang="en-US" dirty="0"/>
@@ -9448,7 +11458,7 @@
             <a:fld id="{B61BEF0D-F0BB-DE4B-95CE-6DB70DBA9567}" type="datetimeFigureOut">
               <a:rPr lang="en-US" dirty="0"/>
               <a:pPr/>
-              <a:t>2/18/2020</a:t>
+              <a:t>3/8/2020</a:t>
             </a:fld>
             <a:endParaRPr lang="en-US" dirty="0"/>
           </a:p>
@@ -9978,7 +11988,7 @@
           <a:p>
             <a:pPr algn="r" rtl="1"/>
             <a:r>
-              <a:rPr lang="he-IL" dirty="0" smtClean="0"/>
+              <a:rPr lang="he-IL" dirty="0"/>
               <a:t>פרויקט בגילוי שינויים</a:t>
             </a:r>
             <a:endParaRPr lang="en-US" dirty="0"/>
@@ -10009,7 +12019,7 @@
           <a:p>
             <a:pPr algn="r" rtl="1"/>
             <a:r>
-              <a:rPr lang="he-IL" sz="2000" b="1" dirty="0" smtClean="0">
+              <a:rPr lang="he-IL" sz="2000" b="1" dirty="0">
                 <a:solidFill>
                   <a:schemeClr val="tx2"/>
                 </a:solidFill>
@@ -10017,7 +12027,7 @@
               <a:t>טל אמיר, איילת אלון וענבל </a:t>
             </a:r>
             <a:r>
-              <a:rPr lang="he-IL" sz="2000" b="1" dirty="0" err="1" smtClean="0">
+              <a:rPr lang="he-IL" sz="2000" b="1" dirty="0" err="1">
                 <a:solidFill>
                   <a:schemeClr val="tx2"/>
                 </a:solidFill>
@@ -10025,7 +12035,7 @@
               <a:t>ציפרמן</a:t>
             </a:r>
             <a:r>
-              <a:rPr lang="he-IL" sz="2000" b="1" dirty="0" smtClean="0">
+              <a:rPr lang="he-IL" sz="2000" b="1" dirty="0">
                 <a:solidFill>
                   <a:schemeClr val="tx2"/>
                 </a:solidFill>
@@ -10036,7 +12046,7 @@
           <a:p>
             <a:pPr algn="r" rtl="1"/>
             <a:r>
-              <a:rPr lang="he-IL" sz="2000" b="1" dirty="0" smtClean="0">
+              <a:rPr lang="he-IL" sz="2000" b="1" dirty="0">
                 <a:solidFill>
                   <a:schemeClr val="tx2"/>
                 </a:solidFill>
@@ -10044,14 +12054,14 @@
               <a:t>בהנחיית אלכס </a:t>
             </a:r>
             <a:r>
-              <a:rPr lang="he-IL" sz="2000" b="1" dirty="0" err="1" smtClean="0">
+              <a:rPr lang="he-IL" sz="2000" b="1" dirty="0" err="1">
                 <a:solidFill>
                   <a:schemeClr val="tx2"/>
                 </a:solidFill>
               </a:rPr>
               <a:t>גולץ</a:t>
             </a:r>
-            <a:endParaRPr lang="he-IL" sz="2000" b="1" dirty="0" smtClean="0">
+            <a:endParaRPr lang="he-IL" sz="2000" b="1" dirty="0">
               <a:solidFill>
                 <a:schemeClr val="tx2"/>
               </a:solidFill>
@@ -10060,7 +12070,7 @@
           <a:p>
             <a:pPr algn="r" rtl="1"/>
             <a:r>
-              <a:rPr lang="he-IL" sz="2000" b="1" dirty="0" smtClean="0">
+              <a:rPr lang="he-IL" sz="2000" b="1" dirty="0">
                 <a:solidFill>
                   <a:schemeClr val="tx2"/>
                 </a:solidFill>
@@ -10123,43 +12133,1764 @@
             <p:ph type="title"/>
           </p:nvPr>
         </p:nvSpPr>
-        <p:spPr/>
+        <p:spPr>
+          <a:xfrm>
+            <a:off x="2592925" y="624110"/>
+            <a:ext cx="8911687" cy="978448"/>
+          </a:xfrm>
+        </p:spPr>
         <p:txBody>
-          <a:bodyPr/>
+          <a:bodyPr>
+            <a:normAutofit fontScale="90000"/>
+          </a:bodyPr>
           <a:lstStyle/>
           <a:p>
-            <a:r>
-              <a:rPr lang="he-IL" dirty="0" smtClean="0"/>
+            <a:pPr algn="r" rtl="1"/>
+            <a:r>
+              <a:rPr lang="he-IL" dirty="0"/>
+              <a:t>הארכיטקטורה – </a:t>
+            </a:r>
+            <a:r>
+              <a:rPr lang="en-US" dirty="0"/>
               <a:t> </a:t>
             </a:r>
             <a:r>
               <a:rPr lang="en-US" dirty="0" smtClean="0"/>
-              <a:t>GAP </a:t>
-            </a:r>
-            <a:r>
-              <a:rPr lang="he-IL" dirty="0" smtClean="0"/>
-              <a:t>הצגת הארכיטקטורה</a:t>
-            </a:r>
-            <a:endParaRPr lang="en-US" dirty="0"/>
+              <a:t>GAP Localization</a:t>
+            </a:r>
+            <a:r>
+              <a:rPr lang="he-IL" dirty="0"/>
+              <a:t/>
+            </a:r>
+            <a:br>
+              <a:rPr lang="he-IL" dirty="0"/>
+            </a:br>
+            <a:r>
+              <a:rPr lang="he-IL" dirty="0"/>
+              <a:t/>
+            </a:r>
+            <a:br>
+              <a:rPr lang="he-IL" dirty="0"/>
+            </a:br>
+            <a:endParaRPr lang="en-US" sz="2000" dirty="0">
+              <a:solidFill>
+                <a:schemeClr val="tx1"/>
+              </a:solidFill>
+              <a:latin typeface="+mn-lt"/>
+              <a:ea typeface="+mn-ea"/>
+              <a:cs typeface="+mn-cs"/>
+            </a:endParaRPr>
           </a:p>
         </p:txBody>
       </p:sp>
       <p:sp>
         <p:nvSpPr>
-          <p:cNvPr id="3" name="Content Placeholder 2"/>
-          <p:cNvSpPr>
-            <a:spLocks noGrp="1"/>
-          </p:cNvSpPr>
+          <p:cNvPr id="13" name="Rectangle 12">
+            <a:extLst>
+              <a:ext uri="{FF2B5EF4-FFF2-40B4-BE49-F238E27FC236}">
+                <a16:creationId xmlns:a16="http://schemas.microsoft.com/office/drawing/2014/main" id="{115EC9D9-64FD-4BEC-83D2-FAE4C07733A0}"/>
+              </a:ext>
+            </a:extLst>
+          </p:cNvPr>
+          <p:cNvSpPr/>
+          <p:nvPr/>
+        </p:nvSpPr>
+        <p:spPr>
+          <a:xfrm>
+            <a:off x="4466492" y="1123378"/>
+            <a:ext cx="7293097" cy="1938992"/>
+          </a:xfrm>
+          <a:prstGeom prst="rect">
+            <a:avLst/>
+          </a:prstGeom>
+        </p:spPr>
+        <p:txBody>
+          <a:bodyPr wrap="square">
+            <a:spAutoFit/>
+          </a:bodyPr>
+          <a:lstStyle/>
+          <a:p>
+            <a:pPr marL="285750" indent="-285750" algn="r" rtl="1">
+              <a:buFont typeface="Arial" panose="020B0604020202020204" pitchFamily="34" charset="0"/>
+              <a:buChar char="•"/>
+            </a:pPr>
+            <a:r>
+              <a:rPr lang="he-IL" sz="2000" dirty="0" smtClean="0"/>
+              <a:t>מבנה ה</a:t>
+            </a:r>
+            <a:r>
+              <a:rPr lang="en-US" sz="2000" dirty="0" smtClean="0"/>
+              <a:t>Encoder</a:t>
+            </a:r>
+            <a:r>
+              <a:rPr lang="he-IL" sz="2000" dirty="0" smtClean="0"/>
+              <a:t> זהה למודל הקודם.</a:t>
+            </a:r>
+          </a:p>
+          <a:p>
+            <a:pPr marL="285750" indent="-285750" algn="r" rtl="1">
+              <a:buFont typeface="Arial" panose="020B0604020202020204" pitchFamily="34" charset="0"/>
+              <a:buChar char="•"/>
+            </a:pPr>
+            <a:r>
+              <a:rPr lang="he-IL" sz="2000" dirty="0" smtClean="0"/>
+              <a:t>בסוף ה</a:t>
+            </a:r>
+            <a:r>
+              <a:rPr lang="en-US" sz="2000" dirty="0" smtClean="0"/>
+              <a:t>Decoder</a:t>
+            </a:r>
+            <a:r>
+              <a:rPr lang="he-IL" sz="2000" dirty="0" smtClean="0"/>
+              <a:t> נסיים עם תמונה בעלת 16 </a:t>
+            </a:r>
+            <a:r>
+              <a:rPr lang="en-US" sz="2000" dirty="0" smtClean="0"/>
+              <a:t>channels</a:t>
+            </a:r>
+            <a:r>
+              <a:rPr lang="he-IL" sz="2000" dirty="0" smtClean="0"/>
+              <a:t> במקום אחד בודד.</a:t>
+            </a:r>
+          </a:p>
+          <a:p>
+            <a:pPr marL="285750" indent="-285750" algn="r" rtl="1">
+              <a:buFont typeface="Arial" panose="020B0604020202020204" pitchFamily="34" charset="0"/>
+              <a:buChar char="•"/>
+            </a:pPr>
+            <a:r>
+              <a:rPr lang="he-IL" sz="2000" dirty="0" smtClean="0"/>
+              <a:t>נשתמש בשכבת </a:t>
+            </a:r>
+            <a:r>
+              <a:rPr lang="en-US" sz="2000" dirty="0" smtClean="0"/>
+              <a:t>Global Average Pooling</a:t>
+            </a:r>
+            <a:r>
+              <a:rPr lang="he-IL" sz="2000" dirty="0" smtClean="0"/>
+              <a:t> כדי להפוך את 16 הערוצים לוקטור יחיד באורך 16.</a:t>
+            </a:r>
+          </a:p>
+          <a:p>
+            <a:pPr marL="285750" indent="-285750" algn="r" rtl="1">
+              <a:buFont typeface="Arial" panose="020B0604020202020204" pitchFamily="34" charset="0"/>
+              <a:buChar char="•"/>
+            </a:pPr>
+            <a:r>
+              <a:rPr lang="he-IL" sz="2000" dirty="0" smtClean="0"/>
+              <a:t>נחבר את הוקטור בשכבת </a:t>
+            </a:r>
+            <a:r>
+              <a:rPr lang="en-US" sz="2000" dirty="0" smtClean="0"/>
+              <a:t>fully connected</a:t>
+            </a:r>
+            <a:r>
+              <a:rPr lang="he-IL" sz="2000" dirty="0" smtClean="0"/>
+              <a:t> לוקטור התוצאה.</a:t>
+            </a:r>
+            <a:endParaRPr lang="he-IL" sz="2000" dirty="0"/>
+          </a:p>
+        </p:txBody>
+      </p:sp>
+      <p:pic>
+        <p:nvPicPr>
+          <p:cNvPr id="4" name="Picture 3"/>
+          <p:cNvPicPr>
+            <a:picLocks noChangeAspect="1"/>
+          </p:cNvPicPr>
+          <p:nvPr/>
+        </p:nvPicPr>
+        <p:blipFill>
+          <a:blip r:embed="rId2"/>
+          <a:stretch>
+            <a:fillRect/>
+          </a:stretch>
+        </p:blipFill>
+        <p:spPr>
+          <a:xfrm>
+            <a:off x="0" y="3448050"/>
+            <a:ext cx="9734550" cy="3409950"/>
+          </a:xfrm>
+          <a:prstGeom prst="rect">
+            <a:avLst/>
+          </a:prstGeom>
+        </p:spPr>
+      </p:pic>
+      <p:graphicFrame>
+        <p:nvGraphicFramePr>
+          <p:cNvPr id="6" name="Table 5"/>
+          <p:cNvGraphicFramePr>
+            <a:graphicFrameLocks noGrp="1"/>
+          </p:cNvGraphicFramePr>
           <p:nvPr>
-            <p:ph idx="1"/>
+            <p:extLst>
+              <p:ext uri="{D42A27DB-BD31-4B8C-83A1-F6EECF244321}">
+                <p14:modId xmlns:p14="http://schemas.microsoft.com/office/powerpoint/2010/main" val="2070481751"/>
+              </p:ext>
+            </p:extLst>
           </p:nvPr>
+        </p:nvGraphicFramePr>
+        <p:xfrm>
+          <a:off x="7258538" y="3558737"/>
+          <a:ext cx="371475" cy="3190768"/>
+        </p:xfrm>
+        <a:graphic>
+          <a:graphicData uri="http://schemas.openxmlformats.org/drawingml/2006/table">
+            <a:tbl>
+              <a:tblPr rtl="1" firstRow="1" bandRow="1">
+                <a:tableStyleId>{2D5ABB26-0587-4C30-8999-92F81FD0307C}</a:tableStyleId>
+              </a:tblPr>
+              <a:tblGrid>
+                <a:gridCol w="371475">
+                  <a:extLst>
+                    <a:ext uri="{9D8B030D-6E8A-4147-A177-3AD203B41FA5}">
+                      <a16:colId xmlns:a16="http://schemas.microsoft.com/office/drawing/2014/main" val="3389216629"/>
+                    </a:ext>
+                  </a:extLst>
+                </a:gridCol>
+              </a:tblGrid>
+              <a:tr h="199423">
+                <a:tc>
+                  <a:txBody>
+                    <a:bodyPr/>
+                    <a:lstStyle/>
+                    <a:p>
+                      <a:pPr rtl="1"/>
+                      <a:endParaRPr lang="he-IL" sz="400" dirty="0"/>
+                    </a:p>
+                  </a:txBody>
+                  <a:tcPr>
+                    <a:lnL w="12700" cap="flat" cmpd="sng" algn="ctr">
+                      <a:solidFill>
+                        <a:schemeClr val="tx1"/>
+                      </a:solidFill>
+                      <a:prstDash val="solid"/>
+                      <a:round/>
+                      <a:headEnd type="none" w="med" len="med"/>
+                      <a:tailEnd type="none" w="med" len="med"/>
+                    </a:lnL>
+                    <a:lnR w="12700" cap="flat" cmpd="sng" algn="ctr">
+                      <a:solidFill>
+                        <a:schemeClr val="tx1"/>
+                      </a:solidFill>
+                      <a:prstDash val="solid"/>
+                      <a:round/>
+                      <a:headEnd type="none" w="med" len="med"/>
+                      <a:tailEnd type="none" w="med" len="med"/>
+                    </a:lnR>
+                    <a:lnT w="12700" cap="flat" cmpd="sng" algn="ctr">
+                      <a:solidFill>
+                        <a:schemeClr val="tx1"/>
+                      </a:solidFill>
+                      <a:prstDash val="solid"/>
+                      <a:round/>
+                      <a:headEnd type="none" w="med" len="med"/>
+                      <a:tailEnd type="none" w="med" len="med"/>
+                    </a:lnT>
+                    <a:lnB w="12700" cap="flat" cmpd="sng" algn="ctr">
+                      <a:solidFill>
+                        <a:schemeClr val="tx1"/>
+                      </a:solidFill>
+                      <a:prstDash val="solid"/>
+                      <a:round/>
+                      <a:headEnd type="none" w="med" len="med"/>
+                      <a:tailEnd type="none" w="med" len="med"/>
+                    </a:lnB>
+                  </a:tcPr>
+                </a:tc>
+                <a:extLst>
+                  <a:ext uri="{0D108BD9-81ED-4DB2-BD59-A6C34878D82A}">
+                    <a16:rowId xmlns:a16="http://schemas.microsoft.com/office/drawing/2014/main" val="1454723039"/>
+                  </a:ext>
+                </a:extLst>
+              </a:tr>
+              <a:tr h="199423">
+                <a:tc>
+                  <a:txBody>
+                    <a:bodyPr/>
+                    <a:lstStyle/>
+                    <a:p>
+                      <a:pPr rtl="1"/>
+                      <a:endParaRPr lang="he-IL" sz="400"/>
+                    </a:p>
+                  </a:txBody>
+                  <a:tcPr>
+                    <a:lnL w="12700" cap="flat" cmpd="sng" algn="ctr">
+                      <a:solidFill>
+                        <a:schemeClr val="tx1"/>
+                      </a:solidFill>
+                      <a:prstDash val="solid"/>
+                      <a:round/>
+                      <a:headEnd type="none" w="med" len="med"/>
+                      <a:tailEnd type="none" w="med" len="med"/>
+                    </a:lnL>
+                    <a:lnR w="12700" cap="flat" cmpd="sng" algn="ctr">
+                      <a:solidFill>
+                        <a:schemeClr val="tx1"/>
+                      </a:solidFill>
+                      <a:prstDash val="solid"/>
+                      <a:round/>
+                      <a:headEnd type="none" w="med" len="med"/>
+                      <a:tailEnd type="none" w="med" len="med"/>
+                    </a:lnR>
+                    <a:lnT w="12700" cap="flat" cmpd="sng" algn="ctr">
+                      <a:solidFill>
+                        <a:schemeClr val="tx1"/>
+                      </a:solidFill>
+                      <a:prstDash val="solid"/>
+                      <a:round/>
+                      <a:headEnd type="none" w="med" len="med"/>
+                      <a:tailEnd type="none" w="med" len="med"/>
+                    </a:lnT>
+                    <a:lnB w="12700" cap="flat" cmpd="sng" algn="ctr">
+                      <a:solidFill>
+                        <a:schemeClr val="tx1"/>
+                      </a:solidFill>
+                      <a:prstDash val="solid"/>
+                      <a:round/>
+                      <a:headEnd type="none" w="med" len="med"/>
+                      <a:tailEnd type="none" w="med" len="med"/>
+                    </a:lnB>
+                  </a:tcPr>
+                </a:tc>
+                <a:extLst>
+                  <a:ext uri="{0D108BD9-81ED-4DB2-BD59-A6C34878D82A}">
+                    <a16:rowId xmlns:a16="http://schemas.microsoft.com/office/drawing/2014/main" val="2892706328"/>
+                  </a:ext>
+                </a:extLst>
+              </a:tr>
+              <a:tr h="199423">
+                <a:tc>
+                  <a:txBody>
+                    <a:bodyPr/>
+                    <a:lstStyle/>
+                    <a:p>
+                      <a:pPr rtl="1"/>
+                      <a:endParaRPr lang="he-IL" sz="400"/>
+                    </a:p>
+                  </a:txBody>
+                  <a:tcPr>
+                    <a:lnL w="12700" cap="flat" cmpd="sng" algn="ctr">
+                      <a:solidFill>
+                        <a:schemeClr val="tx1"/>
+                      </a:solidFill>
+                      <a:prstDash val="solid"/>
+                      <a:round/>
+                      <a:headEnd type="none" w="med" len="med"/>
+                      <a:tailEnd type="none" w="med" len="med"/>
+                    </a:lnL>
+                    <a:lnR w="12700" cap="flat" cmpd="sng" algn="ctr">
+                      <a:solidFill>
+                        <a:schemeClr val="tx1"/>
+                      </a:solidFill>
+                      <a:prstDash val="solid"/>
+                      <a:round/>
+                      <a:headEnd type="none" w="med" len="med"/>
+                      <a:tailEnd type="none" w="med" len="med"/>
+                    </a:lnR>
+                    <a:lnT w="12700" cap="flat" cmpd="sng" algn="ctr">
+                      <a:solidFill>
+                        <a:schemeClr val="tx1"/>
+                      </a:solidFill>
+                      <a:prstDash val="solid"/>
+                      <a:round/>
+                      <a:headEnd type="none" w="med" len="med"/>
+                      <a:tailEnd type="none" w="med" len="med"/>
+                    </a:lnT>
+                    <a:lnB w="12700" cap="flat" cmpd="sng" algn="ctr">
+                      <a:solidFill>
+                        <a:schemeClr val="tx1"/>
+                      </a:solidFill>
+                      <a:prstDash val="solid"/>
+                      <a:round/>
+                      <a:headEnd type="none" w="med" len="med"/>
+                      <a:tailEnd type="none" w="med" len="med"/>
+                    </a:lnB>
+                  </a:tcPr>
+                </a:tc>
+                <a:extLst>
+                  <a:ext uri="{0D108BD9-81ED-4DB2-BD59-A6C34878D82A}">
+                    <a16:rowId xmlns:a16="http://schemas.microsoft.com/office/drawing/2014/main" val="356083474"/>
+                  </a:ext>
+                </a:extLst>
+              </a:tr>
+              <a:tr h="199423">
+                <a:tc>
+                  <a:txBody>
+                    <a:bodyPr/>
+                    <a:lstStyle/>
+                    <a:p>
+                      <a:pPr rtl="1"/>
+                      <a:endParaRPr lang="he-IL" sz="400"/>
+                    </a:p>
+                  </a:txBody>
+                  <a:tcPr>
+                    <a:lnL w="12700" cap="flat" cmpd="sng" algn="ctr">
+                      <a:solidFill>
+                        <a:schemeClr val="tx1"/>
+                      </a:solidFill>
+                      <a:prstDash val="solid"/>
+                      <a:round/>
+                      <a:headEnd type="none" w="med" len="med"/>
+                      <a:tailEnd type="none" w="med" len="med"/>
+                    </a:lnL>
+                    <a:lnR w="12700" cap="flat" cmpd="sng" algn="ctr">
+                      <a:solidFill>
+                        <a:schemeClr val="tx1"/>
+                      </a:solidFill>
+                      <a:prstDash val="solid"/>
+                      <a:round/>
+                      <a:headEnd type="none" w="med" len="med"/>
+                      <a:tailEnd type="none" w="med" len="med"/>
+                    </a:lnR>
+                    <a:lnT w="12700" cap="flat" cmpd="sng" algn="ctr">
+                      <a:solidFill>
+                        <a:schemeClr val="tx1"/>
+                      </a:solidFill>
+                      <a:prstDash val="solid"/>
+                      <a:round/>
+                      <a:headEnd type="none" w="med" len="med"/>
+                      <a:tailEnd type="none" w="med" len="med"/>
+                    </a:lnT>
+                    <a:lnB w="12700" cap="flat" cmpd="sng" algn="ctr">
+                      <a:solidFill>
+                        <a:schemeClr val="tx1"/>
+                      </a:solidFill>
+                      <a:prstDash val="solid"/>
+                      <a:round/>
+                      <a:headEnd type="none" w="med" len="med"/>
+                      <a:tailEnd type="none" w="med" len="med"/>
+                    </a:lnB>
+                  </a:tcPr>
+                </a:tc>
+                <a:extLst>
+                  <a:ext uri="{0D108BD9-81ED-4DB2-BD59-A6C34878D82A}">
+                    <a16:rowId xmlns:a16="http://schemas.microsoft.com/office/drawing/2014/main" val="4293790281"/>
+                  </a:ext>
+                </a:extLst>
+              </a:tr>
+              <a:tr h="199423">
+                <a:tc>
+                  <a:txBody>
+                    <a:bodyPr/>
+                    <a:lstStyle/>
+                    <a:p>
+                      <a:pPr rtl="1"/>
+                      <a:endParaRPr lang="he-IL" sz="400"/>
+                    </a:p>
+                  </a:txBody>
+                  <a:tcPr>
+                    <a:lnL w="12700" cap="flat" cmpd="sng" algn="ctr">
+                      <a:solidFill>
+                        <a:schemeClr val="tx1"/>
+                      </a:solidFill>
+                      <a:prstDash val="solid"/>
+                      <a:round/>
+                      <a:headEnd type="none" w="med" len="med"/>
+                      <a:tailEnd type="none" w="med" len="med"/>
+                    </a:lnL>
+                    <a:lnR w="12700" cap="flat" cmpd="sng" algn="ctr">
+                      <a:solidFill>
+                        <a:schemeClr val="tx1"/>
+                      </a:solidFill>
+                      <a:prstDash val="solid"/>
+                      <a:round/>
+                      <a:headEnd type="none" w="med" len="med"/>
+                      <a:tailEnd type="none" w="med" len="med"/>
+                    </a:lnR>
+                    <a:lnT w="12700" cap="flat" cmpd="sng" algn="ctr">
+                      <a:solidFill>
+                        <a:schemeClr val="tx1"/>
+                      </a:solidFill>
+                      <a:prstDash val="solid"/>
+                      <a:round/>
+                      <a:headEnd type="none" w="med" len="med"/>
+                      <a:tailEnd type="none" w="med" len="med"/>
+                    </a:lnT>
+                    <a:lnB w="12700" cap="flat" cmpd="sng" algn="ctr">
+                      <a:solidFill>
+                        <a:schemeClr val="tx1"/>
+                      </a:solidFill>
+                      <a:prstDash val="solid"/>
+                      <a:round/>
+                      <a:headEnd type="none" w="med" len="med"/>
+                      <a:tailEnd type="none" w="med" len="med"/>
+                    </a:lnB>
+                  </a:tcPr>
+                </a:tc>
+                <a:extLst>
+                  <a:ext uri="{0D108BD9-81ED-4DB2-BD59-A6C34878D82A}">
+                    <a16:rowId xmlns:a16="http://schemas.microsoft.com/office/drawing/2014/main" val="1652045528"/>
+                  </a:ext>
+                </a:extLst>
+              </a:tr>
+              <a:tr h="199423">
+                <a:tc>
+                  <a:txBody>
+                    <a:bodyPr/>
+                    <a:lstStyle/>
+                    <a:p>
+                      <a:pPr rtl="1"/>
+                      <a:endParaRPr lang="he-IL" sz="400"/>
+                    </a:p>
+                  </a:txBody>
+                  <a:tcPr>
+                    <a:lnL w="12700" cap="flat" cmpd="sng" algn="ctr">
+                      <a:solidFill>
+                        <a:schemeClr val="tx1"/>
+                      </a:solidFill>
+                      <a:prstDash val="solid"/>
+                      <a:round/>
+                      <a:headEnd type="none" w="med" len="med"/>
+                      <a:tailEnd type="none" w="med" len="med"/>
+                    </a:lnL>
+                    <a:lnR w="12700" cap="flat" cmpd="sng" algn="ctr">
+                      <a:solidFill>
+                        <a:schemeClr val="tx1"/>
+                      </a:solidFill>
+                      <a:prstDash val="solid"/>
+                      <a:round/>
+                      <a:headEnd type="none" w="med" len="med"/>
+                      <a:tailEnd type="none" w="med" len="med"/>
+                    </a:lnR>
+                    <a:lnT w="12700" cap="flat" cmpd="sng" algn="ctr">
+                      <a:solidFill>
+                        <a:schemeClr val="tx1"/>
+                      </a:solidFill>
+                      <a:prstDash val="solid"/>
+                      <a:round/>
+                      <a:headEnd type="none" w="med" len="med"/>
+                      <a:tailEnd type="none" w="med" len="med"/>
+                    </a:lnT>
+                    <a:lnB w="12700" cap="flat" cmpd="sng" algn="ctr">
+                      <a:solidFill>
+                        <a:schemeClr val="tx1"/>
+                      </a:solidFill>
+                      <a:prstDash val="solid"/>
+                      <a:round/>
+                      <a:headEnd type="none" w="med" len="med"/>
+                      <a:tailEnd type="none" w="med" len="med"/>
+                    </a:lnB>
+                  </a:tcPr>
+                </a:tc>
+                <a:extLst>
+                  <a:ext uri="{0D108BD9-81ED-4DB2-BD59-A6C34878D82A}">
+                    <a16:rowId xmlns:a16="http://schemas.microsoft.com/office/drawing/2014/main" val="2107906912"/>
+                  </a:ext>
+                </a:extLst>
+              </a:tr>
+              <a:tr h="199423">
+                <a:tc>
+                  <a:txBody>
+                    <a:bodyPr/>
+                    <a:lstStyle/>
+                    <a:p>
+                      <a:pPr rtl="1"/>
+                      <a:endParaRPr lang="he-IL" sz="400"/>
+                    </a:p>
+                  </a:txBody>
+                  <a:tcPr>
+                    <a:lnL w="12700" cap="flat" cmpd="sng" algn="ctr">
+                      <a:solidFill>
+                        <a:schemeClr val="tx1"/>
+                      </a:solidFill>
+                      <a:prstDash val="solid"/>
+                      <a:round/>
+                      <a:headEnd type="none" w="med" len="med"/>
+                      <a:tailEnd type="none" w="med" len="med"/>
+                    </a:lnL>
+                    <a:lnR w="12700" cap="flat" cmpd="sng" algn="ctr">
+                      <a:solidFill>
+                        <a:schemeClr val="tx1"/>
+                      </a:solidFill>
+                      <a:prstDash val="solid"/>
+                      <a:round/>
+                      <a:headEnd type="none" w="med" len="med"/>
+                      <a:tailEnd type="none" w="med" len="med"/>
+                    </a:lnR>
+                    <a:lnT w="12700" cap="flat" cmpd="sng" algn="ctr">
+                      <a:solidFill>
+                        <a:schemeClr val="tx1"/>
+                      </a:solidFill>
+                      <a:prstDash val="solid"/>
+                      <a:round/>
+                      <a:headEnd type="none" w="med" len="med"/>
+                      <a:tailEnd type="none" w="med" len="med"/>
+                    </a:lnT>
+                    <a:lnB w="12700" cap="flat" cmpd="sng" algn="ctr">
+                      <a:solidFill>
+                        <a:schemeClr val="tx1"/>
+                      </a:solidFill>
+                      <a:prstDash val="solid"/>
+                      <a:round/>
+                      <a:headEnd type="none" w="med" len="med"/>
+                      <a:tailEnd type="none" w="med" len="med"/>
+                    </a:lnB>
+                  </a:tcPr>
+                </a:tc>
+                <a:extLst>
+                  <a:ext uri="{0D108BD9-81ED-4DB2-BD59-A6C34878D82A}">
+                    <a16:rowId xmlns:a16="http://schemas.microsoft.com/office/drawing/2014/main" val="1724958954"/>
+                  </a:ext>
+                </a:extLst>
+              </a:tr>
+              <a:tr h="199423">
+                <a:tc>
+                  <a:txBody>
+                    <a:bodyPr/>
+                    <a:lstStyle/>
+                    <a:p>
+                      <a:pPr rtl="1"/>
+                      <a:endParaRPr lang="he-IL" sz="400"/>
+                    </a:p>
+                  </a:txBody>
+                  <a:tcPr>
+                    <a:lnL w="12700" cap="flat" cmpd="sng" algn="ctr">
+                      <a:solidFill>
+                        <a:schemeClr val="tx1"/>
+                      </a:solidFill>
+                      <a:prstDash val="solid"/>
+                      <a:round/>
+                      <a:headEnd type="none" w="med" len="med"/>
+                      <a:tailEnd type="none" w="med" len="med"/>
+                    </a:lnL>
+                    <a:lnR w="12700" cap="flat" cmpd="sng" algn="ctr">
+                      <a:solidFill>
+                        <a:schemeClr val="tx1"/>
+                      </a:solidFill>
+                      <a:prstDash val="solid"/>
+                      <a:round/>
+                      <a:headEnd type="none" w="med" len="med"/>
+                      <a:tailEnd type="none" w="med" len="med"/>
+                    </a:lnR>
+                    <a:lnT w="12700" cap="flat" cmpd="sng" algn="ctr">
+                      <a:solidFill>
+                        <a:schemeClr val="tx1"/>
+                      </a:solidFill>
+                      <a:prstDash val="solid"/>
+                      <a:round/>
+                      <a:headEnd type="none" w="med" len="med"/>
+                      <a:tailEnd type="none" w="med" len="med"/>
+                    </a:lnT>
+                    <a:lnB w="12700" cap="flat" cmpd="sng" algn="ctr">
+                      <a:solidFill>
+                        <a:schemeClr val="tx1"/>
+                      </a:solidFill>
+                      <a:prstDash val="solid"/>
+                      <a:round/>
+                      <a:headEnd type="none" w="med" len="med"/>
+                      <a:tailEnd type="none" w="med" len="med"/>
+                    </a:lnB>
+                  </a:tcPr>
+                </a:tc>
+                <a:extLst>
+                  <a:ext uri="{0D108BD9-81ED-4DB2-BD59-A6C34878D82A}">
+                    <a16:rowId xmlns:a16="http://schemas.microsoft.com/office/drawing/2014/main" val="2559151062"/>
+                  </a:ext>
+                </a:extLst>
+              </a:tr>
+              <a:tr h="199423">
+                <a:tc>
+                  <a:txBody>
+                    <a:bodyPr/>
+                    <a:lstStyle/>
+                    <a:p>
+                      <a:pPr rtl="1"/>
+                      <a:endParaRPr lang="he-IL" sz="400"/>
+                    </a:p>
+                  </a:txBody>
+                  <a:tcPr>
+                    <a:lnL w="12700" cap="flat" cmpd="sng" algn="ctr">
+                      <a:solidFill>
+                        <a:schemeClr val="tx1"/>
+                      </a:solidFill>
+                      <a:prstDash val="solid"/>
+                      <a:round/>
+                      <a:headEnd type="none" w="med" len="med"/>
+                      <a:tailEnd type="none" w="med" len="med"/>
+                    </a:lnL>
+                    <a:lnR w="12700" cap="flat" cmpd="sng" algn="ctr">
+                      <a:solidFill>
+                        <a:schemeClr val="tx1"/>
+                      </a:solidFill>
+                      <a:prstDash val="solid"/>
+                      <a:round/>
+                      <a:headEnd type="none" w="med" len="med"/>
+                      <a:tailEnd type="none" w="med" len="med"/>
+                    </a:lnR>
+                    <a:lnT w="12700" cap="flat" cmpd="sng" algn="ctr">
+                      <a:solidFill>
+                        <a:schemeClr val="tx1"/>
+                      </a:solidFill>
+                      <a:prstDash val="solid"/>
+                      <a:round/>
+                      <a:headEnd type="none" w="med" len="med"/>
+                      <a:tailEnd type="none" w="med" len="med"/>
+                    </a:lnT>
+                    <a:lnB w="12700" cap="flat" cmpd="sng" algn="ctr">
+                      <a:solidFill>
+                        <a:schemeClr val="tx1"/>
+                      </a:solidFill>
+                      <a:prstDash val="solid"/>
+                      <a:round/>
+                      <a:headEnd type="none" w="med" len="med"/>
+                      <a:tailEnd type="none" w="med" len="med"/>
+                    </a:lnB>
+                  </a:tcPr>
+                </a:tc>
+                <a:extLst>
+                  <a:ext uri="{0D108BD9-81ED-4DB2-BD59-A6C34878D82A}">
+                    <a16:rowId xmlns:a16="http://schemas.microsoft.com/office/drawing/2014/main" val="421941039"/>
+                  </a:ext>
+                </a:extLst>
+              </a:tr>
+              <a:tr h="199423">
+                <a:tc>
+                  <a:txBody>
+                    <a:bodyPr/>
+                    <a:lstStyle/>
+                    <a:p>
+                      <a:pPr rtl="1"/>
+                      <a:endParaRPr lang="he-IL" sz="400"/>
+                    </a:p>
+                  </a:txBody>
+                  <a:tcPr>
+                    <a:lnL w="12700" cap="flat" cmpd="sng" algn="ctr">
+                      <a:solidFill>
+                        <a:schemeClr val="tx1"/>
+                      </a:solidFill>
+                      <a:prstDash val="solid"/>
+                      <a:round/>
+                      <a:headEnd type="none" w="med" len="med"/>
+                      <a:tailEnd type="none" w="med" len="med"/>
+                    </a:lnL>
+                    <a:lnR w="12700" cap="flat" cmpd="sng" algn="ctr">
+                      <a:solidFill>
+                        <a:schemeClr val="tx1"/>
+                      </a:solidFill>
+                      <a:prstDash val="solid"/>
+                      <a:round/>
+                      <a:headEnd type="none" w="med" len="med"/>
+                      <a:tailEnd type="none" w="med" len="med"/>
+                    </a:lnR>
+                    <a:lnT w="12700" cap="flat" cmpd="sng" algn="ctr">
+                      <a:solidFill>
+                        <a:schemeClr val="tx1"/>
+                      </a:solidFill>
+                      <a:prstDash val="solid"/>
+                      <a:round/>
+                      <a:headEnd type="none" w="med" len="med"/>
+                      <a:tailEnd type="none" w="med" len="med"/>
+                    </a:lnT>
+                    <a:lnB w="12700" cap="flat" cmpd="sng" algn="ctr">
+                      <a:solidFill>
+                        <a:schemeClr val="tx1"/>
+                      </a:solidFill>
+                      <a:prstDash val="solid"/>
+                      <a:round/>
+                      <a:headEnd type="none" w="med" len="med"/>
+                      <a:tailEnd type="none" w="med" len="med"/>
+                    </a:lnB>
+                  </a:tcPr>
+                </a:tc>
+                <a:extLst>
+                  <a:ext uri="{0D108BD9-81ED-4DB2-BD59-A6C34878D82A}">
+                    <a16:rowId xmlns:a16="http://schemas.microsoft.com/office/drawing/2014/main" val="1763590827"/>
+                  </a:ext>
+                </a:extLst>
+              </a:tr>
+              <a:tr h="199423">
+                <a:tc>
+                  <a:txBody>
+                    <a:bodyPr/>
+                    <a:lstStyle/>
+                    <a:p>
+                      <a:pPr rtl="1"/>
+                      <a:endParaRPr lang="he-IL" sz="400"/>
+                    </a:p>
+                  </a:txBody>
+                  <a:tcPr>
+                    <a:lnL w="12700" cap="flat" cmpd="sng" algn="ctr">
+                      <a:solidFill>
+                        <a:schemeClr val="tx1"/>
+                      </a:solidFill>
+                      <a:prstDash val="solid"/>
+                      <a:round/>
+                      <a:headEnd type="none" w="med" len="med"/>
+                      <a:tailEnd type="none" w="med" len="med"/>
+                    </a:lnL>
+                    <a:lnR w="12700" cap="flat" cmpd="sng" algn="ctr">
+                      <a:solidFill>
+                        <a:schemeClr val="tx1"/>
+                      </a:solidFill>
+                      <a:prstDash val="solid"/>
+                      <a:round/>
+                      <a:headEnd type="none" w="med" len="med"/>
+                      <a:tailEnd type="none" w="med" len="med"/>
+                    </a:lnR>
+                    <a:lnT w="12700" cap="flat" cmpd="sng" algn="ctr">
+                      <a:solidFill>
+                        <a:schemeClr val="tx1"/>
+                      </a:solidFill>
+                      <a:prstDash val="solid"/>
+                      <a:round/>
+                      <a:headEnd type="none" w="med" len="med"/>
+                      <a:tailEnd type="none" w="med" len="med"/>
+                    </a:lnT>
+                    <a:lnB w="12700" cap="flat" cmpd="sng" algn="ctr">
+                      <a:solidFill>
+                        <a:schemeClr val="tx1"/>
+                      </a:solidFill>
+                      <a:prstDash val="solid"/>
+                      <a:round/>
+                      <a:headEnd type="none" w="med" len="med"/>
+                      <a:tailEnd type="none" w="med" len="med"/>
+                    </a:lnB>
+                  </a:tcPr>
+                </a:tc>
+                <a:extLst>
+                  <a:ext uri="{0D108BD9-81ED-4DB2-BD59-A6C34878D82A}">
+                    <a16:rowId xmlns:a16="http://schemas.microsoft.com/office/drawing/2014/main" val="2917603850"/>
+                  </a:ext>
+                </a:extLst>
+              </a:tr>
+              <a:tr h="199423">
+                <a:tc>
+                  <a:txBody>
+                    <a:bodyPr/>
+                    <a:lstStyle/>
+                    <a:p>
+                      <a:pPr rtl="1"/>
+                      <a:endParaRPr lang="he-IL" sz="400"/>
+                    </a:p>
+                  </a:txBody>
+                  <a:tcPr>
+                    <a:lnL w="12700" cap="flat" cmpd="sng" algn="ctr">
+                      <a:solidFill>
+                        <a:schemeClr val="tx1"/>
+                      </a:solidFill>
+                      <a:prstDash val="solid"/>
+                      <a:round/>
+                      <a:headEnd type="none" w="med" len="med"/>
+                      <a:tailEnd type="none" w="med" len="med"/>
+                    </a:lnL>
+                    <a:lnR w="12700" cap="flat" cmpd="sng" algn="ctr">
+                      <a:solidFill>
+                        <a:schemeClr val="tx1"/>
+                      </a:solidFill>
+                      <a:prstDash val="solid"/>
+                      <a:round/>
+                      <a:headEnd type="none" w="med" len="med"/>
+                      <a:tailEnd type="none" w="med" len="med"/>
+                    </a:lnR>
+                    <a:lnT w="12700" cap="flat" cmpd="sng" algn="ctr">
+                      <a:solidFill>
+                        <a:schemeClr val="tx1"/>
+                      </a:solidFill>
+                      <a:prstDash val="solid"/>
+                      <a:round/>
+                      <a:headEnd type="none" w="med" len="med"/>
+                      <a:tailEnd type="none" w="med" len="med"/>
+                    </a:lnT>
+                    <a:lnB w="12700" cap="flat" cmpd="sng" algn="ctr">
+                      <a:solidFill>
+                        <a:schemeClr val="tx1"/>
+                      </a:solidFill>
+                      <a:prstDash val="solid"/>
+                      <a:round/>
+                      <a:headEnd type="none" w="med" len="med"/>
+                      <a:tailEnd type="none" w="med" len="med"/>
+                    </a:lnB>
+                  </a:tcPr>
+                </a:tc>
+                <a:extLst>
+                  <a:ext uri="{0D108BD9-81ED-4DB2-BD59-A6C34878D82A}">
+                    <a16:rowId xmlns:a16="http://schemas.microsoft.com/office/drawing/2014/main" val="3259425452"/>
+                  </a:ext>
+                </a:extLst>
+              </a:tr>
+              <a:tr h="199423">
+                <a:tc>
+                  <a:txBody>
+                    <a:bodyPr/>
+                    <a:lstStyle/>
+                    <a:p>
+                      <a:pPr rtl="1"/>
+                      <a:endParaRPr lang="he-IL" sz="400"/>
+                    </a:p>
+                  </a:txBody>
+                  <a:tcPr>
+                    <a:lnL w="12700" cap="flat" cmpd="sng" algn="ctr">
+                      <a:solidFill>
+                        <a:schemeClr val="tx1"/>
+                      </a:solidFill>
+                      <a:prstDash val="solid"/>
+                      <a:round/>
+                      <a:headEnd type="none" w="med" len="med"/>
+                      <a:tailEnd type="none" w="med" len="med"/>
+                    </a:lnL>
+                    <a:lnR w="12700" cap="flat" cmpd="sng" algn="ctr">
+                      <a:solidFill>
+                        <a:schemeClr val="tx1"/>
+                      </a:solidFill>
+                      <a:prstDash val="solid"/>
+                      <a:round/>
+                      <a:headEnd type="none" w="med" len="med"/>
+                      <a:tailEnd type="none" w="med" len="med"/>
+                    </a:lnR>
+                    <a:lnT w="12700" cap="flat" cmpd="sng" algn="ctr">
+                      <a:solidFill>
+                        <a:schemeClr val="tx1"/>
+                      </a:solidFill>
+                      <a:prstDash val="solid"/>
+                      <a:round/>
+                      <a:headEnd type="none" w="med" len="med"/>
+                      <a:tailEnd type="none" w="med" len="med"/>
+                    </a:lnT>
+                    <a:lnB w="12700" cap="flat" cmpd="sng" algn="ctr">
+                      <a:solidFill>
+                        <a:schemeClr val="tx1"/>
+                      </a:solidFill>
+                      <a:prstDash val="solid"/>
+                      <a:round/>
+                      <a:headEnd type="none" w="med" len="med"/>
+                      <a:tailEnd type="none" w="med" len="med"/>
+                    </a:lnB>
+                  </a:tcPr>
+                </a:tc>
+                <a:extLst>
+                  <a:ext uri="{0D108BD9-81ED-4DB2-BD59-A6C34878D82A}">
+                    <a16:rowId xmlns:a16="http://schemas.microsoft.com/office/drawing/2014/main" val="1321573679"/>
+                  </a:ext>
+                </a:extLst>
+              </a:tr>
+              <a:tr h="199423">
+                <a:tc>
+                  <a:txBody>
+                    <a:bodyPr/>
+                    <a:lstStyle/>
+                    <a:p>
+                      <a:pPr rtl="1"/>
+                      <a:endParaRPr lang="he-IL" sz="400"/>
+                    </a:p>
+                  </a:txBody>
+                  <a:tcPr>
+                    <a:lnL w="12700" cap="flat" cmpd="sng" algn="ctr">
+                      <a:solidFill>
+                        <a:schemeClr val="tx1"/>
+                      </a:solidFill>
+                      <a:prstDash val="solid"/>
+                      <a:round/>
+                      <a:headEnd type="none" w="med" len="med"/>
+                      <a:tailEnd type="none" w="med" len="med"/>
+                    </a:lnL>
+                    <a:lnR w="12700" cap="flat" cmpd="sng" algn="ctr">
+                      <a:solidFill>
+                        <a:schemeClr val="tx1"/>
+                      </a:solidFill>
+                      <a:prstDash val="solid"/>
+                      <a:round/>
+                      <a:headEnd type="none" w="med" len="med"/>
+                      <a:tailEnd type="none" w="med" len="med"/>
+                    </a:lnR>
+                    <a:lnT w="12700" cap="flat" cmpd="sng" algn="ctr">
+                      <a:solidFill>
+                        <a:schemeClr val="tx1"/>
+                      </a:solidFill>
+                      <a:prstDash val="solid"/>
+                      <a:round/>
+                      <a:headEnd type="none" w="med" len="med"/>
+                      <a:tailEnd type="none" w="med" len="med"/>
+                    </a:lnT>
+                    <a:lnB w="12700" cap="flat" cmpd="sng" algn="ctr">
+                      <a:solidFill>
+                        <a:schemeClr val="tx1"/>
+                      </a:solidFill>
+                      <a:prstDash val="solid"/>
+                      <a:round/>
+                      <a:headEnd type="none" w="med" len="med"/>
+                      <a:tailEnd type="none" w="med" len="med"/>
+                    </a:lnB>
+                  </a:tcPr>
+                </a:tc>
+                <a:extLst>
+                  <a:ext uri="{0D108BD9-81ED-4DB2-BD59-A6C34878D82A}">
+                    <a16:rowId xmlns:a16="http://schemas.microsoft.com/office/drawing/2014/main" val="1130567593"/>
+                  </a:ext>
+                </a:extLst>
+              </a:tr>
+              <a:tr h="199423">
+                <a:tc>
+                  <a:txBody>
+                    <a:bodyPr/>
+                    <a:lstStyle/>
+                    <a:p>
+                      <a:pPr rtl="1"/>
+                      <a:endParaRPr lang="he-IL" sz="400"/>
+                    </a:p>
+                  </a:txBody>
+                  <a:tcPr>
+                    <a:lnL w="12700" cap="flat" cmpd="sng" algn="ctr">
+                      <a:solidFill>
+                        <a:schemeClr val="tx1"/>
+                      </a:solidFill>
+                      <a:prstDash val="solid"/>
+                      <a:round/>
+                      <a:headEnd type="none" w="med" len="med"/>
+                      <a:tailEnd type="none" w="med" len="med"/>
+                    </a:lnL>
+                    <a:lnR w="12700" cap="flat" cmpd="sng" algn="ctr">
+                      <a:solidFill>
+                        <a:schemeClr val="tx1"/>
+                      </a:solidFill>
+                      <a:prstDash val="solid"/>
+                      <a:round/>
+                      <a:headEnd type="none" w="med" len="med"/>
+                      <a:tailEnd type="none" w="med" len="med"/>
+                    </a:lnR>
+                    <a:lnT w="12700" cap="flat" cmpd="sng" algn="ctr">
+                      <a:solidFill>
+                        <a:schemeClr val="tx1"/>
+                      </a:solidFill>
+                      <a:prstDash val="solid"/>
+                      <a:round/>
+                      <a:headEnd type="none" w="med" len="med"/>
+                      <a:tailEnd type="none" w="med" len="med"/>
+                    </a:lnT>
+                    <a:lnB w="12700" cap="flat" cmpd="sng" algn="ctr">
+                      <a:solidFill>
+                        <a:schemeClr val="tx1"/>
+                      </a:solidFill>
+                      <a:prstDash val="solid"/>
+                      <a:round/>
+                      <a:headEnd type="none" w="med" len="med"/>
+                      <a:tailEnd type="none" w="med" len="med"/>
+                    </a:lnB>
+                  </a:tcPr>
+                </a:tc>
+                <a:extLst>
+                  <a:ext uri="{0D108BD9-81ED-4DB2-BD59-A6C34878D82A}">
+                    <a16:rowId xmlns:a16="http://schemas.microsoft.com/office/drawing/2014/main" val="1145670721"/>
+                  </a:ext>
+                </a:extLst>
+              </a:tr>
+              <a:tr h="199423">
+                <a:tc>
+                  <a:txBody>
+                    <a:bodyPr/>
+                    <a:lstStyle/>
+                    <a:p>
+                      <a:pPr rtl="1"/>
+                      <a:endParaRPr lang="he-IL" sz="400" dirty="0"/>
+                    </a:p>
+                  </a:txBody>
+                  <a:tcPr>
+                    <a:lnL w="12700" cap="flat" cmpd="sng" algn="ctr">
+                      <a:solidFill>
+                        <a:schemeClr val="tx1"/>
+                      </a:solidFill>
+                      <a:prstDash val="solid"/>
+                      <a:round/>
+                      <a:headEnd type="none" w="med" len="med"/>
+                      <a:tailEnd type="none" w="med" len="med"/>
+                    </a:lnL>
+                    <a:lnR w="12700" cap="flat" cmpd="sng" algn="ctr">
+                      <a:solidFill>
+                        <a:schemeClr val="tx1"/>
+                      </a:solidFill>
+                      <a:prstDash val="solid"/>
+                      <a:round/>
+                      <a:headEnd type="none" w="med" len="med"/>
+                      <a:tailEnd type="none" w="med" len="med"/>
+                    </a:lnR>
+                    <a:lnT w="12700" cap="flat" cmpd="sng" algn="ctr">
+                      <a:solidFill>
+                        <a:schemeClr val="tx1"/>
+                      </a:solidFill>
+                      <a:prstDash val="solid"/>
+                      <a:round/>
+                      <a:headEnd type="none" w="med" len="med"/>
+                      <a:tailEnd type="none" w="med" len="med"/>
+                    </a:lnT>
+                    <a:lnB w="12700" cap="flat" cmpd="sng" algn="ctr">
+                      <a:solidFill>
+                        <a:schemeClr val="tx1"/>
+                      </a:solidFill>
+                      <a:prstDash val="solid"/>
+                      <a:round/>
+                      <a:headEnd type="none" w="med" len="med"/>
+                      <a:tailEnd type="none" w="med" len="med"/>
+                    </a:lnB>
+                  </a:tcPr>
+                </a:tc>
+                <a:extLst>
+                  <a:ext uri="{0D108BD9-81ED-4DB2-BD59-A6C34878D82A}">
+                    <a16:rowId xmlns:a16="http://schemas.microsoft.com/office/drawing/2014/main" val="3172762068"/>
+                  </a:ext>
+                </a:extLst>
+              </a:tr>
+            </a:tbl>
+          </a:graphicData>
+        </a:graphic>
+      </p:graphicFrame>
+      <p:graphicFrame>
+        <p:nvGraphicFramePr>
+          <p:cNvPr id="8" name="Table 7"/>
+          <p:cNvGraphicFramePr>
+            <a:graphicFrameLocks noGrp="1"/>
+          </p:cNvGraphicFramePr>
+          <p:nvPr>
+            <p:extLst>
+              <p:ext uri="{D42A27DB-BD31-4B8C-83A1-F6EECF244321}">
+                <p14:modId xmlns:p14="http://schemas.microsoft.com/office/powerpoint/2010/main" val="3899274989"/>
+              </p:ext>
+            </p:extLst>
+          </p:nvPr>
+        </p:nvGraphicFramePr>
+        <p:xfrm>
+          <a:off x="8759337" y="4539197"/>
+          <a:ext cx="422030" cy="893742"/>
+        </p:xfrm>
+        <a:graphic>
+          <a:graphicData uri="http://schemas.openxmlformats.org/drawingml/2006/table">
+            <a:tbl>
+              <a:tblPr rtl="1" firstRow="1" bandRow="1">
+                <a:tableStyleId>{5940675A-B579-460E-94D1-54222C63F5DA}</a:tableStyleId>
+              </a:tblPr>
+              <a:tblGrid>
+                <a:gridCol w="422030">
+                  <a:extLst>
+                    <a:ext uri="{9D8B030D-6E8A-4147-A177-3AD203B41FA5}">
+                      <a16:colId xmlns:a16="http://schemas.microsoft.com/office/drawing/2014/main" val="2530933374"/>
+                    </a:ext>
+                  </a:extLst>
+                </a:gridCol>
+              </a:tblGrid>
+              <a:tr h="446871">
+                <a:tc>
+                  <a:txBody>
+                    <a:bodyPr/>
+                    <a:lstStyle/>
+                    <a:p>
+                      <a:pPr rtl="1"/>
+                      <a:endParaRPr lang="he-IL" dirty="0"/>
+                    </a:p>
+                  </a:txBody>
+                  <a:tcPr/>
+                </a:tc>
+                <a:extLst>
+                  <a:ext uri="{0D108BD9-81ED-4DB2-BD59-A6C34878D82A}">
+                    <a16:rowId xmlns:a16="http://schemas.microsoft.com/office/drawing/2014/main" val="3606471486"/>
+                  </a:ext>
+                </a:extLst>
+              </a:tr>
+              <a:tr h="446871">
+                <a:tc>
+                  <a:txBody>
+                    <a:bodyPr/>
+                    <a:lstStyle/>
+                    <a:p>
+                      <a:pPr rtl="1"/>
+                      <a:endParaRPr lang="he-IL" dirty="0"/>
+                    </a:p>
+                  </a:txBody>
+                  <a:tcPr/>
+                </a:tc>
+                <a:extLst>
+                  <a:ext uri="{0D108BD9-81ED-4DB2-BD59-A6C34878D82A}">
+                    <a16:rowId xmlns:a16="http://schemas.microsoft.com/office/drawing/2014/main" val="3598941743"/>
+                  </a:ext>
+                </a:extLst>
+              </a:tr>
+            </a:tbl>
+          </a:graphicData>
+        </a:graphic>
+      </p:graphicFrame>
+      <p:cxnSp>
+        <p:nvCxnSpPr>
+          <p:cNvPr id="10" name="Straight Arrow Connector 9"/>
+          <p:cNvCxnSpPr/>
+          <p:nvPr/>
+        </p:nvCxnSpPr>
+        <p:spPr>
+          <a:xfrm>
+            <a:off x="7630013" y="3641843"/>
+            <a:ext cx="1129324" cy="1512278"/>
+          </a:xfrm>
+          <a:prstGeom prst="straightConnector1">
+            <a:avLst/>
+          </a:prstGeom>
+          <a:ln>
+            <a:tailEnd type="triangle"/>
+          </a:ln>
+        </p:spPr>
+        <p:style>
+          <a:lnRef idx="1">
+            <a:schemeClr val="accent1"/>
+          </a:lnRef>
+          <a:fillRef idx="0">
+            <a:schemeClr val="accent1"/>
+          </a:fillRef>
+          <a:effectRef idx="0">
+            <a:schemeClr val="accent1"/>
+          </a:effectRef>
+          <a:fontRef idx="minor">
+            <a:schemeClr val="tx1"/>
+          </a:fontRef>
+        </p:style>
+      </p:cxnSp>
+      <p:cxnSp>
+        <p:nvCxnSpPr>
+          <p:cNvPr id="14" name="Straight Arrow Connector 13"/>
+          <p:cNvCxnSpPr/>
+          <p:nvPr/>
+        </p:nvCxnSpPr>
+        <p:spPr>
+          <a:xfrm>
+            <a:off x="7630013" y="3861651"/>
+            <a:ext cx="1129324" cy="1292470"/>
+          </a:xfrm>
+          <a:prstGeom prst="straightConnector1">
+            <a:avLst/>
+          </a:prstGeom>
+          <a:ln>
+            <a:tailEnd type="triangle"/>
+          </a:ln>
+        </p:spPr>
+        <p:style>
+          <a:lnRef idx="1">
+            <a:schemeClr val="accent1"/>
+          </a:lnRef>
+          <a:fillRef idx="0">
+            <a:schemeClr val="accent1"/>
+          </a:fillRef>
+          <a:effectRef idx="0">
+            <a:schemeClr val="accent1"/>
+          </a:effectRef>
+          <a:fontRef idx="minor">
+            <a:schemeClr val="tx1"/>
+          </a:fontRef>
+        </p:style>
+      </p:cxnSp>
+      <p:cxnSp>
+        <p:nvCxnSpPr>
+          <p:cNvPr id="15" name="Straight Arrow Connector 14"/>
+          <p:cNvCxnSpPr/>
+          <p:nvPr/>
+        </p:nvCxnSpPr>
+        <p:spPr>
+          <a:xfrm>
+            <a:off x="7630013" y="4013108"/>
+            <a:ext cx="1129324" cy="1148554"/>
+          </a:xfrm>
+          <a:prstGeom prst="straightConnector1">
+            <a:avLst/>
+          </a:prstGeom>
+          <a:ln>
+            <a:tailEnd type="triangle"/>
+          </a:ln>
+        </p:spPr>
+        <p:style>
+          <a:lnRef idx="1">
+            <a:schemeClr val="accent1"/>
+          </a:lnRef>
+          <a:fillRef idx="0">
+            <a:schemeClr val="accent1"/>
+          </a:fillRef>
+          <a:effectRef idx="0">
+            <a:schemeClr val="accent1"/>
+          </a:effectRef>
+          <a:fontRef idx="minor">
+            <a:schemeClr val="tx1"/>
+          </a:fontRef>
+        </p:style>
+      </p:cxnSp>
+      <p:cxnSp>
+        <p:nvCxnSpPr>
+          <p:cNvPr id="16" name="Straight Arrow Connector 15"/>
+          <p:cNvCxnSpPr/>
+          <p:nvPr/>
+        </p:nvCxnSpPr>
+        <p:spPr>
+          <a:xfrm>
+            <a:off x="7630013" y="4217559"/>
+            <a:ext cx="1129324" cy="935466"/>
+          </a:xfrm>
+          <a:prstGeom prst="straightConnector1">
+            <a:avLst/>
+          </a:prstGeom>
+          <a:ln>
+            <a:tailEnd type="triangle"/>
+          </a:ln>
+        </p:spPr>
+        <p:style>
+          <a:lnRef idx="1">
+            <a:schemeClr val="accent1"/>
+          </a:lnRef>
+          <a:fillRef idx="0">
+            <a:schemeClr val="accent1"/>
+          </a:fillRef>
+          <a:effectRef idx="0">
+            <a:schemeClr val="accent1"/>
+          </a:effectRef>
+          <a:fontRef idx="minor">
+            <a:schemeClr val="tx1"/>
+          </a:fontRef>
+        </p:style>
+      </p:cxnSp>
+      <p:cxnSp>
+        <p:nvCxnSpPr>
+          <p:cNvPr id="17" name="Straight Arrow Connector 16"/>
+          <p:cNvCxnSpPr/>
+          <p:nvPr/>
+        </p:nvCxnSpPr>
+        <p:spPr>
+          <a:xfrm>
+            <a:off x="7630013" y="4435199"/>
+            <a:ext cx="1129324" cy="717826"/>
+          </a:xfrm>
+          <a:prstGeom prst="straightConnector1">
+            <a:avLst/>
+          </a:prstGeom>
+          <a:ln>
+            <a:tailEnd type="triangle"/>
+          </a:ln>
+        </p:spPr>
+        <p:style>
+          <a:lnRef idx="1">
+            <a:schemeClr val="accent1"/>
+          </a:lnRef>
+          <a:fillRef idx="0">
+            <a:schemeClr val="accent1"/>
+          </a:fillRef>
+          <a:effectRef idx="0">
+            <a:schemeClr val="accent1"/>
+          </a:effectRef>
+          <a:fontRef idx="minor">
+            <a:schemeClr val="tx1"/>
+          </a:fontRef>
+        </p:style>
+      </p:cxnSp>
+      <p:cxnSp>
+        <p:nvCxnSpPr>
+          <p:cNvPr id="18" name="Straight Arrow Connector 17"/>
+          <p:cNvCxnSpPr/>
+          <p:nvPr/>
+        </p:nvCxnSpPr>
+        <p:spPr>
+          <a:xfrm>
+            <a:off x="7630013" y="4643681"/>
+            <a:ext cx="1129324" cy="509344"/>
+          </a:xfrm>
+          <a:prstGeom prst="straightConnector1">
+            <a:avLst/>
+          </a:prstGeom>
+          <a:ln>
+            <a:tailEnd type="triangle"/>
+          </a:ln>
+        </p:spPr>
+        <p:style>
+          <a:lnRef idx="1">
+            <a:schemeClr val="accent1"/>
+          </a:lnRef>
+          <a:fillRef idx="0">
+            <a:schemeClr val="accent1"/>
+          </a:fillRef>
+          <a:effectRef idx="0">
+            <a:schemeClr val="accent1"/>
+          </a:effectRef>
+          <a:fontRef idx="minor">
+            <a:schemeClr val="tx1"/>
+          </a:fontRef>
+        </p:style>
+      </p:cxnSp>
+      <p:cxnSp>
+        <p:nvCxnSpPr>
+          <p:cNvPr id="19" name="Straight Arrow Connector 18"/>
+          <p:cNvCxnSpPr/>
+          <p:nvPr/>
+        </p:nvCxnSpPr>
+        <p:spPr>
+          <a:xfrm>
+            <a:off x="7630013" y="4846961"/>
+            <a:ext cx="1129324" cy="314701"/>
+          </a:xfrm>
+          <a:prstGeom prst="straightConnector1">
+            <a:avLst/>
+          </a:prstGeom>
+          <a:ln>
+            <a:tailEnd type="triangle"/>
+          </a:ln>
+        </p:spPr>
+        <p:style>
+          <a:lnRef idx="1">
+            <a:schemeClr val="accent1"/>
+          </a:lnRef>
+          <a:fillRef idx="0">
+            <a:schemeClr val="accent1"/>
+          </a:fillRef>
+          <a:effectRef idx="0">
+            <a:schemeClr val="accent1"/>
+          </a:effectRef>
+          <a:fontRef idx="minor">
+            <a:schemeClr val="tx1"/>
+          </a:fontRef>
+        </p:style>
+      </p:cxnSp>
+      <p:cxnSp>
+        <p:nvCxnSpPr>
+          <p:cNvPr id="20" name="Straight Arrow Connector 19"/>
+          <p:cNvCxnSpPr/>
+          <p:nvPr/>
+        </p:nvCxnSpPr>
+        <p:spPr>
+          <a:xfrm>
+            <a:off x="7630013" y="5048869"/>
+            <a:ext cx="1129324" cy="112793"/>
+          </a:xfrm>
+          <a:prstGeom prst="straightConnector1">
+            <a:avLst/>
+          </a:prstGeom>
+          <a:ln>
+            <a:tailEnd type="triangle"/>
+          </a:ln>
+        </p:spPr>
+        <p:style>
+          <a:lnRef idx="1">
+            <a:schemeClr val="accent1"/>
+          </a:lnRef>
+          <a:fillRef idx="0">
+            <a:schemeClr val="accent1"/>
+          </a:fillRef>
+          <a:effectRef idx="0">
+            <a:schemeClr val="accent1"/>
+          </a:effectRef>
+          <a:fontRef idx="minor">
+            <a:schemeClr val="tx1"/>
+          </a:fontRef>
+        </p:style>
+      </p:cxnSp>
+      <p:cxnSp>
+        <p:nvCxnSpPr>
+          <p:cNvPr id="21" name="Straight Arrow Connector 20"/>
+          <p:cNvCxnSpPr/>
+          <p:nvPr/>
+        </p:nvCxnSpPr>
+        <p:spPr>
+          <a:xfrm flipV="1">
+            <a:off x="7630013" y="5161662"/>
+            <a:ext cx="1129324" cy="100954"/>
+          </a:xfrm>
+          <a:prstGeom prst="straightConnector1">
+            <a:avLst/>
+          </a:prstGeom>
+          <a:ln>
+            <a:tailEnd type="triangle"/>
+          </a:ln>
+        </p:spPr>
+        <p:style>
+          <a:lnRef idx="1">
+            <a:schemeClr val="accent1"/>
+          </a:lnRef>
+          <a:fillRef idx="0">
+            <a:schemeClr val="accent1"/>
+          </a:fillRef>
+          <a:effectRef idx="0">
+            <a:schemeClr val="accent1"/>
+          </a:effectRef>
+          <a:fontRef idx="minor">
+            <a:schemeClr val="tx1"/>
+          </a:fontRef>
+        </p:style>
+      </p:cxnSp>
+      <p:cxnSp>
+        <p:nvCxnSpPr>
+          <p:cNvPr id="29" name="Straight Arrow Connector 28"/>
+          <p:cNvCxnSpPr/>
+          <p:nvPr/>
+        </p:nvCxnSpPr>
+        <p:spPr>
+          <a:xfrm flipV="1">
+            <a:off x="7630013" y="5176673"/>
+            <a:ext cx="1129324" cy="271099"/>
+          </a:xfrm>
+          <a:prstGeom prst="straightConnector1">
+            <a:avLst/>
+          </a:prstGeom>
+          <a:ln>
+            <a:tailEnd type="triangle"/>
+          </a:ln>
+        </p:spPr>
+        <p:style>
+          <a:lnRef idx="1">
+            <a:schemeClr val="accent1"/>
+          </a:lnRef>
+          <a:fillRef idx="0">
+            <a:schemeClr val="accent1"/>
+          </a:fillRef>
+          <a:effectRef idx="0">
+            <a:schemeClr val="accent1"/>
+          </a:effectRef>
+          <a:fontRef idx="minor">
+            <a:schemeClr val="tx1"/>
+          </a:fontRef>
+        </p:style>
+      </p:cxnSp>
+      <p:cxnSp>
+        <p:nvCxnSpPr>
+          <p:cNvPr id="30" name="Straight Arrow Connector 29"/>
+          <p:cNvCxnSpPr/>
+          <p:nvPr/>
+        </p:nvCxnSpPr>
+        <p:spPr>
+          <a:xfrm flipV="1">
+            <a:off x="7630013" y="5168036"/>
+            <a:ext cx="1129324" cy="470341"/>
+          </a:xfrm>
+          <a:prstGeom prst="straightConnector1">
+            <a:avLst/>
+          </a:prstGeom>
+          <a:ln>
+            <a:tailEnd type="triangle"/>
+          </a:ln>
+        </p:spPr>
+        <p:style>
+          <a:lnRef idx="1">
+            <a:schemeClr val="accent1"/>
+          </a:lnRef>
+          <a:fillRef idx="0">
+            <a:schemeClr val="accent1"/>
+          </a:fillRef>
+          <a:effectRef idx="0">
+            <a:schemeClr val="accent1"/>
+          </a:effectRef>
+          <a:fontRef idx="minor">
+            <a:schemeClr val="tx1"/>
+          </a:fontRef>
+        </p:style>
+      </p:cxnSp>
+      <p:cxnSp>
+        <p:nvCxnSpPr>
+          <p:cNvPr id="31" name="Straight Arrow Connector 30"/>
+          <p:cNvCxnSpPr/>
+          <p:nvPr/>
+        </p:nvCxnSpPr>
+        <p:spPr>
+          <a:xfrm flipV="1">
+            <a:off x="7630013" y="5192192"/>
+            <a:ext cx="1129324" cy="682812"/>
+          </a:xfrm>
+          <a:prstGeom prst="straightConnector1">
+            <a:avLst/>
+          </a:prstGeom>
+          <a:ln>
+            <a:tailEnd type="triangle"/>
+          </a:ln>
+        </p:spPr>
+        <p:style>
+          <a:lnRef idx="1">
+            <a:schemeClr val="accent1"/>
+          </a:lnRef>
+          <a:fillRef idx="0">
+            <a:schemeClr val="accent1"/>
+          </a:fillRef>
+          <a:effectRef idx="0">
+            <a:schemeClr val="accent1"/>
+          </a:effectRef>
+          <a:fontRef idx="minor">
+            <a:schemeClr val="tx1"/>
+          </a:fontRef>
+        </p:style>
+      </p:cxnSp>
+      <p:cxnSp>
+        <p:nvCxnSpPr>
+          <p:cNvPr id="32" name="Straight Arrow Connector 31"/>
+          <p:cNvCxnSpPr/>
+          <p:nvPr/>
+        </p:nvCxnSpPr>
+        <p:spPr>
+          <a:xfrm flipV="1">
+            <a:off x="7630013" y="5183555"/>
+            <a:ext cx="1129324" cy="851517"/>
+          </a:xfrm>
+          <a:prstGeom prst="straightConnector1">
+            <a:avLst/>
+          </a:prstGeom>
+          <a:ln>
+            <a:tailEnd type="triangle"/>
+          </a:ln>
+        </p:spPr>
+        <p:style>
+          <a:lnRef idx="1">
+            <a:schemeClr val="accent1"/>
+          </a:lnRef>
+          <a:fillRef idx="0">
+            <a:schemeClr val="accent1"/>
+          </a:fillRef>
+          <a:effectRef idx="0">
+            <a:schemeClr val="accent1"/>
+          </a:effectRef>
+          <a:fontRef idx="minor">
+            <a:schemeClr val="tx1"/>
+          </a:fontRef>
+        </p:style>
+      </p:cxnSp>
+      <p:cxnSp>
+        <p:nvCxnSpPr>
+          <p:cNvPr id="33" name="Straight Arrow Connector 32"/>
+          <p:cNvCxnSpPr/>
+          <p:nvPr/>
+        </p:nvCxnSpPr>
+        <p:spPr>
+          <a:xfrm flipV="1">
+            <a:off x="7630013" y="5197850"/>
+            <a:ext cx="1129324" cy="1034370"/>
+          </a:xfrm>
+          <a:prstGeom prst="straightConnector1">
+            <a:avLst/>
+          </a:prstGeom>
+          <a:ln>
+            <a:tailEnd type="triangle"/>
+          </a:ln>
+        </p:spPr>
+        <p:style>
+          <a:lnRef idx="1">
+            <a:schemeClr val="accent1"/>
+          </a:lnRef>
+          <a:fillRef idx="0">
+            <a:schemeClr val="accent1"/>
+          </a:fillRef>
+          <a:effectRef idx="0">
+            <a:schemeClr val="accent1"/>
+          </a:effectRef>
+          <a:fontRef idx="minor">
+            <a:schemeClr val="tx1"/>
+          </a:fontRef>
+        </p:style>
+      </p:cxnSp>
+      <p:cxnSp>
+        <p:nvCxnSpPr>
+          <p:cNvPr id="34" name="Straight Arrow Connector 33"/>
+          <p:cNvCxnSpPr/>
+          <p:nvPr/>
+        </p:nvCxnSpPr>
+        <p:spPr>
+          <a:xfrm flipV="1">
+            <a:off x="7630013" y="5197850"/>
+            <a:ext cx="1129324" cy="1239233"/>
+          </a:xfrm>
+          <a:prstGeom prst="straightConnector1">
+            <a:avLst/>
+          </a:prstGeom>
+          <a:ln>
+            <a:tailEnd type="triangle"/>
+          </a:ln>
+        </p:spPr>
+        <p:style>
+          <a:lnRef idx="1">
+            <a:schemeClr val="accent1"/>
+          </a:lnRef>
+          <a:fillRef idx="0">
+            <a:schemeClr val="accent1"/>
+          </a:fillRef>
+          <a:effectRef idx="0">
+            <a:schemeClr val="accent1"/>
+          </a:effectRef>
+          <a:fontRef idx="minor">
+            <a:schemeClr val="tx1"/>
+          </a:fontRef>
+        </p:style>
+      </p:cxnSp>
+      <p:cxnSp>
+        <p:nvCxnSpPr>
+          <p:cNvPr id="35" name="Straight Arrow Connector 34"/>
+          <p:cNvCxnSpPr/>
+          <p:nvPr/>
+        </p:nvCxnSpPr>
+        <p:spPr>
+          <a:xfrm flipV="1">
+            <a:off x="7630013" y="5204979"/>
+            <a:ext cx="1129324" cy="1443110"/>
+          </a:xfrm>
+          <a:prstGeom prst="straightConnector1">
+            <a:avLst/>
+          </a:prstGeom>
+          <a:ln>
+            <a:tailEnd type="triangle"/>
+          </a:ln>
+        </p:spPr>
+        <p:style>
+          <a:lnRef idx="1">
+            <a:schemeClr val="accent1"/>
+          </a:lnRef>
+          <a:fillRef idx="0">
+            <a:schemeClr val="accent1"/>
+          </a:fillRef>
+          <a:effectRef idx="0">
+            <a:schemeClr val="accent1"/>
+          </a:effectRef>
+          <a:fontRef idx="minor">
+            <a:schemeClr val="tx1"/>
+          </a:fontRef>
+        </p:style>
+      </p:cxnSp>
+      <p:sp>
+        <p:nvSpPr>
+          <p:cNvPr id="43" name="TextBox 42"/>
+          <p:cNvSpPr txBox="1"/>
+          <p:nvPr/>
         </p:nvSpPr>
-        <p:spPr/>
+        <p:spPr>
+          <a:xfrm>
+            <a:off x="8010402" y="4105555"/>
+            <a:ext cx="395654" cy="253916"/>
+          </a:xfrm>
+          <a:prstGeom prst="rect">
+            <a:avLst/>
+          </a:prstGeom>
+          <a:noFill/>
+        </p:spPr>
         <p:txBody>
-          <a:bodyPr/>
+          <a:bodyPr wrap="square" rtlCol="1">
+            <a:spAutoFit/>
+          </a:bodyPr>
           <a:lstStyle/>
           <a:p>
-            <a:endParaRPr lang="en-US"/>
+            <a:r>
+              <a:rPr lang="en-US" sz="1050" b="1" dirty="0" smtClean="0"/>
+              <a:t>w1</a:t>
+            </a:r>
+            <a:endParaRPr lang="he-IL" sz="1050" b="1" dirty="0"/>
+          </a:p>
+        </p:txBody>
+      </p:sp>
+      <p:sp>
+        <p:nvSpPr>
+          <p:cNvPr id="44" name="TextBox 43"/>
+          <p:cNvSpPr txBox="1"/>
+          <p:nvPr/>
+        </p:nvSpPr>
+        <p:spPr>
+          <a:xfrm>
+            <a:off x="8208229" y="5715031"/>
+            <a:ext cx="551108" cy="253916"/>
+          </a:xfrm>
+          <a:prstGeom prst="rect">
+            <a:avLst/>
+          </a:prstGeom>
+          <a:noFill/>
+        </p:spPr>
+        <p:txBody>
+          <a:bodyPr wrap="square" rtlCol="1">
+            <a:spAutoFit/>
+          </a:bodyPr>
+          <a:lstStyle/>
+          <a:p>
+            <a:r>
+              <a:rPr lang="en-US" sz="1050" b="1" dirty="0" smtClean="0"/>
+              <a:t>w16</a:t>
+            </a:r>
+            <a:endParaRPr lang="he-IL" sz="1050" b="1" dirty="0"/>
           </a:p>
         </p:txBody>
       </p:sp>
@@ -10173,6 +13904,13 @@
   <p:clrMapOvr>
     <a:masterClrMapping/>
   </p:clrMapOvr>
+  <p:timing>
+    <p:tnLst>
+      <p:par>
+        <p:cTn id="1" dur="indefinite" restart="never" nodeType="tmRoot"/>
+      </p:par>
+    </p:tnLst>
+  </p:timing>
 </p:sld>
 </file>
 
@@ -10193,9 +13931,803 @@
           <a:chExt cx="0" cy="0"/>
         </a:xfrm>
       </p:grpSpPr>
+      <p:pic>
+        <p:nvPicPr>
+          <p:cNvPr id="4" name="Picture 3"/>
+          <p:cNvPicPr>
+            <a:picLocks noChangeAspect="1"/>
+          </p:cNvPicPr>
+          <p:nvPr/>
+        </p:nvPicPr>
+        <p:blipFill>
+          <a:blip r:embed="rId2">
+            <a:extLst>
+              <a:ext uri="{28A0092B-C50C-407E-A947-70E740481C1C}">
+                <a14:useLocalDpi xmlns:a14="http://schemas.microsoft.com/office/drawing/2010/main" val="0"/>
+              </a:ext>
+            </a:extLst>
+          </a:blip>
+          <a:stretch>
+            <a:fillRect/>
+          </a:stretch>
+        </p:blipFill>
+        <p:spPr>
+          <a:xfrm>
+            <a:off x="2793957" y="4392725"/>
+            <a:ext cx="1136577" cy="1136577"/>
+          </a:xfrm>
+          <a:prstGeom prst="rect">
+            <a:avLst/>
+          </a:prstGeom>
+        </p:spPr>
+      </p:pic>
+      <p:pic>
+        <p:nvPicPr>
+          <p:cNvPr id="5" name="Picture 4"/>
+          <p:cNvPicPr>
+            <a:picLocks noChangeAspect="1"/>
+          </p:cNvPicPr>
+          <p:nvPr/>
+        </p:nvPicPr>
+        <p:blipFill>
+          <a:blip r:embed="rId3">
+            <a:extLst>
+              <a:ext uri="{28A0092B-C50C-407E-A947-70E740481C1C}">
+                <a14:useLocalDpi xmlns:a14="http://schemas.microsoft.com/office/drawing/2010/main" val="0"/>
+              </a:ext>
+            </a:extLst>
+          </a:blip>
+          <a:stretch>
+            <a:fillRect/>
+          </a:stretch>
+        </p:blipFill>
+        <p:spPr>
+          <a:xfrm>
+            <a:off x="4033163" y="5592645"/>
+            <a:ext cx="1136577" cy="1136577"/>
+          </a:xfrm>
+          <a:prstGeom prst="rect">
+            <a:avLst/>
+          </a:prstGeom>
+        </p:spPr>
+      </p:pic>
+      <p:pic>
+        <p:nvPicPr>
+          <p:cNvPr id="6" name="Picture 5"/>
+          <p:cNvPicPr>
+            <a:picLocks noChangeAspect="1"/>
+          </p:cNvPicPr>
+          <p:nvPr/>
+        </p:nvPicPr>
+        <p:blipFill>
+          <a:blip r:embed="rId4">
+            <a:extLst>
+              <a:ext uri="{28A0092B-C50C-407E-A947-70E740481C1C}">
+                <a14:useLocalDpi xmlns:a14="http://schemas.microsoft.com/office/drawing/2010/main" val="0"/>
+              </a:ext>
+            </a:extLst>
+          </a:blip>
+          <a:stretch>
+            <a:fillRect/>
+          </a:stretch>
+        </p:blipFill>
+        <p:spPr>
+          <a:xfrm>
+            <a:off x="4048085" y="4403628"/>
+            <a:ext cx="1136577" cy="1136577"/>
+          </a:xfrm>
+          <a:prstGeom prst="rect">
+            <a:avLst/>
+          </a:prstGeom>
+        </p:spPr>
+      </p:pic>
+      <p:pic>
+        <p:nvPicPr>
+          <p:cNvPr id="7" name="Picture 6"/>
+          <p:cNvPicPr>
+            <a:picLocks noChangeAspect="1"/>
+          </p:cNvPicPr>
+          <p:nvPr/>
+        </p:nvPicPr>
+        <p:blipFill>
+          <a:blip r:embed="rId5">
+            <a:extLst>
+              <a:ext uri="{28A0092B-C50C-407E-A947-70E740481C1C}">
+                <a14:useLocalDpi xmlns:a14="http://schemas.microsoft.com/office/drawing/2010/main" val="0"/>
+              </a:ext>
+            </a:extLst>
+          </a:blip>
+          <a:stretch>
+            <a:fillRect/>
+          </a:stretch>
+        </p:blipFill>
+        <p:spPr>
+          <a:xfrm>
+            <a:off x="1554751" y="4380081"/>
+            <a:ext cx="1136577" cy="1136577"/>
+          </a:xfrm>
+          <a:prstGeom prst="rect">
+            <a:avLst/>
+          </a:prstGeom>
+        </p:spPr>
+      </p:pic>
+      <p:pic>
+        <p:nvPicPr>
+          <p:cNvPr id="8" name="Picture 7"/>
+          <p:cNvPicPr>
+            <a:picLocks noChangeAspect="1"/>
+          </p:cNvPicPr>
+          <p:nvPr/>
+        </p:nvPicPr>
+        <p:blipFill>
+          <a:blip r:embed="rId6">
+            <a:extLst>
+              <a:ext uri="{28A0092B-C50C-407E-A947-70E740481C1C}">
+                <a14:useLocalDpi xmlns:a14="http://schemas.microsoft.com/office/drawing/2010/main" val="0"/>
+              </a:ext>
+            </a:extLst>
+          </a:blip>
+          <a:stretch>
+            <a:fillRect/>
+          </a:stretch>
+        </p:blipFill>
+        <p:spPr>
+          <a:xfrm>
+            <a:off x="2793957" y="5592645"/>
+            <a:ext cx="1136577" cy="1136577"/>
+          </a:xfrm>
+          <a:prstGeom prst="rect">
+            <a:avLst/>
+          </a:prstGeom>
+        </p:spPr>
+      </p:pic>
+      <p:pic>
+        <p:nvPicPr>
+          <p:cNvPr id="9" name="Picture 8"/>
+          <p:cNvPicPr>
+            <a:picLocks noChangeAspect="1"/>
+          </p:cNvPicPr>
+          <p:nvPr/>
+        </p:nvPicPr>
+        <p:blipFill>
+          <a:blip r:embed="rId7">
+            <a:extLst>
+              <a:ext uri="{28A0092B-C50C-407E-A947-70E740481C1C}">
+                <a14:useLocalDpi xmlns:a14="http://schemas.microsoft.com/office/drawing/2010/main" val="0"/>
+              </a:ext>
+            </a:extLst>
+          </a:blip>
+          <a:stretch>
+            <a:fillRect/>
+          </a:stretch>
+        </p:blipFill>
+        <p:spPr>
+          <a:xfrm>
+            <a:off x="279276" y="4409389"/>
+            <a:ext cx="1136577" cy="1136577"/>
+          </a:xfrm>
+          <a:prstGeom prst="rect">
+            <a:avLst/>
+          </a:prstGeom>
+        </p:spPr>
+      </p:pic>
+      <p:pic>
+        <p:nvPicPr>
+          <p:cNvPr id="10" name="Picture 9"/>
+          <p:cNvPicPr>
+            <a:picLocks noChangeAspect="1"/>
+          </p:cNvPicPr>
+          <p:nvPr/>
+        </p:nvPicPr>
+        <p:blipFill>
+          <a:blip r:embed="rId8">
+            <a:extLst>
+              <a:ext uri="{28A0092B-C50C-407E-A947-70E740481C1C}">
+                <a14:useLocalDpi xmlns:a14="http://schemas.microsoft.com/office/drawing/2010/main" val="0"/>
+              </a:ext>
+            </a:extLst>
+          </a:blip>
+          <a:stretch>
+            <a:fillRect/>
+          </a:stretch>
+        </p:blipFill>
+        <p:spPr>
+          <a:xfrm>
+            <a:off x="1554751" y="5577991"/>
+            <a:ext cx="1136577" cy="1136577"/>
+          </a:xfrm>
+          <a:prstGeom prst="rect">
+            <a:avLst/>
+          </a:prstGeom>
+        </p:spPr>
+      </p:pic>
+      <p:pic>
+        <p:nvPicPr>
+          <p:cNvPr id="11" name="Picture 10"/>
+          <p:cNvPicPr>
+            <a:picLocks noChangeAspect="1"/>
+          </p:cNvPicPr>
+          <p:nvPr/>
+        </p:nvPicPr>
+        <p:blipFill>
+          <a:blip r:embed="rId9">
+            <a:extLst>
+              <a:ext uri="{28A0092B-C50C-407E-A947-70E740481C1C}">
+                <a14:useLocalDpi xmlns:a14="http://schemas.microsoft.com/office/drawing/2010/main" val="0"/>
+              </a:ext>
+            </a:extLst>
+          </a:blip>
+          <a:stretch>
+            <a:fillRect/>
+          </a:stretch>
+        </p:blipFill>
+        <p:spPr>
+          <a:xfrm>
+            <a:off x="2804860" y="1967597"/>
+            <a:ext cx="1136577" cy="1136577"/>
+          </a:xfrm>
+          <a:prstGeom prst="rect">
+            <a:avLst/>
+          </a:prstGeom>
+        </p:spPr>
+      </p:pic>
+      <p:pic>
+        <p:nvPicPr>
+          <p:cNvPr id="12" name="Picture 11"/>
+          <p:cNvPicPr>
+            <a:picLocks noChangeAspect="1"/>
+          </p:cNvPicPr>
+          <p:nvPr/>
+        </p:nvPicPr>
+        <p:blipFill>
+          <a:blip r:embed="rId8">
+            <a:extLst>
+              <a:ext uri="{28A0092B-C50C-407E-A947-70E740481C1C}">
+                <a14:useLocalDpi xmlns:a14="http://schemas.microsoft.com/office/drawing/2010/main" val="0"/>
+              </a:ext>
+            </a:extLst>
+          </a:blip>
+          <a:stretch>
+            <a:fillRect/>
+          </a:stretch>
+        </p:blipFill>
+        <p:spPr>
+          <a:xfrm>
+            <a:off x="286239" y="5592645"/>
+            <a:ext cx="1136577" cy="1136577"/>
+          </a:xfrm>
+          <a:prstGeom prst="rect">
+            <a:avLst/>
+          </a:prstGeom>
+        </p:spPr>
+      </p:pic>
+      <p:pic>
+        <p:nvPicPr>
+          <p:cNvPr id="13" name="Picture 12"/>
+          <p:cNvPicPr>
+            <a:picLocks noChangeAspect="1"/>
+          </p:cNvPicPr>
+          <p:nvPr/>
+        </p:nvPicPr>
+        <p:blipFill>
+          <a:blip r:embed="rId10">
+            <a:extLst>
+              <a:ext uri="{28A0092B-C50C-407E-A947-70E740481C1C}">
+                <a14:useLocalDpi xmlns:a14="http://schemas.microsoft.com/office/drawing/2010/main" val="0"/>
+              </a:ext>
+            </a:extLst>
+          </a:blip>
+          <a:stretch>
+            <a:fillRect/>
+          </a:stretch>
+        </p:blipFill>
+        <p:spPr>
+          <a:xfrm>
+            <a:off x="4055247" y="3186023"/>
+            <a:ext cx="1136577" cy="1136577"/>
+          </a:xfrm>
+          <a:prstGeom prst="rect">
+            <a:avLst/>
+          </a:prstGeom>
+        </p:spPr>
+      </p:pic>
+      <p:pic>
+        <p:nvPicPr>
+          <p:cNvPr id="14" name="Picture 13"/>
+          <p:cNvPicPr>
+            <a:picLocks noChangeAspect="1"/>
+          </p:cNvPicPr>
+          <p:nvPr/>
+        </p:nvPicPr>
+        <p:blipFill>
+          <a:blip r:embed="rId8">
+            <a:extLst>
+              <a:ext uri="{28A0092B-C50C-407E-A947-70E740481C1C}">
+                <a14:useLocalDpi xmlns:a14="http://schemas.microsoft.com/office/drawing/2010/main" val="0"/>
+              </a:ext>
+            </a:extLst>
+          </a:blip>
+          <a:stretch>
+            <a:fillRect/>
+          </a:stretch>
+        </p:blipFill>
+        <p:spPr>
+          <a:xfrm>
+            <a:off x="1543311" y="1967597"/>
+            <a:ext cx="1136577" cy="1136577"/>
+          </a:xfrm>
+          <a:prstGeom prst="rect">
+            <a:avLst/>
+          </a:prstGeom>
+        </p:spPr>
+      </p:pic>
+      <p:pic>
+        <p:nvPicPr>
+          <p:cNvPr id="15" name="Picture 14"/>
+          <p:cNvPicPr>
+            <a:picLocks noChangeAspect="1"/>
+          </p:cNvPicPr>
+          <p:nvPr/>
+        </p:nvPicPr>
+        <p:blipFill>
+          <a:blip r:embed="rId8">
+            <a:extLst>
+              <a:ext uri="{28A0092B-C50C-407E-A947-70E740481C1C}">
+                <a14:useLocalDpi xmlns:a14="http://schemas.microsoft.com/office/drawing/2010/main" val="0"/>
+              </a:ext>
+            </a:extLst>
+          </a:blip>
+          <a:stretch>
+            <a:fillRect/>
+          </a:stretch>
+        </p:blipFill>
+        <p:spPr>
+          <a:xfrm>
+            <a:off x="316562" y="1967597"/>
+            <a:ext cx="1136577" cy="1136577"/>
+          </a:xfrm>
+          <a:prstGeom prst="rect">
+            <a:avLst/>
+          </a:prstGeom>
+        </p:spPr>
+      </p:pic>
+      <p:pic>
+        <p:nvPicPr>
+          <p:cNvPr id="16" name="Picture 15"/>
+          <p:cNvPicPr>
+            <a:picLocks noChangeAspect="1"/>
+          </p:cNvPicPr>
+          <p:nvPr/>
+        </p:nvPicPr>
+        <p:blipFill>
+          <a:blip r:embed="rId11">
+            <a:extLst>
+              <a:ext uri="{28A0092B-C50C-407E-A947-70E740481C1C}">
+                <a14:useLocalDpi xmlns:a14="http://schemas.microsoft.com/office/drawing/2010/main" val="0"/>
+              </a:ext>
+            </a:extLst>
+          </a:blip>
+          <a:stretch>
+            <a:fillRect/>
+          </a:stretch>
+        </p:blipFill>
+        <p:spPr>
+          <a:xfrm>
+            <a:off x="4054515" y="1982251"/>
+            <a:ext cx="1136577" cy="1136577"/>
+          </a:xfrm>
+          <a:prstGeom prst="rect">
+            <a:avLst/>
+          </a:prstGeom>
+        </p:spPr>
+      </p:pic>
+      <p:pic>
+        <p:nvPicPr>
+          <p:cNvPr id="17" name="Picture 16"/>
+          <p:cNvPicPr>
+            <a:picLocks noChangeAspect="1"/>
+          </p:cNvPicPr>
+          <p:nvPr/>
+        </p:nvPicPr>
+        <p:blipFill>
+          <a:blip r:embed="rId12">
+            <a:extLst>
+              <a:ext uri="{28A0092B-C50C-407E-A947-70E740481C1C}">
+                <a14:useLocalDpi xmlns:a14="http://schemas.microsoft.com/office/drawing/2010/main" val="0"/>
+              </a:ext>
+            </a:extLst>
+          </a:blip>
+          <a:stretch>
+            <a:fillRect/>
+          </a:stretch>
+        </p:blipFill>
+        <p:spPr>
+          <a:xfrm>
+            <a:off x="316562" y="3180161"/>
+            <a:ext cx="1136577" cy="1136577"/>
+          </a:xfrm>
+          <a:prstGeom prst="rect">
+            <a:avLst/>
+          </a:prstGeom>
+        </p:spPr>
+      </p:pic>
+      <p:pic>
+        <p:nvPicPr>
+          <p:cNvPr id="18" name="Picture 17"/>
+          <p:cNvPicPr>
+            <a:picLocks noChangeAspect="1"/>
+          </p:cNvPicPr>
+          <p:nvPr/>
+        </p:nvPicPr>
+        <p:blipFill>
+          <a:blip r:embed="rId13">
+            <a:extLst>
+              <a:ext uri="{28A0092B-C50C-407E-A947-70E740481C1C}">
+                <a14:useLocalDpi xmlns:a14="http://schemas.microsoft.com/office/drawing/2010/main" val="0"/>
+              </a:ext>
+            </a:extLst>
+          </a:blip>
+          <a:stretch>
+            <a:fillRect/>
+          </a:stretch>
+        </p:blipFill>
+        <p:spPr>
+          <a:xfrm>
+            <a:off x="1573716" y="3165507"/>
+            <a:ext cx="1136577" cy="1136577"/>
+          </a:xfrm>
+          <a:prstGeom prst="rect">
+            <a:avLst/>
+          </a:prstGeom>
+        </p:spPr>
+      </p:pic>
+      <p:pic>
+        <p:nvPicPr>
+          <p:cNvPr id="19" name="Picture 18"/>
+          <p:cNvPicPr>
+            <a:picLocks noChangeAspect="1"/>
+          </p:cNvPicPr>
+          <p:nvPr/>
+        </p:nvPicPr>
+        <p:blipFill>
+          <a:blip r:embed="rId14">
+            <a:extLst>
+              <a:ext uri="{28A0092B-C50C-407E-A947-70E740481C1C}">
+                <a14:useLocalDpi xmlns:a14="http://schemas.microsoft.com/office/drawing/2010/main" val="0"/>
+              </a:ext>
+            </a:extLst>
+          </a:blip>
+          <a:stretch>
+            <a:fillRect/>
+          </a:stretch>
+        </p:blipFill>
+        <p:spPr>
+          <a:xfrm>
+            <a:off x="2793956" y="3167428"/>
+            <a:ext cx="1136577" cy="1136577"/>
+          </a:xfrm>
+          <a:prstGeom prst="rect">
+            <a:avLst/>
+          </a:prstGeom>
+        </p:spPr>
+      </p:pic>
       <p:sp>
         <p:nvSpPr>
-          <p:cNvPr id="2" name="Title 1"/>
+          <p:cNvPr id="42" name="Down Arrow 41"/>
+          <p:cNvSpPr/>
+          <p:nvPr/>
+        </p:nvSpPr>
+        <p:spPr>
+          <a:xfrm rot="16200000">
+            <a:off x="5655025" y="3915743"/>
+            <a:ext cx="624253" cy="975769"/>
+          </a:xfrm>
+          <a:prstGeom prst="downArrow">
+            <a:avLst/>
+          </a:prstGeom>
+        </p:spPr>
+        <p:style>
+          <a:lnRef idx="2">
+            <a:schemeClr val="accent1">
+              <a:shade val="50000"/>
+            </a:schemeClr>
+          </a:lnRef>
+          <a:fillRef idx="1">
+            <a:schemeClr val="accent1"/>
+          </a:fillRef>
+          <a:effectRef idx="0">
+            <a:schemeClr val="accent1"/>
+          </a:effectRef>
+          <a:fontRef idx="minor">
+            <a:schemeClr val="lt1"/>
+          </a:fontRef>
+        </p:style>
+        <p:txBody>
+          <a:bodyPr rtlCol="1" anchor="ctr"/>
+          <a:lstStyle/>
+          <a:p>
+            <a:pPr algn="ctr"/>
+            <a:endParaRPr lang="he-IL"/>
+          </a:p>
+        </p:txBody>
+      </p:sp>
+      <p:pic>
+        <p:nvPicPr>
+          <p:cNvPr id="45" name="Picture 44"/>
+          <p:cNvPicPr>
+            <a:picLocks noChangeAspect="1"/>
+          </p:cNvPicPr>
+          <p:nvPr/>
+        </p:nvPicPr>
+        <p:blipFill>
+          <a:blip r:embed="rId15">
+            <a:extLst>
+              <a:ext uri="{28A0092B-C50C-407E-A947-70E740481C1C}">
+                <a14:useLocalDpi xmlns:a14="http://schemas.microsoft.com/office/drawing/2010/main" val="0"/>
+              </a:ext>
+            </a:extLst>
+          </a:blip>
+          <a:stretch>
+            <a:fillRect/>
+          </a:stretch>
+        </p:blipFill>
+        <p:spPr>
+          <a:xfrm>
+            <a:off x="6576638" y="3420249"/>
+            <a:ext cx="2109053" cy="2109053"/>
+          </a:xfrm>
+          <a:prstGeom prst="rect">
+            <a:avLst/>
+          </a:prstGeom>
+        </p:spPr>
+      </p:pic>
+      <mc:AlternateContent xmlns:mc="http://schemas.openxmlformats.org/markup-compatibility/2006">
+        <mc:Choice xmlns:a14="http://schemas.microsoft.com/office/drawing/2010/main" Requires="a14">
+          <p:sp>
+            <p:nvSpPr>
+              <p:cNvPr id="47" name="TextBox 46"/>
+              <p:cNvSpPr txBox="1"/>
+              <p:nvPr/>
+            </p:nvSpPr>
+            <p:spPr>
+              <a:xfrm>
+                <a:off x="5375095" y="3359047"/>
+                <a:ext cx="1011111" cy="778803"/>
+              </a:xfrm>
+              <a:prstGeom prst="rect">
+                <a:avLst/>
+              </a:prstGeom>
+              <a:noFill/>
+            </p:spPr>
+            <p:txBody>
+              <a:bodyPr wrap="none" lIns="0" tIns="0" rIns="0" bIns="0" rtlCol="1">
+                <a:spAutoFit/>
+              </a:bodyPr>
+              <a:lstStyle/>
+              <a:p>
+                <a14:m>
+                  <m:oMathPara xmlns:m="http://schemas.openxmlformats.org/officeDocument/2006/math">
+                    <m:oMathParaPr>
+                      <m:jc m:val="centerGroup"/>
+                    </m:oMathParaPr>
+                    <m:oMath xmlns:m="http://schemas.openxmlformats.org/officeDocument/2006/math">
+                      <m:nary>
+                        <m:naryPr>
+                          <m:chr m:val="∑"/>
+                          <m:ctrlPr>
+                            <a:rPr lang="he-IL" i="1" smtClean="0">
+                              <a:latin typeface="Cambria Math" panose="02040503050406030204" pitchFamily="18" charset="0"/>
+                            </a:rPr>
+                          </m:ctrlPr>
+                        </m:naryPr>
+                        <m:sub>
+                          <m:r>
+                            <m:rPr>
+                              <m:brk m:alnAt="23"/>
+                            </m:rPr>
+                            <a:rPr lang="en-US" b="0" i="1" smtClean="0">
+                              <a:latin typeface="Cambria Math" panose="02040503050406030204" pitchFamily="18" charset="0"/>
+                            </a:rPr>
+                            <m:t>𝑖</m:t>
+                          </m:r>
+                          <m:r>
+                            <a:rPr lang="en-US" b="0" i="1" smtClean="0">
+                              <a:latin typeface="Cambria Math" panose="02040503050406030204" pitchFamily="18" charset="0"/>
+                            </a:rPr>
+                            <m:t>=</m:t>
+                          </m:r>
+                          <m:r>
+                            <m:rPr>
+                              <m:brk m:alnAt="23"/>
+                            </m:rPr>
+                            <a:rPr lang="en-US" b="0" i="1" smtClean="0">
+                              <a:latin typeface="Cambria Math" panose="02040503050406030204" pitchFamily="18" charset="0"/>
+                            </a:rPr>
+                            <m:t>1</m:t>
+                          </m:r>
+                        </m:sub>
+                        <m:sup>
+                          <m:r>
+                            <a:rPr lang="he-IL" b="0" i="1" smtClean="0">
+                              <a:latin typeface="Cambria Math" panose="02040503050406030204" pitchFamily="18" charset="0"/>
+                            </a:rPr>
+                            <m:t>16</m:t>
+                          </m:r>
+                        </m:sup>
+                        <m:e>
+                          <m:sSub>
+                            <m:sSubPr>
+                              <m:ctrlPr>
+                                <a:rPr lang="he-IL" b="0" i="1" smtClean="0">
+                                  <a:latin typeface="Cambria Math" panose="02040503050406030204" pitchFamily="18" charset="0"/>
+                                </a:rPr>
+                              </m:ctrlPr>
+                            </m:sSubPr>
+                            <m:e>
+                              <m:r>
+                                <a:rPr lang="en-US" b="0" i="1" smtClean="0">
+                                  <a:latin typeface="Cambria Math" panose="02040503050406030204" pitchFamily="18" charset="0"/>
+                                </a:rPr>
+                                <m:t>𝐶</m:t>
+                              </m:r>
+                            </m:e>
+                            <m:sub>
+                              <m:r>
+                                <a:rPr lang="en-US" b="0" i="1" smtClean="0">
+                                  <a:latin typeface="Cambria Math" panose="02040503050406030204" pitchFamily="18" charset="0"/>
+                                </a:rPr>
+                                <m:t>𝑖</m:t>
+                              </m:r>
+                            </m:sub>
+                          </m:sSub>
+                          <m:r>
+                            <a:rPr lang="en-US" b="0" i="1" smtClean="0">
+                              <a:latin typeface="Cambria Math" panose="02040503050406030204" pitchFamily="18" charset="0"/>
+                            </a:rPr>
+                            <m:t>⋅</m:t>
+                          </m:r>
+                          <m:sSub>
+                            <m:sSubPr>
+                              <m:ctrlPr>
+                                <a:rPr lang="en-US" b="0" i="1" smtClean="0">
+                                  <a:latin typeface="Cambria Math" panose="02040503050406030204" pitchFamily="18" charset="0"/>
+                                </a:rPr>
+                              </m:ctrlPr>
+                            </m:sSubPr>
+                            <m:e>
+                              <m:r>
+                                <a:rPr lang="en-US" b="0" i="1" smtClean="0">
+                                  <a:latin typeface="Cambria Math" panose="02040503050406030204" pitchFamily="18" charset="0"/>
+                                </a:rPr>
+                                <m:t>𝑤</m:t>
+                              </m:r>
+                            </m:e>
+                            <m:sub>
+                              <m:r>
+                                <a:rPr lang="en-US" b="0" i="1" smtClean="0">
+                                  <a:latin typeface="Cambria Math" panose="02040503050406030204" pitchFamily="18" charset="0"/>
+                                </a:rPr>
+                                <m:t>𝑖</m:t>
+                              </m:r>
+                            </m:sub>
+                          </m:sSub>
+                        </m:e>
+                      </m:nary>
+                    </m:oMath>
+                  </m:oMathPara>
+                </a14:m>
+                <a:endParaRPr lang="he-IL" dirty="0"/>
+              </a:p>
+            </p:txBody>
+          </p:sp>
+        </mc:Choice>
+        <mc:Fallback>
+          <p:sp>
+            <p:nvSpPr>
+              <p:cNvPr id="47" name="TextBox 46"/>
+              <p:cNvSpPr txBox="1">
+                <a:spLocks noRot="1" noChangeAspect="1" noMove="1" noResize="1" noEditPoints="1" noAdjustHandles="1" noChangeArrowheads="1" noChangeShapeType="1" noTextEdit="1"/>
+              </p:cNvSpPr>
+              <p:nvPr/>
+            </p:nvSpPr>
+            <p:spPr>
+              <a:xfrm>
+                <a:off x="5375095" y="3359047"/>
+                <a:ext cx="1011111" cy="778803"/>
+              </a:xfrm>
+              <a:prstGeom prst="rect">
+                <a:avLst/>
+              </a:prstGeom>
+              <a:blipFill>
+                <a:blip r:embed="rId16"/>
+                <a:stretch>
+                  <a:fillRect r="-16265"/>
+                </a:stretch>
+              </a:blipFill>
+            </p:spPr>
+            <p:txBody>
+              <a:bodyPr/>
+              <a:lstStyle/>
+              <a:p>
+                <a:r>
+                  <a:rPr lang="he-IL">
+                    <a:noFill/>
+                  </a:rPr>
+                  <a:t> </a:t>
+                </a:r>
+              </a:p>
+            </p:txBody>
+          </p:sp>
+        </mc:Fallback>
+      </mc:AlternateContent>
+      <p:sp>
+        <p:nvSpPr>
+          <p:cNvPr id="48" name="Rectangle 47">
+            <a:extLst>
+              <a:ext uri="{FF2B5EF4-FFF2-40B4-BE49-F238E27FC236}">
+                <a16:creationId xmlns:a16="http://schemas.microsoft.com/office/drawing/2014/main" id="{115EC9D9-64FD-4BEC-83D2-FAE4C07733A0}"/>
+              </a:ext>
+            </a:extLst>
+          </p:cNvPr>
+          <p:cNvSpPr/>
+          <p:nvPr/>
+        </p:nvSpPr>
+        <p:spPr>
+          <a:xfrm>
+            <a:off x="6180992" y="1400229"/>
+            <a:ext cx="6011008" cy="1631216"/>
+          </a:xfrm>
+          <a:prstGeom prst="rect">
+            <a:avLst/>
+          </a:prstGeom>
+        </p:spPr>
+        <p:txBody>
+          <a:bodyPr wrap="square">
+            <a:spAutoFit/>
+          </a:bodyPr>
+          <a:lstStyle/>
+          <a:p>
+            <a:pPr marL="285750" indent="-285750" algn="r" rtl="1">
+              <a:buFont typeface="Arial" panose="020B0604020202020204" pitchFamily="34" charset="0"/>
+              <a:buChar char="•"/>
+            </a:pPr>
+            <a:r>
+              <a:rPr lang="he-IL" sz="2000" dirty="0" smtClean="0"/>
+              <a:t>סכמנו את 16 הערוצים מהשכבה שנכנסה לשכבת ה</a:t>
+            </a:r>
+            <a:r>
+              <a:rPr lang="en-US" sz="2000" dirty="0" smtClean="0"/>
+              <a:t>GAP</a:t>
+            </a:r>
+            <a:r>
+              <a:rPr lang="he-IL" sz="2000" dirty="0" smtClean="0"/>
+              <a:t> כך שכך ערוץ הוכפל במשקולת המתאימה לו משכבת ה</a:t>
+            </a:r>
+            <a:r>
+              <a:rPr lang="en-US" sz="2000" dirty="0" smtClean="0"/>
+              <a:t>fully connected</a:t>
+            </a:r>
+            <a:r>
+              <a:rPr lang="he-IL" sz="2000" dirty="0" smtClean="0"/>
+              <a:t>.</a:t>
+            </a:r>
+          </a:p>
+          <a:p>
+            <a:pPr marL="285750" indent="-285750" algn="r" rtl="1">
+              <a:buFont typeface="Arial" panose="020B0604020202020204" pitchFamily="34" charset="0"/>
+              <a:buChar char="•"/>
+            </a:pPr>
+            <a:r>
+              <a:rPr lang="he-IL" sz="2000" dirty="0" smtClean="0"/>
+              <a:t>המשקולות מהוות מדד לחשיבות הערוץ להחלטה שהתקבלה- האם היה שינוי בתמונה, או לא.</a:t>
+            </a:r>
+            <a:endParaRPr lang="he-IL" sz="2000" dirty="0"/>
+          </a:p>
+        </p:txBody>
+      </p:sp>
+      <p:sp>
+        <p:nvSpPr>
+          <p:cNvPr id="50" name="Title 1"/>
           <p:cNvSpPr>
             <a:spLocks noGrp="1"/>
           </p:cNvSpPr>
@@ -10203,48 +14735,73 @@
             <p:ph type="title"/>
           </p:nvPr>
         </p:nvSpPr>
-        <p:spPr/>
+        <p:spPr>
+          <a:xfrm>
+            <a:off x="2804860" y="293005"/>
+            <a:ext cx="8911687" cy="978448"/>
+          </a:xfrm>
+        </p:spPr>
         <p:txBody>
-          <a:bodyPr/>
+          <a:bodyPr>
+            <a:normAutofit fontScale="90000"/>
+          </a:bodyPr>
           <a:lstStyle/>
           <a:p>
-            <a:r>
-              <a:rPr lang="he-IL" dirty="0" smtClean="0"/>
-              <a:t>תוצאות- דוגמא למפות חום</a:t>
-            </a:r>
-            <a:endParaRPr lang="en-US" dirty="0"/>
-          </a:p>
-        </p:txBody>
-      </p:sp>
-      <p:sp>
-        <p:nvSpPr>
-          <p:cNvPr id="3" name="Content Placeholder 2"/>
-          <p:cNvSpPr>
-            <a:spLocks noGrp="1"/>
-          </p:cNvSpPr>
-          <p:nvPr>
-            <p:ph idx="1"/>
-          </p:nvPr>
-        </p:nvSpPr>
-        <p:spPr/>
-        <p:txBody>
-          <a:bodyPr/>
-          <a:lstStyle/>
-          <a:p>
-            <a:endParaRPr lang="en-US"/>
+            <a:pPr algn="r" rtl="1"/>
+            <a:r>
+              <a:rPr lang="he-IL" dirty="0"/>
+              <a:t>הארכיטקטורה – </a:t>
+            </a:r>
+            <a:r>
+              <a:rPr lang="en-US" dirty="0"/>
+              <a:t> </a:t>
+            </a:r>
+            <a:r>
+              <a:rPr lang="en-US" dirty="0" smtClean="0"/>
+              <a:t>GAP Localization</a:t>
+            </a:r>
+            <a:r>
+              <a:rPr lang="he-IL" dirty="0"/>
+              <a:t/>
+            </a:r>
+            <a:br>
+              <a:rPr lang="he-IL" dirty="0"/>
+            </a:br>
+            <a:r>
+              <a:rPr lang="he-IL" dirty="0"/>
+              <a:t/>
+            </a:r>
+            <a:br>
+              <a:rPr lang="he-IL" dirty="0"/>
+            </a:br>
+            <a:endParaRPr lang="en-US" sz="2000" dirty="0">
+              <a:solidFill>
+                <a:schemeClr val="tx1"/>
+              </a:solidFill>
+              <a:latin typeface="+mn-lt"/>
+              <a:ea typeface="+mn-ea"/>
+              <a:cs typeface="+mn-cs"/>
+            </a:endParaRPr>
           </a:p>
         </p:txBody>
       </p:sp>
     </p:spTree>
     <p:extLst>
       <p:ext uri="{BB962C8B-B14F-4D97-AF65-F5344CB8AC3E}">
-        <p14:creationId xmlns:p14="http://schemas.microsoft.com/office/powerpoint/2010/main" val="3371759202"/>
+        <p14:creationId xmlns:p14="http://schemas.microsoft.com/office/powerpoint/2010/main" val="3940628588"/>
       </p:ext>
     </p:extLst>
   </p:cSld>
   <p:clrMapOvr>
     <a:masterClrMapping/>
   </p:clrMapOvr>
+  <p:timing>
+    <p:tnLst>
+      <p:par>
+        <p:cTn id="1" dur="indefinite" restart="never" nodeType="tmRoot"/>
+      </p:par>
+    </p:tnLst>
+  </p:timing>
 </p:sld>
 </file>
 
@@ -10265,9 +14822,33 @@
           <a:chExt cx="0" cy="0"/>
         </a:xfrm>
       </p:grpSpPr>
+      <p:pic>
+        <p:nvPicPr>
+          <p:cNvPr id="70" name="Picture 69"/>
+          <p:cNvPicPr>
+            <a:picLocks noChangeAspect="1"/>
+          </p:cNvPicPr>
+          <p:nvPr/>
+        </p:nvPicPr>
+        <p:blipFill>
+          <a:blip r:embed="rId2"/>
+          <a:stretch>
+            <a:fillRect/>
+          </a:stretch>
+        </p:blipFill>
+        <p:spPr>
+          <a:xfrm>
+            <a:off x="307731" y="3851030"/>
+            <a:ext cx="3786553" cy="2839915"/>
+          </a:xfrm>
+          <a:prstGeom prst="rect">
+            <a:avLst/>
+          </a:prstGeom>
+        </p:spPr>
+      </p:pic>
       <p:sp>
         <p:nvSpPr>
-          <p:cNvPr id="2" name="Title 1"/>
+          <p:cNvPr id="71" name="Title 1"/>
           <p:cNvSpPr>
             <a:spLocks noGrp="1"/>
           </p:cNvSpPr>
@@ -10275,14 +14856,20 @@
             <p:ph type="title"/>
           </p:nvPr>
         </p:nvSpPr>
-        <p:spPr/>
+        <p:spPr>
+          <a:xfrm>
+            <a:off x="2592925" y="624110"/>
+            <a:ext cx="8911687" cy="1280890"/>
+          </a:xfrm>
+        </p:spPr>
         <p:txBody>
           <a:bodyPr/>
           <a:lstStyle/>
           <a:p>
+            <a:pPr algn="r" rtl="1"/>
             <a:r>
               <a:rPr lang="he-IL" dirty="0" smtClean="0"/>
-              <a:t>אולי משהו מספרי</a:t>
+              <a:t>תוצאות- ביצועי המסווג.</a:t>
             </a:r>
             <a:endParaRPr lang="en-US" dirty="0"/>
           </a:p>
@@ -10290,33 +14877,148 @@
       </p:sp>
       <p:sp>
         <p:nvSpPr>
-          <p:cNvPr id="3" name="Content Placeholder 2"/>
-          <p:cNvSpPr>
-            <a:spLocks noGrp="1"/>
-          </p:cNvSpPr>
-          <p:nvPr>
-            <p:ph idx="1"/>
-          </p:nvPr>
+          <p:cNvPr id="72" name="Rectangle 71">
+            <a:extLst>
+              <a:ext uri="{FF2B5EF4-FFF2-40B4-BE49-F238E27FC236}">
+                <a16:creationId xmlns:a16="http://schemas.microsoft.com/office/drawing/2014/main" id="{115EC9D9-64FD-4BEC-83D2-FAE4C07733A0}"/>
+              </a:ext>
+            </a:extLst>
+          </p:cNvPr>
+          <p:cNvSpPr/>
+          <p:nvPr/>
         </p:nvSpPr>
-        <p:spPr/>
+        <p:spPr>
+          <a:xfrm>
+            <a:off x="5600700" y="1576075"/>
+            <a:ext cx="6011008" cy="4093428"/>
+          </a:xfrm>
+          <a:prstGeom prst="rect">
+            <a:avLst/>
+          </a:prstGeom>
+        </p:spPr>
         <p:txBody>
-          <a:bodyPr/>
+          <a:bodyPr wrap="square">
+            <a:spAutoFit/>
+          </a:bodyPr>
           <a:lstStyle/>
           <a:p>
-            <a:endParaRPr lang="en-US"/>
+            <a:pPr marL="285750" indent="-285750" algn="r" rtl="1">
+              <a:buFont typeface="Arial" panose="020B0604020202020204" pitchFamily="34" charset="0"/>
+              <a:buChar char="•"/>
+            </a:pPr>
+            <a:r>
+              <a:rPr lang="he-IL" sz="2000" dirty="0" smtClean="0"/>
+              <a:t>ביצועי המסווג ישפיעו באופן ישיר על היכולת של המערכת לגלות את מיקומי השינויים.</a:t>
+            </a:r>
+          </a:p>
+          <a:p>
+            <a:pPr marL="285750" indent="-285750" algn="r" rtl="1">
+              <a:buFont typeface="Arial" panose="020B0604020202020204" pitchFamily="34" charset="0"/>
+              <a:buChar char="•"/>
+            </a:pPr>
+            <a:r>
+              <a:rPr lang="he-IL" sz="2000" dirty="0" smtClean="0"/>
+              <a:t>ביצועי המסווג נמצאו טובים ביותר על תמונות בגודל </a:t>
+            </a:r>
+            <a:r>
+              <a:rPr lang="en-US" sz="2000" dirty="0" smtClean="0"/>
+              <a:t>128x128</a:t>
+            </a:r>
+            <a:r>
+              <a:rPr lang="he-IL" sz="2000" dirty="0" smtClean="0"/>
+              <a:t>.</a:t>
+            </a:r>
+          </a:p>
+          <a:p>
+            <a:pPr marL="285750" indent="-285750" algn="r" rtl="1">
+              <a:buFont typeface="Arial" panose="020B0604020202020204" pitchFamily="34" charset="0"/>
+              <a:buChar char="•"/>
+            </a:pPr>
+            <a:endParaRPr lang="he-IL" sz="2000" dirty="0"/>
+          </a:p>
+          <a:p>
+            <a:pPr marL="285750" indent="-285750" algn="r" rtl="1">
+              <a:buFont typeface="Arial" panose="020B0604020202020204" pitchFamily="34" charset="0"/>
+              <a:buChar char="•"/>
+            </a:pPr>
+            <a:r>
+              <a:rPr lang="en-US" sz="2000" dirty="0" smtClean="0"/>
+              <a:t>recall91_precision89</a:t>
+            </a:r>
+            <a:endParaRPr lang="he-IL" sz="2000" dirty="0" smtClean="0"/>
+          </a:p>
+          <a:p>
+            <a:pPr marL="285750" indent="-285750" algn="r" rtl="1">
+              <a:buFont typeface="Arial" panose="020B0604020202020204" pitchFamily="34" charset="0"/>
+              <a:buChar char="•"/>
+            </a:pPr>
+            <a:r>
+              <a:rPr lang="he-IL" sz="2000" dirty="0" smtClean="0"/>
+              <a:t>הסף ההכרעה נבחר על ידי הסתכלות ב</a:t>
+            </a:r>
+            <a:r>
+              <a:rPr lang="en-US" sz="2000" dirty="0" smtClean="0"/>
+              <a:t>recall precision graph</a:t>
+            </a:r>
+            <a:r>
+              <a:rPr lang="he-IL" sz="2000" dirty="0" smtClean="0"/>
+              <a:t>, ועל ידי ממוצע הרמוני גבוה ביותר בינהם.</a:t>
+            </a:r>
+          </a:p>
+          <a:p>
+            <a:pPr marL="285750" indent="-285750" algn="r" rtl="1">
+              <a:buFont typeface="Arial" panose="020B0604020202020204" pitchFamily="34" charset="0"/>
+              <a:buChar char="•"/>
+            </a:pPr>
+            <a:r>
+              <a:rPr lang="he-IL" sz="2000" dirty="0" smtClean="0"/>
+              <a:t>ביצועי המסווג:</a:t>
+            </a:r>
+          </a:p>
+          <a:p>
+            <a:pPr marL="285750" indent="-285750" algn="r" rtl="1">
+              <a:buFont typeface="Arial" panose="020B0604020202020204" pitchFamily="34" charset="0"/>
+              <a:buChar char="•"/>
+            </a:pPr>
+            <a:r>
+              <a:rPr lang="en-US" sz="2000" dirty="0" smtClean="0"/>
+              <a:t>Recall=90, precision=90, threshold=0.53</a:t>
+            </a:r>
+            <a:endParaRPr lang="he-IL" sz="2000" dirty="0" smtClean="0"/>
+          </a:p>
+          <a:p>
+            <a:pPr marL="285750" indent="-285750" algn="r" rtl="1">
+              <a:buFont typeface="Arial" panose="020B0604020202020204" pitchFamily="34" charset="0"/>
+              <a:buChar char="•"/>
+            </a:pPr>
+            <a:endParaRPr lang="he-IL" sz="2000" dirty="0"/>
+          </a:p>
+          <a:p>
+            <a:pPr marL="285750" indent="-285750" algn="r" rtl="1">
+              <a:buFont typeface="Arial" panose="020B0604020202020204" pitchFamily="34" charset="0"/>
+              <a:buChar char="•"/>
+            </a:pPr>
+            <a:endParaRPr lang="he-IL" sz="2000" dirty="0"/>
           </a:p>
         </p:txBody>
       </p:sp>
     </p:spTree>
     <p:extLst>
       <p:ext uri="{BB962C8B-B14F-4D97-AF65-F5344CB8AC3E}">
-        <p14:creationId xmlns:p14="http://schemas.microsoft.com/office/powerpoint/2010/main" val="2595305846"/>
+        <p14:creationId xmlns:p14="http://schemas.microsoft.com/office/powerpoint/2010/main" val="2261943856"/>
       </p:ext>
     </p:extLst>
   </p:cSld>
   <p:clrMapOvr>
     <a:masterClrMapping/>
   </p:clrMapOvr>
+  <p:timing>
+    <p:tnLst>
+      <p:par>
+        <p:cTn id="1" dur="indefinite" restart="never" nodeType="tmRoot"/>
+      </p:par>
+    </p:tnLst>
+  </p:timing>
 </p:sld>
 </file>
 
@@ -10352,43 +15054,272 @@
           <a:bodyPr/>
           <a:lstStyle/>
           <a:p>
+            <a:pPr algn="r" rtl="1"/>
             <a:r>
               <a:rPr lang="he-IL" dirty="0" smtClean="0"/>
-              <a:t>סיכום</a:t>
+              <a:t>תוצאות-</a:t>
             </a:r>
             <a:endParaRPr lang="en-US" dirty="0"/>
           </a:p>
         </p:txBody>
       </p:sp>
-      <p:sp>
-        <p:nvSpPr>
-          <p:cNvPr id="3" name="Content Placeholder 2"/>
-          <p:cNvSpPr>
-            <a:spLocks noGrp="1"/>
-          </p:cNvSpPr>
-          <p:nvPr>
-            <p:ph idx="1"/>
-          </p:nvPr>
-        </p:nvSpPr>
-        <p:spPr/>
-        <p:txBody>
-          <a:bodyPr/>
-          <a:lstStyle/>
-          <a:p>
-            <a:endParaRPr lang="en-US"/>
-          </a:p>
-        </p:txBody>
-      </p:sp>
+      <p:pic>
+        <p:nvPicPr>
+          <p:cNvPr id="37" name="Picture 36"/>
+          <p:cNvPicPr>
+            <a:picLocks noChangeAspect="1"/>
+          </p:cNvPicPr>
+          <p:nvPr/>
+        </p:nvPicPr>
+        <p:blipFill>
+          <a:blip r:embed="rId2">
+            <a:extLst>
+              <a:ext uri="{28A0092B-C50C-407E-A947-70E740481C1C}">
+                <a14:useLocalDpi xmlns:a14="http://schemas.microsoft.com/office/drawing/2010/main" val="0"/>
+              </a:ext>
+            </a:extLst>
+          </a:blip>
+          <a:stretch>
+            <a:fillRect/>
+          </a:stretch>
+        </p:blipFill>
+        <p:spPr>
+          <a:xfrm>
+            <a:off x="1096185" y="1378852"/>
+            <a:ext cx="2136185" cy="2136185"/>
+          </a:xfrm>
+          <a:prstGeom prst="rect">
+            <a:avLst/>
+          </a:prstGeom>
+        </p:spPr>
+      </p:pic>
+      <p:pic>
+        <p:nvPicPr>
+          <p:cNvPr id="38" name="Picture 37"/>
+          <p:cNvPicPr>
+            <a:picLocks noChangeAspect="1"/>
+          </p:cNvPicPr>
+          <p:nvPr/>
+        </p:nvPicPr>
+        <p:blipFill>
+          <a:blip r:embed="rId3">
+            <a:extLst>
+              <a:ext uri="{28A0092B-C50C-407E-A947-70E740481C1C}">
+                <a14:useLocalDpi xmlns:a14="http://schemas.microsoft.com/office/drawing/2010/main" val="0"/>
+              </a:ext>
+            </a:extLst>
+          </a:blip>
+          <a:stretch>
+            <a:fillRect/>
+          </a:stretch>
+        </p:blipFill>
+        <p:spPr>
+          <a:xfrm>
+            <a:off x="3465781" y="1378851"/>
+            <a:ext cx="2136185" cy="2136185"/>
+          </a:xfrm>
+          <a:prstGeom prst="rect">
+            <a:avLst/>
+          </a:prstGeom>
+        </p:spPr>
+      </p:pic>
+      <p:pic>
+        <p:nvPicPr>
+          <p:cNvPr id="39" name="Picture 38"/>
+          <p:cNvPicPr>
+            <a:picLocks noChangeAspect="1"/>
+          </p:cNvPicPr>
+          <p:nvPr/>
+        </p:nvPicPr>
+        <p:blipFill>
+          <a:blip r:embed="rId4">
+            <a:extLst>
+              <a:ext uri="{28A0092B-C50C-407E-A947-70E740481C1C}">
+                <a14:useLocalDpi xmlns:a14="http://schemas.microsoft.com/office/drawing/2010/main" val="0"/>
+              </a:ext>
+            </a:extLst>
+          </a:blip>
+          <a:stretch>
+            <a:fillRect/>
+          </a:stretch>
+        </p:blipFill>
+        <p:spPr>
+          <a:xfrm>
+            <a:off x="1102947" y="3694264"/>
+            <a:ext cx="2136185" cy="2136185"/>
+          </a:xfrm>
+          <a:prstGeom prst="rect">
+            <a:avLst/>
+          </a:prstGeom>
+        </p:spPr>
+      </p:pic>
+      <p:pic>
+        <p:nvPicPr>
+          <p:cNvPr id="40" name="Picture 39"/>
+          <p:cNvPicPr>
+            <a:picLocks noChangeAspect="1"/>
+          </p:cNvPicPr>
+          <p:nvPr/>
+        </p:nvPicPr>
+        <p:blipFill>
+          <a:blip r:embed="rId5">
+            <a:extLst>
+              <a:ext uri="{28A0092B-C50C-407E-A947-70E740481C1C}">
+                <a14:useLocalDpi xmlns:a14="http://schemas.microsoft.com/office/drawing/2010/main" val="0"/>
+              </a:ext>
+            </a:extLst>
+          </a:blip>
+          <a:stretch>
+            <a:fillRect/>
+          </a:stretch>
+        </p:blipFill>
+        <p:spPr>
+          <a:xfrm>
+            <a:off x="3459019" y="3707492"/>
+            <a:ext cx="2136185" cy="2136185"/>
+          </a:xfrm>
+          <a:prstGeom prst="rect">
+            <a:avLst/>
+          </a:prstGeom>
+        </p:spPr>
+      </p:pic>
+      <p:pic>
+        <p:nvPicPr>
+          <p:cNvPr id="41" name="Picture 40"/>
+          <p:cNvPicPr>
+            <a:picLocks noChangeAspect="1"/>
+          </p:cNvPicPr>
+          <p:nvPr/>
+        </p:nvPicPr>
+        <p:blipFill>
+          <a:blip r:embed="rId6">
+            <a:extLst>
+              <a:ext uri="{28A0092B-C50C-407E-A947-70E740481C1C}">
+                <a14:useLocalDpi xmlns:a14="http://schemas.microsoft.com/office/drawing/2010/main" val="0"/>
+              </a:ext>
+            </a:extLst>
+          </a:blip>
+          <a:stretch>
+            <a:fillRect/>
+          </a:stretch>
+        </p:blipFill>
+        <p:spPr>
+          <a:xfrm>
+            <a:off x="9270835" y="1378851"/>
+            <a:ext cx="2136185" cy="2136185"/>
+          </a:xfrm>
+          <a:prstGeom prst="rect">
+            <a:avLst/>
+          </a:prstGeom>
+        </p:spPr>
+      </p:pic>
+      <p:pic>
+        <p:nvPicPr>
+          <p:cNvPr id="42" name="Picture 41"/>
+          <p:cNvPicPr>
+            <a:picLocks noChangeAspect="1"/>
+          </p:cNvPicPr>
+          <p:nvPr/>
+        </p:nvPicPr>
+        <p:blipFill>
+          <a:blip r:embed="rId7">
+            <a:extLst>
+              <a:ext uri="{28A0092B-C50C-407E-A947-70E740481C1C}">
+                <a14:useLocalDpi xmlns:a14="http://schemas.microsoft.com/office/drawing/2010/main" val="0"/>
+              </a:ext>
+            </a:extLst>
+          </a:blip>
+          <a:stretch>
+            <a:fillRect/>
+          </a:stretch>
+        </p:blipFill>
+        <p:spPr>
+          <a:xfrm>
+            <a:off x="6949886" y="1378852"/>
+            <a:ext cx="2136185" cy="2136185"/>
+          </a:xfrm>
+          <a:prstGeom prst="rect">
+            <a:avLst/>
+          </a:prstGeom>
+        </p:spPr>
+      </p:pic>
+      <p:pic>
+        <p:nvPicPr>
+          <p:cNvPr id="43" name="Picture 42"/>
+          <p:cNvPicPr>
+            <a:picLocks noChangeAspect="1"/>
+          </p:cNvPicPr>
+          <p:nvPr/>
+        </p:nvPicPr>
+        <p:blipFill>
+          <a:blip r:embed="rId8">
+            <a:extLst>
+              <a:ext uri="{28A0092B-C50C-407E-A947-70E740481C1C}">
+                <a14:useLocalDpi xmlns:a14="http://schemas.microsoft.com/office/drawing/2010/main" val="0"/>
+              </a:ext>
+            </a:extLst>
+          </a:blip>
+          <a:stretch>
+            <a:fillRect/>
+          </a:stretch>
+        </p:blipFill>
+        <p:spPr>
+          <a:xfrm>
+            <a:off x="6959856" y="3717462"/>
+            <a:ext cx="2126215" cy="2126215"/>
+          </a:xfrm>
+          <a:prstGeom prst="rect">
+            <a:avLst/>
+          </a:prstGeom>
+        </p:spPr>
+      </p:pic>
+      <p:pic>
+        <p:nvPicPr>
+          <p:cNvPr id="44" name="Picture 43"/>
+          <p:cNvPicPr>
+            <a:picLocks noChangeAspect="1"/>
+          </p:cNvPicPr>
+          <p:nvPr/>
+        </p:nvPicPr>
+        <p:blipFill>
+          <a:blip r:embed="rId9">
+            <a:extLst>
+              <a:ext uri="{28A0092B-C50C-407E-A947-70E740481C1C}">
+                <a14:useLocalDpi xmlns:a14="http://schemas.microsoft.com/office/drawing/2010/main" val="0"/>
+              </a:ext>
+            </a:extLst>
+          </a:blip>
+          <a:stretch>
+            <a:fillRect/>
+          </a:stretch>
+        </p:blipFill>
+        <p:spPr>
+          <a:xfrm>
+            <a:off x="9248488" y="3694264"/>
+            <a:ext cx="2136185" cy="2136185"/>
+          </a:xfrm>
+          <a:prstGeom prst="rect">
+            <a:avLst/>
+          </a:prstGeom>
+        </p:spPr>
+      </p:pic>
     </p:spTree>
     <p:extLst>
       <p:ext uri="{BB962C8B-B14F-4D97-AF65-F5344CB8AC3E}">
-        <p14:creationId xmlns:p14="http://schemas.microsoft.com/office/powerpoint/2010/main" val="3856527925"/>
+        <p14:creationId xmlns:p14="http://schemas.microsoft.com/office/powerpoint/2010/main" val="3371759202"/>
       </p:ext>
     </p:extLst>
   </p:cSld>
   <p:clrMapOvr>
     <a:masterClrMapping/>
   </p:clrMapOvr>
+  <p:timing>
+    <p:tnLst>
+      <p:par>
+        <p:cTn id="1" dur="indefinite" restart="never" nodeType="tmRoot"/>
+      </p:par>
+    </p:tnLst>
+  </p:timing>
 </p:sld>
 </file>
 
@@ -10424,43 +15355,272 @@
           <a:bodyPr/>
           <a:lstStyle/>
           <a:p>
+            <a:pPr algn="r" rtl="1"/>
             <a:r>
               <a:rPr lang="he-IL" dirty="0" smtClean="0"/>
-              <a:t>בדיחה</a:t>
+              <a:t>תוצאות-</a:t>
             </a:r>
             <a:endParaRPr lang="en-US" dirty="0"/>
           </a:p>
         </p:txBody>
       </p:sp>
-      <p:sp>
-        <p:nvSpPr>
-          <p:cNvPr id="3" name="Content Placeholder 2"/>
-          <p:cNvSpPr>
-            <a:spLocks noGrp="1"/>
-          </p:cNvSpPr>
-          <p:nvPr>
-            <p:ph idx="1"/>
-          </p:nvPr>
-        </p:nvSpPr>
-        <p:spPr/>
-        <p:txBody>
-          <a:bodyPr/>
-          <a:lstStyle/>
-          <a:p>
-            <a:endParaRPr lang="en-US"/>
-          </a:p>
-        </p:txBody>
-      </p:sp>
+      <p:pic>
+        <p:nvPicPr>
+          <p:cNvPr id="15" name="Picture 14"/>
+          <p:cNvPicPr>
+            <a:picLocks noChangeAspect="1"/>
+          </p:cNvPicPr>
+          <p:nvPr/>
+        </p:nvPicPr>
+        <p:blipFill>
+          <a:blip r:embed="rId2">
+            <a:extLst>
+              <a:ext uri="{28A0092B-C50C-407E-A947-70E740481C1C}">
+                <a14:useLocalDpi xmlns:a14="http://schemas.microsoft.com/office/drawing/2010/main" val="0"/>
+              </a:ext>
+            </a:extLst>
+          </a:blip>
+          <a:stretch>
+            <a:fillRect/>
+          </a:stretch>
+        </p:blipFill>
+        <p:spPr>
+          <a:xfrm>
+            <a:off x="3465781" y="1378854"/>
+            <a:ext cx="2162639" cy="2162639"/>
+          </a:xfrm>
+          <a:prstGeom prst="rect">
+            <a:avLst/>
+          </a:prstGeom>
+        </p:spPr>
+      </p:pic>
+      <p:pic>
+        <p:nvPicPr>
+          <p:cNvPr id="16" name="Picture 15"/>
+          <p:cNvPicPr>
+            <a:picLocks noChangeAspect="1"/>
+          </p:cNvPicPr>
+          <p:nvPr/>
+        </p:nvPicPr>
+        <p:blipFill>
+          <a:blip r:embed="rId3">
+            <a:extLst>
+              <a:ext uri="{28A0092B-C50C-407E-A947-70E740481C1C}">
+                <a14:useLocalDpi xmlns:a14="http://schemas.microsoft.com/office/drawing/2010/main" val="0"/>
+              </a:ext>
+            </a:extLst>
+          </a:blip>
+          <a:stretch>
+            <a:fillRect/>
+          </a:stretch>
+        </p:blipFill>
+        <p:spPr>
+          <a:xfrm>
+            <a:off x="1089721" y="1378853"/>
+            <a:ext cx="2162639" cy="2162639"/>
+          </a:xfrm>
+          <a:prstGeom prst="rect">
+            <a:avLst/>
+          </a:prstGeom>
+        </p:spPr>
+      </p:pic>
+      <p:pic>
+        <p:nvPicPr>
+          <p:cNvPr id="17" name="Picture 16"/>
+          <p:cNvPicPr>
+            <a:picLocks noChangeAspect="1"/>
+          </p:cNvPicPr>
+          <p:nvPr/>
+        </p:nvPicPr>
+        <p:blipFill>
+          <a:blip r:embed="rId4">
+            <a:extLst>
+              <a:ext uri="{28A0092B-C50C-407E-A947-70E740481C1C}">
+                <a14:useLocalDpi xmlns:a14="http://schemas.microsoft.com/office/drawing/2010/main" val="0"/>
+              </a:ext>
+            </a:extLst>
+          </a:blip>
+          <a:stretch>
+            <a:fillRect/>
+          </a:stretch>
+        </p:blipFill>
+        <p:spPr>
+          <a:xfrm>
+            <a:off x="1069731" y="3681041"/>
+            <a:ext cx="2162639" cy="2162639"/>
+          </a:xfrm>
+          <a:prstGeom prst="rect">
+            <a:avLst/>
+          </a:prstGeom>
+        </p:spPr>
+      </p:pic>
+      <p:pic>
+        <p:nvPicPr>
+          <p:cNvPr id="18" name="Picture 17"/>
+          <p:cNvPicPr>
+            <a:picLocks noChangeAspect="1"/>
+          </p:cNvPicPr>
+          <p:nvPr/>
+        </p:nvPicPr>
+        <p:blipFill>
+          <a:blip r:embed="rId5">
+            <a:extLst>
+              <a:ext uri="{28A0092B-C50C-407E-A947-70E740481C1C}">
+                <a14:useLocalDpi xmlns:a14="http://schemas.microsoft.com/office/drawing/2010/main" val="0"/>
+              </a:ext>
+            </a:extLst>
+          </a:blip>
+          <a:stretch>
+            <a:fillRect/>
+          </a:stretch>
+        </p:blipFill>
+        <p:spPr>
+          <a:xfrm>
+            <a:off x="3465781" y="3681040"/>
+            <a:ext cx="2162639" cy="2162639"/>
+          </a:xfrm>
+          <a:prstGeom prst="rect">
+            <a:avLst/>
+          </a:prstGeom>
+        </p:spPr>
+      </p:pic>
+      <p:pic>
+        <p:nvPicPr>
+          <p:cNvPr id="27" name="Picture 26"/>
+          <p:cNvPicPr>
+            <a:picLocks noChangeAspect="1"/>
+          </p:cNvPicPr>
+          <p:nvPr/>
+        </p:nvPicPr>
+        <p:blipFill>
+          <a:blip r:embed="rId6">
+            <a:extLst>
+              <a:ext uri="{28A0092B-C50C-407E-A947-70E740481C1C}">
+                <a14:useLocalDpi xmlns:a14="http://schemas.microsoft.com/office/drawing/2010/main" val="0"/>
+              </a:ext>
+            </a:extLst>
+          </a:blip>
+          <a:stretch>
+            <a:fillRect/>
+          </a:stretch>
+        </p:blipFill>
+        <p:spPr>
+          <a:xfrm>
+            <a:off x="9235262" y="1378852"/>
+            <a:ext cx="2162639" cy="2162639"/>
+          </a:xfrm>
+          <a:prstGeom prst="rect">
+            <a:avLst/>
+          </a:prstGeom>
+        </p:spPr>
+      </p:pic>
+      <p:pic>
+        <p:nvPicPr>
+          <p:cNvPr id="28" name="Picture 27"/>
+          <p:cNvPicPr>
+            <a:picLocks noChangeAspect="1"/>
+          </p:cNvPicPr>
+          <p:nvPr/>
+        </p:nvPicPr>
+        <p:blipFill>
+          <a:blip r:embed="rId7">
+            <a:extLst>
+              <a:ext uri="{28A0092B-C50C-407E-A947-70E740481C1C}">
+                <a14:useLocalDpi xmlns:a14="http://schemas.microsoft.com/office/drawing/2010/main" val="0"/>
+              </a:ext>
+            </a:extLst>
+          </a:blip>
+          <a:stretch>
+            <a:fillRect/>
+          </a:stretch>
+        </p:blipFill>
+        <p:spPr>
+          <a:xfrm>
+            <a:off x="6965913" y="1378852"/>
+            <a:ext cx="2162639" cy="2162639"/>
+          </a:xfrm>
+          <a:prstGeom prst="rect">
+            <a:avLst/>
+          </a:prstGeom>
+        </p:spPr>
+      </p:pic>
+      <p:pic>
+        <p:nvPicPr>
+          <p:cNvPr id="29" name="Picture 28"/>
+          <p:cNvPicPr>
+            <a:picLocks noChangeAspect="1"/>
+          </p:cNvPicPr>
+          <p:nvPr/>
+        </p:nvPicPr>
+        <p:blipFill>
+          <a:blip r:embed="rId8">
+            <a:extLst>
+              <a:ext uri="{28A0092B-C50C-407E-A947-70E740481C1C}">
+                <a14:useLocalDpi xmlns:a14="http://schemas.microsoft.com/office/drawing/2010/main" val="0"/>
+              </a:ext>
+            </a:extLst>
+          </a:blip>
+          <a:stretch>
+            <a:fillRect/>
+          </a:stretch>
+        </p:blipFill>
+        <p:spPr>
+          <a:xfrm>
+            <a:off x="6965912" y="3681038"/>
+            <a:ext cx="2162639" cy="2162639"/>
+          </a:xfrm>
+          <a:prstGeom prst="rect">
+            <a:avLst/>
+          </a:prstGeom>
+        </p:spPr>
+      </p:pic>
+      <p:pic>
+        <p:nvPicPr>
+          <p:cNvPr id="30" name="Picture 29"/>
+          <p:cNvPicPr>
+            <a:picLocks noChangeAspect="1"/>
+          </p:cNvPicPr>
+          <p:nvPr/>
+        </p:nvPicPr>
+        <p:blipFill>
+          <a:blip r:embed="rId9">
+            <a:extLst>
+              <a:ext uri="{28A0092B-C50C-407E-A947-70E740481C1C}">
+                <a14:useLocalDpi xmlns:a14="http://schemas.microsoft.com/office/drawing/2010/main" val="0"/>
+              </a:ext>
+            </a:extLst>
+          </a:blip>
+          <a:stretch>
+            <a:fillRect/>
+          </a:stretch>
+        </p:blipFill>
+        <p:spPr>
+          <a:xfrm>
+            <a:off x="9235262" y="3681039"/>
+            <a:ext cx="2162639" cy="2162639"/>
+          </a:xfrm>
+          <a:prstGeom prst="rect">
+            <a:avLst/>
+          </a:prstGeom>
+        </p:spPr>
+      </p:pic>
     </p:spTree>
     <p:extLst>
       <p:ext uri="{BB962C8B-B14F-4D97-AF65-F5344CB8AC3E}">
-        <p14:creationId xmlns:p14="http://schemas.microsoft.com/office/powerpoint/2010/main" val="3881631558"/>
+        <p14:creationId xmlns:p14="http://schemas.microsoft.com/office/powerpoint/2010/main" val="3902472420"/>
       </p:ext>
     </p:extLst>
   </p:cSld>
   <p:clrMapOvr>
     <a:masterClrMapping/>
   </p:clrMapOvr>
+  <p:timing>
+    <p:tnLst>
+      <p:par>
+        <p:cTn id="1" dur="indefinite" restart="never" nodeType="tmRoot"/>
+      </p:par>
+    </p:tnLst>
+  </p:timing>
 </p:sld>
 </file>
 
@@ -10496,11 +15656,123 @@
           <a:bodyPr/>
           <a:lstStyle/>
           <a:p>
+            <a:pPr algn="r" rtl="1"/>
             <a:r>
               <a:rPr lang="he-IL" dirty="0" smtClean="0"/>
-              <a:t>שאלות</a:t>
+              <a:t>תוצאות- השוואה למודלים הקודמים</a:t>
             </a:r>
             <a:endParaRPr lang="en-US" dirty="0"/>
+          </a:p>
+        </p:txBody>
+      </p:sp>
+      <p:graphicFrame>
+        <p:nvGraphicFramePr>
+          <p:cNvPr id="4" name="Chart 3"/>
+          <p:cNvGraphicFramePr>
+            <a:graphicFrameLocks/>
+          </p:cNvGraphicFramePr>
+          <p:nvPr>
+            <p:extLst>
+              <p:ext uri="{D42A27DB-BD31-4B8C-83A1-F6EECF244321}">
+                <p14:modId xmlns:p14="http://schemas.microsoft.com/office/powerpoint/2010/main" val="648381736"/>
+              </p:ext>
+            </p:extLst>
+          </p:nvPr>
+        </p:nvGraphicFramePr>
+        <p:xfrm>
+          <a:off x="1457152" y="2664478"/>
+          <a:ext cx="4558553" cy="2717987"/>
+        </p:xfrm>
+        <a:graphic>
+          <a:graphicData uri="http://schemas.openxmlformats.org/drawingml/2006/chart">
+            <c:chart xmlns:c="http://schemas.openxmlformats.org/drawingml/2006/chart" xmlns:r="http://schemas.openxmlformats.org/officeDocument/2006/relationships" r:id="rId2"/>
+          </a:graphicData>
+        </a:graphic>
+      </p:graphicFrame>
+      <p:graphicFrame>
+        <p:nvGraphicFramePr>
+          <p:cNvPr id="5" name="Chart 4"/>
+          <p:cNvGraphicFramePr>
+            <a:graphicFrameLocks/>
+          </p:cNvGraphicFramePr>
+          <p:nvPr>
+            <p:extLst>
+              <p:ext uri="{D42A27DB-BD31-4B8C-83A1-F6EECF244321}">
+                <p14:modId xmlns:p14="http://schemas.microsoft.com/office/powerpoint/2010/main" val="3853367986"/>
+              </p:ext>
+            </p:extLst>
+          </p:nvPr>
+        </p:nvGraphicFramePr>
+        <p:xfrm>
+          <a:off x="6187155" y="2618534"/>
+          <a:ext cx="4565276" cy="2716306"/>
+        </p:xfrm>
+        <a:graphic>
+          <a:graphicData uri="http://schemas.openxmlformats.org/drawingml/2006/chart">
+            <c:chart xmlns:c="http://schemas.openxmlformats.org/drawingml/2006/chart" xmlns:r="http://schemas.openxmlformats.org/officeDocument/2006/relationships" r:id="rId3"/>
+          </a:graphicData>
+        </a:graphic>
+      </p:graphicFrame>
+    </p:spTree>
+    <p:extLst>
+      <p:ext uri="{BB962C8B-B14F-4D97-AF65-F5344CB8AC3E}">
+        <p14:creationId xmlns:p14="http://schemas.microsoft.com/office/powerpoint/2010/main" val="2595305846"/>
+      </p:ext>
+    </p:extLst>
+  </p:cSld>
+  <p:clrMapOvr>
+    <a:masterClrMapping/>
+  </p:clrMapOvr>
+  <p:timing>
+    <p:tnLst>
+      <p:par>
+        <p:cTn id="1" dur="indefinite" restart="never" nodeType="tmRoot"/>
+      </p:par>
+    </p:tnLst>
+  </p:timing>
+</p:sld>
+</file>
+
+<file path=ppt/slides/slide16.xml><?xml version="1.0" encoding="utf-8"?>
+<p:sld xmlns:a="http://schemas.openxmlformats.org/drawingml/2006/main" xmlns:r="http://schemas.openxmlformats.org/officeDocument/2006/relationships" xmlns:p="http://schemas.openxmlformats.org/presentationml/2006/main">
+  <p:cSld>
+    <p:spTree>
+      <p:nvGrpSpPr>
+        <p:cNvPr id="1" name=""/>
+        <p:cNvGrpSpPr/>
+        <p:nvPr/>
+      </p:nvGrpSpPr>
+      <p:grpSpPr>
+        <a:xfrm>
+          <a:off x="0" y="0"/>
+          <a:ext cx="0" cy="0"/>
+          <a:chOff x="0" y="0"/>
+          <a:chExt cx="0" cy="0"/>
+        </a:xfrm>
+      </p:grpSpPr>
+      <p:sp>
+        <p:nvSpPr>
+          <p:cNvPr id="2" name="Title 1"/>
+          <p:cNvSpPr>
+            <a:spLocks noGrp="1"/>
+          </p:cNvSpPr>
+          <p:nvPr>
+            <p:ph type="title"/>
+          </p:nvPr>
+        </p:nvSpPr>
+        <p:spPr/>
+        <p:txBody>
+          <a:bodyPr>
+            <a:normAutofit/>
+          </a:bodyPr>
+          <a:lstStyle/>
+          <a:p>
+            <a:pPr algn="r" rtl="1"/>
+            <a:r>
+              <a:rPr lang="he-IL" sz="4800" b="1" dirty="0"/>
+              <a:t>סיכום</a:t>
+            </a:r>
+            <a:endParaRPr lang="en-US" sz="4800" b="1" dirty="0"/>
           </a:p>
         </p:txBody>
       </p:sp>
@@ -10519,10 +15791,217 @@
           <a:bodyPr/>
           <a:lstStyle/>
           <a:p>
-            <a:endParaRPr lang="en-US"/>
+            <a:pPr algn="r" rtl="1"/>
+            <a:r>
+              <a:rPr lang="he-IL" dirty="0" smtClean="0"/>
+              <a:t>ניתן לבנות מודל לגילוי שינויים בתמונות לויין המבוססת על </a:t>
+            </a:r>
+            <a:r>
+              <a:rPr lang="en-US" dirty="0" smtClean="0"/>
+              <a:t>Semantic Segmentation</a:t>
+            </a:r>
+            <a:r>
+              <a:rPr lang="he-IL" dirty="0" smtClean="0"/>
+              <a:t>. </a:t>
+            </a:r>
+          </a:p>
+          <a:p>
+            <a:pPr algn="r" rtl="1"/>
+            <a:r>
+              <a:rPr lang="he-IL" dirty="0" smtClean="0"/>
+              <a:t>למודל מבוסס </a:t>
+            </a:r>
+            <a:r>
+              <a:rPr lang="en-US" dirty="0" smtClean="0"/>
+              <a:t>Semantic Segmentation</a:t>
+            </a:r>
+            <a:r>
+              <a:rPr lang="he-IL" dirty="0" smtClean="0"/>
+              <a:t> ביצועים דומים ולעיטים אף טובים יותר ממודל ה</a:t>
+            </a:r>
+            <a:r>
+              <a:rPr lang="en-US" dirty="0" smtClean="0"/>
+              <a:t>GAN</a:t>
+            </a:r>
+            <a:r>
+              <a:rPr lang="he-IL" dirty="0" smtClean="0"/>
+              <a:t> במדדי ה</a:t>
+            </a:r>
+            <a:r>
+              <a:rPr lang="en-US" dirty="0" smtClean="0"/>
+              <a:t>Recall</a:t>
+            </a:r>
+            <a:r>
+              <a:rPr lang="he-IL" dirty="0" smtClean="0"/>
+              <a:t> וה</a:t>
+            </a:r>
+            <a:r>
+              <a:rPr lang="en-US" dirty="0" smtClean="0"/>
+              <a:t>precision</a:t>
+            </a:r>
+            <a:r>
+              <a:rPr lang="he-IL" dirty="0" smtClean="0"/>
+              <a:t>.</a:t>
+            </a:r>
+          </a:p>
+          <a:p>
+            <a:pPr algn="r" rtl="1"/>
+            <a:endParaRPr lang="he-IL" dirty="0"/>
+          </a:p>
+          <a:p>
+            <a:pPr algn="r" rtl="1"/>
+            <a:r>
+              <a:rPr lang="he-IL" dirty="0" smtClean="0"/>
+              <a:t>ניתן לבנות מסווג לגילוי שינויים, ובעזרת שכבת </a:t>
+            </a:r>
+            <a:r>
+              <a:rPr lang="en-US" dirty="0" smtClean="0"/>
+              <a:t>Global Average Pooling</a:t>
+            </a:r>
+            <a:r>
+              <a:rPr lang="he-IL" dirty="0" smtClean="0"/>
+              <a:t> לגלות את מיקומם של השינויים ובכך לחסוך את הצורך בייצירת </a:t>
+            </a:r>
+            <a:r>
+              <a:rPr lang="en-US" dirty="0" smtClean="0"/>
+              <a:t>ground truth</a:t>
+            </a:r>
+            <a:r>
+              <a:rPr lang="he-IL" dirty="0" smtClean="0"/>
+              <a:t> מורכב.</a:t>
+            </a:r>
+          </a:p>
+          <a:p>
+            <a:pPr algn="r" rtl="1"/>
+            <a:r>
+              <a:rPr lang="he-IL" dirty="0" smtClean="0"/>
+              <a:t>ביצועי מערכת ה</a:t>
+            </a:r>
+            <a:r>
+              <a:rPr lang="en-US" dirty="0" smtClean="0"/>
+              <a:t>GAP Localization</a:t>
+            </a:r>
+            <a:r>
+              <a:rPr lang="he-IL" dirty="0"/>
+              <a:t> </a:t>
+            </a:r>
+            <a:r>
+              <a:rPr lang="he-IL" dirty="0" smtClean="0"/>
+              <a:t>דומים מאוד לב</a:t>
+            </a:r>
+            <a:r>
+              <a:rPr lang="he-IL" dirty="0" smtClean="0"/>
+              <a:t>יצועי המודלים האחרים הנידונו כאן </a:t>
+            </a:r>
+            <a:r>
+              <a:rPr lang="he-IL" dirty="0"/>
+              <a:t>במדדי ה</a:t>
+            </a:r>
+            <a:r>
+              <a:rPr lang="en-US" dirty="0"/>
+              <a:t>Recall</a:t>
+            </a:r>
+            <a:r>
+              <a:rPr lang="he-IL" dirty="0"/>
+              <a:t> וה</a:t>
+            </a:r>
+            <a:r>
+              <a:rPr lang="en-US" dirty="0"/>
+              <a:t>precision</a:t>
+            </a:r>
+            <a:r>
+              <a:rPr lang="he-IL" dirty="0"/>
+              <a:t>.</a:t>
+            </a:r>
+          </a:p>
+          <a:p>
+            <a:pPr algn="r" rtl="1"/>
+            <a:endParaRPr lang="he-IL" dirty="0" smtClean="0"/>
+          </a:p>
+          <a:p>
+            <a:pPr algn="r" rtl="1"/>
+            <a:endParaRPr lang="en-US" dirty="0"/>
           </a:p>
         </p:txBody>
       </p:sp>
+    </p:spTree>
+    <p:extLst>
+      <p:ext uri="{BB962C8B-B14F-4D97-AF65-F5344CB8AC3E}">
+        <p14:creationId xmlns:p14="http://schemas.microsoft.com/office/powerpoint/2010/main" val="3856527925"/>
+      </p:ext>
+    </p:extLst>
+  </p:cSld>
+  <p:clrMapOvr>
+    <a:masterClrMapping/>
+  </p:clrMapOvr>
+  <p:timing>
+    <p:tnLst>
+      <p:par>
+        <p:cTn id="1" dur="indefinite" restart="never" nodeType="tmRoot"/>
+      </p:par>
+    </p:tnLst>
+  </p:timing>
+</p:sld>
+</file>
+
+<file path=ppt/slides/slide17.xml><?xml version="1.0" encoding="utf-8"?>
+<p:sld xmlns:a="http://schemas.openxmlformats.org/drawingml/2006/main" xmlns:r="http://schemas.openxmlformats.org/officeDocument/2006/relationships" xmlns:p="http://schemas.openxmlformats.org/presentationml/2006/main">
+  <p:cSld>
+    <p:spTree>
+      <p:nvGrpSpPr>
+        <p:cNvPr id="1" name=""/>
+        <p:cNvGrpSpPr/>
+        <p:nvPr/>
+      </p:nvGrpSpPr>
+      <p:grpSpPr>
+        <a:xfrm>
+          <a:off x="0" y="0"/>
+          <a:ext cx="0" cy="0"/>
+          <a:chOff x="0" y="0"/>
+          <a:chExt cx="0" cy="0"/>
+        </a:xfrm>
+      </p:grpSpPr>
+      <p:pic>
+        <p:nvPicPr>
+          <p:cNvPr id="1026" name="Picture 2" descr="Image result for thank you"/>
+          <p:cNvPicPr>
+            <a:picLocks noChangeAspect="1" noChangeArrowheads="1"/>
+          </p:cNvPicPr>
+          <p:nvPr/>
+        </p:nvPicPr>
+        <p:blipFill>
+          <a:blip r:embed="rId2">
+            <a:extLst>
+              <a:ext uri="{28A0092B-C50C-407E-A947-70E740481C1C}">
+                <a14:useLocalDpi xmlns:a14="http://schemas.microsoft.com/office/drawing/2010/main" val="0"/>
+              </a:ext>
+            </a:extLst>
+          </a:blip>
+          <a:srcRect/>
+          <a:stretch>
+            <a:fillRect/>
+          </a:stretch>
+        </p:blipFill>
+        <p:spPr bwMode="auto">
+          <a:xfrm>
+            <a:off x="2088086" y="1202775"/>
+            <a:ext cx="8684186" cy="4884854"/>
+          </a:xfrm>
+          <a:prstGeom prst="rect">
+            <a:avLst/>
+          </a:prstGeom>
+          <a:noFill/>
+          <a:extLst>
+            <a:ext uri="{909E8E84-426E-40DD-AFC4-6F175D3DCCD1}">
+              <a14:hiddenFill xmlns:a14="http://schemas.microsoft.com/office/drawing/2010/main">
+                <a:solidFill>
+                  <a:srgbClr val="FFFFFF"/>
+                </a:solidFill>
+              </a14:hiddenFill>
+            </a:ext>
+          </a:extLst>
+        </p:spPr>
+      </p:pic>
     </p:spTree>
     <p:extLst>
       <p:ext uri="{BB962C8B-B14F-4D97-AF65-F5344CB8AC3E}">
@@ -10533,6 +16012,13 @@
   <p:clrMapOvr>
     <a:masterClrMapping/>
   </p:clrMapOvr>
+  <p:timing>
+    <p:tnLst>
+      <p:par>
+        <p:cTn id="1" dur="indefinite" restart="never" nodeType="tmRoot"/>
+      </p:par>
+    </p:tnLst>
+  </p:timing>
 </p:sld>
 </file>
 
@@ -10563,7 +16049,7 @@
         </p:nvSpPr>
         <p:spPr>
           <a:xfrm>
-            <a:off x="2456866" y="1419727"/>
+            <a:off x="1938392" y="1429116"/>
             <a:ext cx="8915399" cy="2262781"/>
           </a:xfrm>
           <a:prstGeom prst="rect">
@@ -10651,14 +16137,14 @@
           <a:p>
             <a:pPr algn="ctr" rtl="1"/>
             <a:r>
-              <a:rPr lang="he-IL" dirty="0" smtClean="0"/>
-              <a:t>מטרת הפרויקט-</a:t>
+              <a:rPr lang="he-IL" dirty="0"/>
+              <a:t>מטרת הפרויקט</a:t>
             </a:r>
           </a:p>
           <a:p>
             <a:pPr algn="ctr" rtl="1"/>
             <a:r>
-              <a:rPr lang="he-IL" dirty="0" smtClean="0">
+              <a:rPr lang="he-IL" dirty="0">
                 <a:solidFill>
                   <a:schemeClr val="tx2"/>
                 </a:solidFill>
@@ -10681,8 +16167,8 @@
         </p:nvSpPr>
         <p:spPr>
           <a:xfrm>
-            <a:off x="4638174" y="4782553"/>
-            <a:ext cx="7038473" cy="646331"/>
+            <a:off x="4242062" y="5923197"/>
+            <a:ext cx="7462865" cy="707886"/>
           </a:xfrm>
           <a:prstGeom prst="rect">
             <a:avLst/>
@@ -10697,15 +16183,19 @@
           <a:p>
             <a:pPr algn="r" rtl="1"/>
             <a:r>
-              <a:rPr lang="he-IL" dirty="0" smtClean="0"/>
+              <a:rPr lang="en-US" sz="2000" dirty="0"/>
+              <a:t>*</a:t>
+            </a:r>
+            <a:r>
+              <a:rPr lang="he-IL" sz="2000" dirty="0"/>
               <a:t>שינוי יוגדר להיות הופעה או היעלמות של אובייקט מהתמונה המקורית. כלומר על המערכת להתעלם משינויים הנובעים ממזג אוויר, תאורה </a:t>
             </a:r>
             <a:r>
-              <a:rPr lang="he-IL" dirty="0" err="1" smtClean="0"/>
+              <a:rPr lang="he-IL" sz="2000" dirty="0" err="1"/>
               <a:t>וכו</a:t>
             </a:r>
             <a:r>
-              <a:rPr lang="he-IL" dirty="0" smtClean="0"/>
+              <a:rPr lang="he-IL" sz="2000" dirty="0"/>
               <a:t>'.</a:t>
             </a:r>
           </a:p>
@@ -10721,13 +16211,6 @@
   <p:clrMapOvr>
     <a:masterClrMapping/>
   </p:clrMapOvr>
-  <p:timing>
-    <p:tnLst>
-      <p:par>
-        <p:cTn id="1" dur="indefinite" restart="never" nodeType="tmRoot"/>
-      </p:par>
-    </p:tnLst>
-  </p:timing>
 </p:sld>
 </file>
 
@@ -10765,7 +16248,7 @@
           <a:p>
             <a:pPr algn="r" rtl="1"/>
             <a:r>
-              <a:rPr lang="he-IL" dirty="0" smtClean="0"/>
+              <a:rPr lang="he-IL" dirty="0"/>
               <a:t>חלק א- מטרה, בסיס הנתונים</a:t>
             </a:r>
             <a:endParaRPr lang="en-US" dirty="0"/>
@@ -10780,7 +16263,7 @@
         </p:nvSpPr>
         <p:spPr>
           <a:xfrm>
-            <a:off x="2893595" y="1750595"/>
+            <a:off x="2845469" y="1548568"/>
             <a:ext cx="8482263" cy="923330"/>
           </a:xfrm>
           <a:prstGeom prst="rect">
@@ -10796,7 +16279,7 @@
           <a:p>
             <a:pPr algn="r" rtl="1"/>
             <a:r>
-              <a:rPr lang="he-IL" dirty="0" smtClean="0"/>
+              <a:rPr lang="he-IL" b="1" dirty="0"/>
               <a:t>מטרה:</a:t>
             </a:r>
           </a:p>
@@ -10806,7 +16289,7 @@
               <a:buChar char="•"/>
             </a:pPr>
             <a:r>
-              <a:rPr lang="he-IL" dirty="0" smtClean="0"/>
+              <a:rPr lang="he-IL" dirty="0"/>
               <a:t>בניית רשת נוירונים מבוססת סגמנטציה סמנטית לגילוי שינויים.</a:t>
             </a:r>
           </a:p>
@@ -10816,15 +16299,15 @@
               <a:buChar char="•"/>
             </a:pPr>
             <a:r>
-              <a:rPr lang="he-IL" dirty="0" smtClean="0"/>
+              <a:rPr lang="he-IL" dirty="0"/>
               <a:t>השוואת ביצועי המערכת למאמר המציג מימוש למטרה זו המבוסס </a:t>
             </a:r>
             <a:r>
-              <a:rPr lang="en-US" dirty="0" smtClean="0"/>
+              <a:rPr lang="en-US" dirty="0"/>
               <a:t>GAN</a:t>
             </a:r>
             <a:r>
-              <a:rPr lang="he-IL" dirty="0" smtClean="0"/>
+              <a:rPr lang="he-IL" dirty="0"/>
               <a:t>.</a:t>
             </a:r>
             <a:endParaRPr lang="en-US" dirty="0"/>
@@ -10839,7 +16322,7 @@
         </p:nvSpPr>
         <p:spPr>
           <a:xfrm>
-            <a:off x="1682751" y="2887579"/>
+            <a:off x="1682750" y="2624595"/>
             <a:ext cx="9821862" cy="1200329"/>
           </a:xfrm>
           <a:prstGeom prst="rect">
@@ -10855,7 +16338,7 @@
           <a:p>
             <a:pPr algn="r" rtl="1"/>
             <a:r>
-              <a:rPr lang="he-IL" dirty="0" smtClean="0"/>
+              <a:rPr lang="he-IL" b="1" dirty="0"/>
               <a:t>בסיס הנתונים:</a:t>
             </a:r>
           </a:p>
@@ -10865,23 +16348,23 @@
               <a:buChar char="•"/>
             </a:pPr>
             <a:r>
-              <a:rPr lang="he-IL" dirty="0" smtClean="0"/>
+              <a:rPr lang="he-IL" dirty="0"/>
               <a:t>13,000 צמדי תמונות לוויין בגודל 256</a:t>
             </a:r>
             <a:r>
-              <a:rPr lang="en-US" dirty="0" smtClean="0"/>
+              <a:rPr lang="en-US" dirty="0"/>
               <a:t>X</a:t>
             </a:r>
             <a:r>
-              <a:rPr lang="he-IL" dirty="0" smtClean="0"/>
+              <a:rPr lang="he-IL" dirty="0"/>
               <a:t>256 פיקסלים, ומפה בינרית המהווה את ה</a:t>
             </a:r>
             <a:r>
-              <a:rPr lang="en-US" dirty="0" smtClean="0"/>
+              <a:rPr lang="en-US" dirty="0"/>
               <a:t>ground truth</a:t>
             </a:r>
             <a:r>
-              <a:rPr lang="he-IL" dirty="0" smtClean="0"/>
+              <a:rPr lang="he-IL" dirty="0"/>
               <a:t>.</a:t>
             </a:r>
           </a:p>
@@ -10891,7 +16374,7 @@
               <a:buChar char="•"/>
             </a:pPr>
             <a:r>
-              <a:rPr lang="he-IL" dirty="0" smtClean="0"/>
+              <a:rPr lang="he-IL" dirty="0"/>
               <a:t>10,000 צמדי תמונות עבור בסיס האימון.</a:t>
             </a:r>
           </a:p>
@@ -10901,7 +16384,7 @@
               <a:buChar char="•"/>
             </a:pPr>
             <a:r>
-              <a:rPr lang="he-IL" dirty="0" smtClean="0"/>
+              <a:rPr lang="he-IL" dirty="0"/>
               <a:t>3,000 צמדי תמונות עבור בחינת המודל.</a:t>
             </a:r>
             <a:endParaRPr lang="en-US" dirty="0"/>
@@ -11021,7 +16504,7 @@
           <a:lstStyle/>
           <a:p>
             <a:r>
-              <a:rPr lang="he-IL" sz="2800" b="1" dirty="0" smtClean="0"/>
+              <a:rPr lang="he-IL" sz="2800" b="1" dirty="0"/>
               <a:t>+</a:t>
             </a:r>
             <a:endParaRPr lang="en-US" sz="2800" b="1" dirty="0"/>
@@ -11081,9 +16564,207 @@
   <p:timing>
     <p:tnLst>
       <p:par>
-        <p:cTn id="1" dur="indefinite" restart="never" nodeType="tmRoot"/>
+        <p:cTn id="1" dur="indefinite" restart="never" nodeType="tmRoot">
+          <p:childTnLst>
+            <p:seq concurrent="1" nextAc="seek">
+              <p:cTn id="2" dur="indefinite" nodeType="mainSeq">
+                <p:childTnLst>
+                  <p:par>
+                    <p:cTn id="3" fill="hold">
+                      <p:stCondLst>
+                        <p:cond delay="indefinite"/>
+                      </p:stCondLst>
+                      <p:childTnLst>
+                        <p:par>
+                          <p:cTn id="4" fill="hold">
+                            <p:stCondLst>
+                              <p:cond delay="0"/>
+                            </p:stCondLst>
+                            <p:childTnLst>
+                              <p:par>
+                                <p:cTn id="5" presetID="1" presetClass="entr" presetSubtype="0" fill="hold" nodeType="clickEffect">
+                                  <p:stCondLst>
+                                    <p:cond delay="0"/>
+                                  </p:stCondLst>
+                                  <p:childTnLst>
+                                    <p:set>
+                                      <p:cBhvr>
+                                        <p:cTn id="6" dur="1" fill="hold">
+                                          <p:stCondLst>
+                                            <p:cond delay="0"/>
+                                          </p:stCondLst>
+                                        </p:cTn>
+                                        <p:tgtEl>
+                                          <p:spTgt spid="6"/>
+                                        </p:tgtEl>
+                                        <p:attrNameLst>
+                                          <p:attrName>style.visibility</p:attrName>
+                                        </p:attrNameLst>
+                                      </p:cBhvr>
+                                      <p:to>
+                                        <p:strVal val="visible"/>
+                                      </p:to>
+                                    </p:set>
+                                  </p:childTnLst>
+                                </p:cTn>
+                              </p:par>
+                              <p:par>
+                                <p:cTn id="7" presetID="1" presetClass="entr" presetSubtype="0" fill="hold" nodeType="withEffect">
+                                  <p:stCondLst>
+                                    <p:cond delay="0"/>
+                                  </p:stCondLst>
+                                  <p:childTnLst>
+                                    <p:set>
+                                      <p:cBhvr>
+                                        <p:cTn id="8" dur="1" fill="hold">
+                                          <p:stCondLst>
+                                            <p:cond delay="0"/>
+                                          </p:stCondLst>
+                                        </p:cTn>
+                                        <p:tgtEl>
+                                          <p:spTgt spid="7"/>
+                                        </p:tgtEl>
+                                        <p:attrNameLst>
+                                          <p:attrName>style.visibility</p:attrName>
+                                        </p:attrNameLst>
+                                      </p:cBhvr>
+                                      <p:to>
+                                        <p:strVal val="visible"/>
+                                      </p:to>
+                                    </p:set>
+                                  </p:childTnLst>
+                                </p:cTn>
+                              </p:par>
+                              <p:par>
+                                <p:cTn id="9" presetID="1" presetClass="entr" presetSubtype="0" fill="hold" grpId="0" nodeType="withEffect">
+                                  <p:stCondLst>
+                                    <p:cond delay="0"/>
+                                  </p:stCondLst>
+                                  <p:childTnLst>
+                                    <p:set>
+                                      <p:cBhvr>
+                                        <p:cTn id="10" dur="1" fill="hold">
+                                          <p:stCondLst>
+                                            <p:cond delay="0"/>
+                                          </p:stCondLst>
+                                        </p:cTn>
+                                        <p:tgtEl>
+                                          <p:spTgt spid="10"/>
+                                        </p:tgtEl>
+                                        <p:attrNameLst>
+                                          <p:attrName>style.visibility</p:attrName>
+                                        </p:attrNameLst>
+                                      </p:cBhvr>
+                                      <p:to>
+                                        <p:strVal val="visible"/>
+                                      </p:to>
+                                    </p:set>
+                                  </p:childTnLst>
+                                </p:cTn>
+                              </p:par>
+                            </p:childTnLst>
+                          </p:cTn>
+                        </p:par>
+                      </p:childTnLst>
+                    </p:cTn>
+                  </p:par>
+                  <p:par>
+                    <p:cTn id="11" fill="hold">
+                      <p:stCondLst>
+                        <p:cond delay="indefinite"/>
+                      </p:stCondLst>
+                      <p:childTnLst>
+                        <p:par>
+                          <p:cTn id="12" fill="hold">
+                            <p:stCondLst>
+                              <p:cond delay="0"/>
+                            </p:stCondLst>
+                            <p:childTnLst>
+                              <p:par>
+                                <p:cTn id="13" presetID="1" presetClass="entr" presetSubtype="0" fill="hold" grpId="0" nodeType="clickEffect">
+                                  <p:stCondLst>
+                                    <p:cond delay="0"/>
+                                  </p:stCondLst>
+                                  <p:childTnLst>
+                                    <p:set>
+                                      <p:cBhvr>
+                                        <p:cTn id="14" dur="1" fill="hold">
+                                          <p:stCondLst>
+                                            <p:cond delay="0"/>
+                                          </p:stCondLst>
+                                        </p:cTn>
+                                        <p:tgtEl>
+                                          <p:spTgt spid="12"/>
+                                        </p:tgtEl>
+                                        <p:attrNameLst>
+                                          <p:attrName>style.visibility</p:attrName>
+                                        </p:attrNameLst>
+                                      </p:cBhvr>
+                                      <p:to>
+                                        <p:strVal val="visible"/>
+                                      </p:to>
+                                    </p:set>
+                                  </p:childTnLst>
+                                </p:cTn>
+                              </p:par>
+                              <p:par>
+                                <p:cTn id="15" presetID="1" presetClass="entr" presetSubtype="0" fill="hold" nodeType="withEffect">
+                                  <p:stCondLst>
+                                    <p:cond delay="0"/>
+                                  </p:stCondLst>
+                                  <p:childTnLst>
+                                    <p:set>
+                                      <p:cBhvr>
+                                        <p:cTn id="16" dur="1" fill="hold">
+                                          <p:stCondLst>
+                                            <p:cond delay="0"/>
+                                          </p:stCondLst>
+                                        </p:cTn>
+                                        <p:tgtEl>
+                                          <p:spTgt spid="9"/>
+                                        </p:tgtEl>
+                                        <p:attrNameLst>
+                                          <p:attrName>style.visibility</p:attrName>
+                                        </p:attrNameLst>
+                                      </p:cBhvr>
+                                      <p:to>
+                                        <p:strVal val="visible"/>
+                                      </p:to>
+                                    </p:set>
+                                  </p:childTnLst>
+                                </p:cTn>
+                              </p:par>
+                            </p:childTnLst>
+                          </p:cTn>
+                        </p:par>
+                      </p:childTnLst>
+                    </p:cTn>
+                  </p:par>
+                </p:childTnLst>
+              </p:cTn>
+              <p:prevCondLst>
+                <p:cond evt="onPrev" delay="0">
+                  <p:tgtEl>
+                    <p:sldTgt/>
+                  </p:tgtEl>
+                </p:cond>
+              </p:prevCondLst>
+              <p:nextCondLst>
+                <p:cond evt="onNext" delay="0">
+                  <p:tgtEl>
+                    <p:sldTgt/>
+                  </p:tgtEl>
+                </p:cond>
+              </p:nextCondLst>
+            </p:seq>
+          </p:childTnLst>
+        </p:cTn>
       </p:par>
     </p:tnLst>
+    <p:bldLst>
+      <p:bldP spid="10" grpId="0"/>
+      <p:bldP spid="12" grpId="0" animBg="1"/>
+    </p:bldLst>
   </p:timing>
 </p:sld>
 </file>
@@ -11120,28 +16801,236 @@
           <a:bodyPr/>
           <a:lstStyle/>
           <a:p>
-            <a:r>
-              <a:rPr lang="he-IL" dirty="0" smtClean="0"/>
-              <a:t>הצגת מערכת ה</a:t>
-            </a:r>
-            <a:r>
-              <a:rPr lang="en-US" dirty="0" smtClean="0"/>
+            <a:pPr algn="r" rtl="1"/>
+            <a:r>
+              <a:rPr lang="he-IL" dirty="0"/>
+              <a:t>הצגת מערכת ה- </a:t>
+            </a:r>
+            <a:r>
+              <a:rPr lang="en-US" dirty="0"/>
               <a:t>GAN</a:t>
             </a:r>
-            <a:endParaRPr lang="en-US" dirty="0"/>
           </a:p>
         </p:txBody>
       </p:sp>
+      <p:sp>
+        <p:nvSpPr>
+          <p:cNvPr id="3" name="TextBox 4">
+            <a:extLst>
+              <a:ext uri="{FF2B5EF4-FFF2-40B4-BE49-F238E27FC236}">
+                <a16:creationId xmlns:a16="http://schemas.microsoft.com/office/drawing/2014/main" id="{CED74609-1CAA-4941-8B0B-32255865F257}"/>
+              </a:ext>
+            </a:extLst>
+          </p:cNvPr>
+          <p:cNvSpPr txBox="1"/>
+          <p:nvPr/>
+        </p:nvSpPr>
+        <p:spPr>
+          <a:xfrm>
+            <a:off x="2729132" y="1369564"/>
+            <a:ext cx="8775480" cy="2585323"/>
+          </a:xfrm>
+          <a:prstGeom prst="rect">
+            <a:avLst/>
+          </a:prstGeom>
+          <a:noFill/>
+        </p:spPr>
+        <p:txBody>
+          <a:bodyPr wrap="square" rtlCol="0">
+            <a:spAutoFit/>
+          </a:bodyPr>
+          <a:lstStyle/>
+          <a:p>
+            <a:pPr marL="285750" indent="-285750" algn="r" rtl="1">
+              <a:buFont typeface="Arial" panose="020B0604020202020204" pitchFamily="34" charset="0"/>
+              <a:buChar char="•"/>
+            </a:pPr>
+            <a:r>
+              <a:rPr lang="he-IL" dirty="0"/>
+              <a:t>מורכב משני חלקים עיקריים: </a:t>
+            </a:r>
+            <a:r>
+              <a:rPr lang="en-US" dirty="0"/>
+              <a:t>Discriminator</a:t>
+            </a:r>
+            <a:r>
+              <a:rPr lang="he-IL" dirty="0"/>
+              <a:t> ו- </a:t>
+            </a:r>
+            <a:r>
+              <a:rPr lang="en-US" dirty="0"/>
+              <a:t>Generator</a:t>
+            </a:r>
+            <a:r>
+              <a:rPr lang="he-IL" dirty="0"/>
+              <a:t>.</a:t>
+            </a:r>
+          </a:p>
+          <a:p>
+            <a:pPr marL="285750" indent="-285750" algn="r" rtl="1">
+              <a:buFont typeface="Arial" panose="020B0604020202020204" pitchFamily="34" charset="0"/>
+              <a:buChar char="•"/>
+            </a:pPr>
+            <a:r>
+              <a:rPr lang="he-IL" dirty="0"/>
+              <a:t>ה-</a:t>
+            </a:r>
+            <a:r>
+              <a:rPr lang="en-US" dirty="0"/>
+              <a:t>Generator</a:t>
+            </a:r>
+            <a:r>
+              <a:rPr lang="he-IL" dirty="0"/>
+              <a:t> מקבל כקלט שתי תמונות ומהן מוציא מפה בינארית של השינויים.</a:t>
+            </a:r>
+          </a:p>
+          <a:p>
+            <a:pPr marL="285750" indent="-285750" algn="r" rtl="1">
+              <a:buFont typeface="Arial" panose="020B0604020202020204" pitchFamily="34" charset="0"/>
+              <a:buChar char="•"/>
+            </a:pPr>
+            <a:r>
+              <a:rPr lang="he-IL" dirty="0"/>
+              <a:t>ה- </a:t>
+            </a:r>
+            <a:r>
+              <a:rPr lang="en-US" dirty="0"/>
+              <a:t>Discriminator</a:t>
+            </a:r>
+            <a:r>
+              <a:rPr lang="he-IL" dirty="0"/>
+              <a:t> מקבל כקלט שלוש תמונות, שתיים לצורך ההשוואה ומפה בינארית אחת. מוציא מספר בתחום </a:t>
+            </a:r>
+            <a:r>
+              <a:rPr lang="en-US" dirty="0"/>
+              <a:t>[0, 1]</a:t>
+            </a:r>
+            <a:r>
+              <a:rPr lang="he-IL" dirty="0"/>
+              <a:t> שהוא ההסתברות שהמפה הבינארית "אמיתית".</a:t>
+            </a:r>
+          </a:p>
+          <a:p>
+            <a:pPr algn="r" rtl="1"/>
+            <a:endParaRPr lang="he-IL" b="1" dirty="0"/>
+          </a:p>
+          <a:p>
+            <a:pPr algn="r" rtl="1"/>
+            <a:r>
+              <a:rPr lang="he-IL" b="1" dirty="0"/>
+              <a:t>אימון ה- </a:t>
+            </a:r>
+            <a:r>
+              <a:rPr lang="en-US" b="1" dirty="0"/>
+              <a:t>Discriminator</a:t>
+            </a:r>
+            <a:r>
+              <a:rPr lang="he-IL" b="1" dirty="0"/>
+              <a:t> 						אימון ה- </a:t>
+            </a:r>
+            <a:r>
+              <a:rPr lang="en-US" b="1" dirty="0"/>
+              <a:t>Generator</a:t>
+            </a:r>
+          </a:p>
+          <a:p>
+            <a:pPr algn="r" rtl="1"/>
+            <a:r>
+              <a:rPr lang="he-IL" b="1" dirty="0"/>
+              <a:t>								</a:t>
+            </a:r>
+            <a:endParaRPr lang="en-US" b="1" dirty="0"/>
+          </a:p>
+          <a:p>
+            <a:pPr algn="r" rtl="1"/>
+            <a:endParaRPr lang="he-IL" dirty="0"/>
+          </a:p>
+          <a:p>
+            <a:pPr marL="285750" indent="-285750" algn="r" rtl="1">
+              <a:buFont typeface="Arial" panose="020B0604020202020204" pitchFamily="34" charset="0"/>
+              <a:buChar char="•"/>
+            </a:pPr>
+            <a:endParaRPr lang="en-US" dirty="0"/>
+          </a:p>
+        </p:txBody>
+      </p:sp>
+      <p:pic>
+        <p:nvPicPr>
+          <p:cNvPr id="6" name="תמונה 5" descr="תמונה שמכילה טקסט&#10;&#10;התיאור נוצר באופן אוטומטי">
+            <a:extLst>
+              <a:ext uri="{FF2B5EF4-FFF2-40B4-BE49-F238E27FC236}">
+                <a16:creationId xmlns:a16="http://schemas.microsoft.com/office/drawing/2014/main" id="{C1FCD9FC-0B75-4A4E-842B-5709742633BA}"/>
+              </a:ext>
+            </a:extLst>
+          </p:cNvPr>
+          <p:cNvPicPr>
+            <a:picLocks noChangeAspect="1"/>
+          </p:cNvPicPr>
+          <p:nvPr/>
+        </p:nvPicPr>
+        <p:blipFill>
+          <a:blip r:embed="rId2"/>
+          <a:stretch>
+            <a:fillRect/>
+          </a:stretch>
+        </p:blipFill>
+        <p:spPr>
+          <a:xfrm>
+            <a:off x="7962314" y="2987331"/>
+            <a:ext cx="4015154" cy="3870669"/>
+          </a:xfrm>
+          <a:prstGeom prst="rect">
+            <a:avLst/>
+          </a:prstGeom>
+        </p:spPr>
+      </p:pic>
+      <p:pic>
+        <p:nvPicPr>
+          <p:cNvPr id="8" name="תמונה 7" descr="תמונה שמכילה טקסט&#10;&#10;התיאור נוצר באופן אוטומטי">
+            <a:extLst>
+              <a:ext uri="{FF2B5EF4-FFF2-40B4-BE49-F238E27FC236}">
+                <a16:creationId xmlns:a16="http://schemas.microsoft.com/office/drawing/2014/main" id="{D9D9DB8E-7BC0-4B90-8122-8FBD66F2FE0C}"/>
+              </a:ext>
+            </a:extLst>
+          </p:cNvPr>
+          <p:cNvPicPr>
+            <a:picLocks noChangeAspect="1"/>
+          </p:cNvPicPr>
+          <p:nvPr/>
+        </p:nvPicPr>
+        <p:blipFill>
+          <a:blip r:embed="rId3"/>
+          <a:stretch>
+            <a:fillRect/>
+          </a:stretch>
+        </p:blipFill>
+        <p:spPr>
+          <a:xfrm>
+            <a:off x="1793631" y="2987331"/>
+            <a:ext cx="5217286" cy="3702590"/>
+          </a:xfrm>
+          <a:prstGeom prst="rect">
+            <a:avLst/>
+          </a:prstGeom>
+        </p:spPr>
+      </p:pic>
     </p:spTree>
     <p:extLst>
       <p:ext uri="{BB962C8B-B14F-4D97-AF65-F5344CB8AC3E}">
-        <p14:creationId xmlns:p14="http://schemas.microsoft.com/office/powerpoint/2010/main" val="1585204688"/>
+        <p14:creationId xmlns:p14="http://schemas.microsoft.com/office/powerpoint/2010/main" val="4291813135"/>
       </p:ext>
     </p:extLst>
   </p:cSld>
   <p:clrMapOvr>
     <a:masterClrMapping/>
   </p:clrMapOvr>
+  <p:timing>
+    <p:tnLst>
+      <p:par>
+        <p:cTn id="1" dur="indefinite" restart="never" nodeType="tmRoot"/>
+      </p:par>
+    </p:tnLst>
+  </p:timing>
 </p:sld>
 </file>
 
@@ -11184,8 +17073,8 @@
           <a:p>
             <a:pPr algn="r" rtl="1"/>
             <a:r>
-              <a:rPr lang="he-IL" dirty="0" smtClean="0"/>
-              <a:t>הצגת הארכיטקטורה</a:t>
+              <a:rPr lang="he-IL" dirty="0"/>
+              <a:t>הארכיטקטורה</a:t>
             </a:r>
             <a:endParaRPr lang="en-US" dirty="0"/>
           </a:p>
@@ -11199,8 +17088,8 @@
         </p:nvSpPr>
         <p:spPr>
           <a:xfrm>
-            <a:off x="3022349" y="1383632"/>
-            <a:ext cx="8482263" cy="2031325"/>
+            <a:off x="4543720" y="1383632"/>
+            <a:ext cx="6960892" cy="2031325"/>
           </a:xfrm>
           <a:prstGeom prst="rect">
             <a:avLst/>
@@ -11218,18 +17107,17 @@
               <a:buChar char="•"/>
             </a:pPr>
             <a:r>
-              <a:rPr lang="he-IL" dirty="0" smtClean="0"/>
+              <a:rPr lang="he-IL" dirty="0"/>
               <a:t>התבססנו על מערכת ה- </a:t>
             </a:r>
             <a:r>
-              <a:rPr lang="en-US" dirty="0" err="1" smtClean="0"/>
+              <a:rPr lang="en-US" dirty="0" err="1"/>
               <a:t>ERFNet</a:t>
             </a:r>
             <a:r>
-              <a:rPr lang="he-IL" dirty="0" smtClean="0"/>
+              <a:rPr lang="he-IL" dirty="0"/>
               <a:t> לסגמנטציה סמנטית.</a:t>
             </a:r>
-            <a:endParaRPr lang="he-IL" dirty="0"/>
           </a:p>
           <a:p>
             <a:pPr marL="285750" indent="-285750" algn="r" rtl="1">
@@ -11237,15 +17125,15 @@
               <a:buChar char="•"/>
             </a:pPr>
             <a:r>
-              <a:rPr lang="he-IL" dirty="0" smtClean="0"/>
+              <a:rPr lang="he-IL" dirty="0"/>
               <a:t> בנינו את המערכת כך שתתמוך בקבלה של שתי תמונות באמצעות מערכת </a:t>
             </a:r>
             <a:r>
-              <a:rPr lang="he-IL" dirty="0" err="1" smtClean="0"/>
+              <a:rPr lang="he-IL" dirty="0" err="1"/>
               <a:t>סייאמית</a:t>
             </a:r>
             <a:r>
-              <a:rPr lang="he-IL" dirty="0" smtClean="0"/>
+              <a:rPr lang="he-IL" dirty="0"/>
               <a:t>- המשקולות משותפות לשתי התמונות.</a:t>
             </a:r>
           </a:p>
@@ -11255,43 +17143,39 @@
               <a:buChar char="•"/>
             </a:pPr>
             <a:r>
-              <a:rPr lang="he-IL" dirty="0" smtClean="0"/>
+              <a:rPr lang="he-IL" dirty="0"/>
               <a:t>לפני ה</a:t>
             </a:r>
             <a:r>
-              <a:rPr lang="en-US" dirty="0" smtClean="0"/>
+              <a:rPr lang="en-US" dirty="0"/>
               <a:t>decoder</a:t>
             </a:r>
             <a:r>
-              <a:rPr lang="he-IL" dirty="0" smtClean="0"/>
+              <a:rPr lang="he-IL" dirty="0"/>
               <a:t> התמונות משורשרות </a:t>
             </a:r>
             <a:r>
-              <a:rPr lang="he-IL" dirty="0" err="1" smtClean="0"/>
+              <a:rPr lang="he-IL" dirty="0" err="1"/>
               <a:t>במימד</a:t>
             </a:r>
             <a:r>
-              <a:rPr lang="he-IL" dirty="0" smtClean="0"/>
+              <a:rPr lang="he-IL" dirty="0"/>
               <a:t> ה</a:t>
             </a:r>
             <a:r>
-              <a:rPr lang="en-US" dirty="0" smtClean="0"/>
+              <a:rPr lang="en-US" dirty="0"/>
               <a:t>channels</a:t>
             </a:r>
             <a:r>
               <a:rPr lang="he-IL" dirty="0"/>
-              <a:t> </a:t>
-            </a:r>
-            <a:r>
-              <a:rPr lang="he-IL" dirty="0" smtClean="0"/>
-              <a:t>וממשיכות ל</a:t>
-            </a:r>
-            <a:r>
-              <a:rPr lang="en-US" dirty="0" smtClean="0"/>
+              <a:t> וממשיכות ל</a:t>
+            </a:r>
+            <a:r>
+              <a:rPr lang="en-US" dirty="0"/>
               <a:t>decoder</a:t>
             </a:r>
             <a:r>
-              <a:rPr lang="he-IL" dirty="0" smtClean="0"/>
+              <a:rPr lang="he-IL" dirty="0"/>
               <a:t> כיחידה אחת.</a:t>
             </a:r>
           </a:p>
@@ -11301,10 +17185,9 @@
               <a:buChar char="•"/>
             </a:pPr>
             <a:r>
-              <a:rPr lang="he-IL" dirty="0" smtClean="0"/>
+              <a:rPr lang="he-IL" dirty="0"/>
               <a:t>הפלט הינו תמונה בינארית של השינויים.</a:t>
             </a:r>
-            <a:endParaRPr lang="he-IL" dirty="0"/>
           </a:p>
           <a:p>
             <a:pPr marL="285750" indent="-285750" algn="r" rtl="1">
@@ -11337,8 +17220,8 @@
         </p:blipFill>
         <p:spPr>
           <a:xfrm>
-            <a:off x="576133" y="2284541"/>
-            <a:ext cx="7184236" cy="4235728"/>
+            <a:off x="887218" y="1761570"/>
+            <a:ext cx="8435892" cy="4973688"/>
           </a:xfrm>
           <a:prstGeom prst="rect">
             <a:avLst/>
@@ -11392,15 +17275,37 @@
             <p:ph type="title"/>
           </p:nvPr>
         </p:nvSpPr>
-        <p:spPr/>
+        <p:spPr>
+          <a:xfrm>
+            <a:off x="9452231" y="255308"/>
+            <a:ext cx="2363466" cy="1280890"/>
+          </a:xfrm>
+        </p:spPr>
         <p:txBody>
-          <a:bodyPr/>
+          <a:bodyPr>
+            <a:normAutofit fontScale="90000"/>
+          </a:bodyPr>
           <a:lstStyle/>
           <a:p>
             <a:pPr algn="r" rtl="1"/>
             <a:r>
-              <a:rPr lang="he-IL" dirty="0" smtClean="0"/>
-              <a:t>תוצאות- דוגמא לתמונה</a:t>
+              <a:rPr lang="he-IL" dirty="0"/>
+              <a:t>תוצאות</a:t>
+            </a:r>
+            <a:r>
+              <a:rPr lang="en-US" dirty="0"/>
+              <a:t> </a:t>
+            </a:r>
+            <a:r>
+              <a:rPr lang="he-IL" dirty="0"/>
+              <a:t> המערכת</a:t>
+            </a:r>
+            <a:br>
+              <a:rPr lang="he-IL" dirty="0"/>
+            </a:br>
+            <a:r>
+              <a:rPr lang="he-IL" dirty="0"/>
+              <a:t> </a:t>
             </a:r>
             <a:endParaRPr lang="en-US" dirty="0"/>
           </a:p>
@@ -11428,8 +17333,8 @@
         </p:blipFill>
         <p:spPr>
           <a:xfrm>
-            <a:off x="393033" y="3807995"/>
-            <a:ext cx="3048000" cy="2438400"/>
+            <a:off x="3373206" y="3553061"/>
+            <a:ext cx="2775845" cy="2775843"/>
           </a:xfrm>
           <a:prstGeom prst="rect">
             <a:avLst/>
@@ -11458,8 +17363,8 @@
         </p:blipFill>
         <p:spPr>
           <a:xfrm>
-            <a:off x="4142874" y="3533274"/>
-            <a:ext cx="2438400" cy="2438400"/>
+            <a:off x="6484847" y="3553061"/>
+            <a:ext cx="2775843" cy="2775843"/>
           </a:xfrm>
           <a:prstGeom prst="rect">
             <a:avLst/>
@@ -11488,8 +17393,8 @@
         </p:blipFill>
         <p:spPr>
           <a:xfrm>
-            <a:off x="523435" y="108758"/>
-            <a:ext cx="2917598" cy="2917598"/>
+            <a:off x="3426259" y="325575"/>
+            <a:ext cx="2669741" cy="2669741"/>
           </a:xfrm>
           <a:prstGeom prst="rect">
             <a:avLst/>
@@ -11518,14 +17423,86 @@
         </p:blipFill>
         <p:spPr>
           <a:xfrm>
-            <a:off x="3855120" y="172453"/>
-            <a:ext cx="3013909" cy="3013909"/>
+            <a:off x="6536061" y="344429"/>
+            <a:ext cx="2669742" cy="2669742"/>
           </a:xfrm>
           <a:prstGeom prst="rect">
             <a:avLst/>
           </a:prstGeom>
         </p:spPr>
       </p:pic>
+      <p:sp>
+        <p:nvSpPr>
+          <p:cNvPr id="3" name="TextBox 2">
+            <a:extLst>
+              <a:ext uri="{FF2B5EF4-FFF2-40B4-BE49-F238E27FC236}">
+                <a16:creationId xmlns:a16="http://schemas.microsoft.com/office/drawing/2014/main" id="{19370B67-527A-4B10-9672-F4A029763289}"/>
+              </a:ext>
+            </a:extLst>
+          </p:cNvPr>
+          <p:cNvSpPr txBox="1"/>
+          <p:nvPr/>
+        </p:nvSpPr>
+        <p:spPr>
+          <a:xfrm>
+            <a:off x="6932965" y="6328904"/>
+            <a:ext cx="1875934" cy="369332"/>
+          </a:xfrm>
+          <a:prstGeom prst="rect">
+            <a:avLst/>
+          </a:prstGeom>
+          <a:noFill/>
+        </p:spPr>
+        <p:txBody>
+          <a:bodyPr wrap="square" rtlCol="0">
+            <a:spAutoFit/>
+          </a:bodyPr>
+          <a:lstStyle/>
+          <a:p>
+            <a:r>
+              <a:rPr lang="en-US" dirty="0"/>
+              <a:t>Ground truth</a:t>
+            </a:r>
+            <a:endParaRPr lang="LID4096" dirty="0"/>
+          </a:p>
+        </p:txBody>
+      </p:sp>
+      <p:sp>
+        <p:nvSpPr>
+          <p:cNvPr id="8" name="TextBox 7">
+            <a:extLst>
+              <a:ext uri="{FF2B5EF4-FFF2-40B4-BE49-F238E27FC236}">
+                <a16:creationId xmlns:a16="http://schemas.microsoft.com/office/drawing/2014/main" id="{DFF5D76D-C5F9-4706-B9EF-1EDC17C44DA5}"/>
+              </a:ext>
+            </a:extLst>
+          </p:cNvPr>
+          <p:cNvSpPr txBox="1"/>
+          <p:nvPr/>
+        </p:nvSpPr>
+        <p:spPr>
+          <a:xfrm>
+            <a:off x="4002800" y="6328904"/>
+            <a:ext cx="1875934" cy="369332"/>
+          </a:xfrm>
+          <a:prstGeom prst="rect">
+            <a:avLst/>
+          </a:prstGeom>
+          <a:noFill/>
+        </p:spPr>
+        <p:txBody>
+          <a:bodyPr wrap="square" rtlCol="0">
+            <a:spAutoFit/>
+          </a:bodyPr>
+          <a:lstStyle/>
+          <a:p>
+            <a:r>
+              <a:rPr lang="he-IL" dirty="0"/>
+              <a:t>תוצאת המערכת</a:t>
+            </a:r>
+            <a:endParaRPr lang="LID4096" dirty="0"/>
+          </a:p>
+        </p:txBody>
+      </p:sp>
     </p:spTree>
     <p:extLst>
       <p:ext uri="{BB962C8B-B14F-4D97-AF65-F5344CB8AC3E}">
@@ -11539,9 +17516,252 @@
   <p:timing>
     <p:tnLst>
       <p:par>
-        <p:cTn id="1" dur="indefinite" restart="never" nodeType="tmRoot"/>
+        <p:cTn id="1" dur="indefinite" restart="never" nodeType="tmRoot">
+          <p:childTnLst>
+            <p:seq concurrent="1" nextAc="seek">
+              <p:cTn id="2" dur="indefinite" nodeType="mainSeq">
+                <p:childTnLst>
+                  <p:par>
+                    <p:cTn id="3" fill="hold">
+                      <p:stCondLst>
+                        <p:cond delay="indefinite"/>
+                      </p:stCondLst>
+                      <p:childTnLst>
+                        <p:par>
+                          <p:cTn id="4" fill="hold">
+                            <p:stCondLst>
+                              <p:cond delay="0"/>
+                            </p:stCondLst>
+                            <p:childTnLst>
+                              <p:par>
+                                <p:cTn id="5" presetID="1" presetClass="entr" presetSubtype="0" fill="hold" nodeType="clickEffect">
+                                  <p:stCondLst>
+                                    <p:cond delay="0"/>
+                                  </p:stCondLst>
+                                  <p:childTnLst>
+                                    <p:set>
+                                      <p:cBhvr>
+                                        <p:cTn id="6" dur="1" fill="hold">
+                                          <p:stCondLst>
+                                            <p:cond delay="0"/>
+                                          </p:stCondLst>
+                                        </p:cTn>
+                                        <p:tgtEl>
+                                          <p:spTgt spid="10"/>
+                                        </p:tgtEl>
+                                        <p:attrNameLst>
+                                          <p:attrName>style.visibility</p:attrName>
+                                        </p:attrNameLst>
+                                      </p:cBhvr>
+                                      <p:to>
+                                        <p:strVal val="visible"/>
+                                      </p:to>
+                                    </p:set>
+                                  </p:childTnLst>
+                                </p:cTn>
+                              </p:par>
+                              <p:par>
+                                <p:cTn id="7" presetID="1" presetClass="entr" presetSubtype="0" fill="hold" nodeType="withEffect">
+                                  <p:stCondLst>
+                                    <p:cond delay="0"/>
+                                  </p:stCondLst>
+                                  <p:childTnLst>
+                                    <p:set>
+                                      <p:cBhvr>
+                                        <p:cTn id="8" dur="1" fill="hold">
+                                          <p:stCondLst>
+                                            <p:cond delay="0"/>
+                                          </p:stCondLst>
+                                        </p:cTn>
+                                        <p:tgtEl>
+                                          <p:spTgt spid="11"/>
+                                        </p:tgtEl>
+                                        <p:attrNameLst>
+                                          <p:attrName>style.visibility</p:attrName>
+                                        </p:attrNameLst>
+                                      </p:cBhvr>
+                                      <p:to>
+                                        <p:strVal val="visible"/>
+                                      </p:to>
+                                    </p:set>
+                                  </p:childTnLst>
+                                </p:cTn>
+                              </p:par>
+                            </p:childTnLst>
+                          </p:cTn>
+                        </p:par>
+                      </p:childTnLst>
+                    </p:cTn>
+                  </p:par>
+                  <p:par>
+                    <p:cTn id="9" fill="hold">
+                      <p:stCondLst>
+                        <p:cond delay="indefinite"/>
+                      </p:stCondLst>
+                      <p:childTnLst>
+                        <p:par>
+                          <p:cTn id="10" fill="hold">
+                            <p:stCondLst>
+                              <p:cond delay="0"/>
+                            </p:stCondLst>
+                            <p:childTnLst>
+                              <p:par>
+                                <p:cTn id="11" presetID="1" presetClass="entr" presetSubtype="0" fill="hold" nodeType="clickEffect">
+                                  <p:stCondLst>
+                                    <p:cond delay="0"/>
+                                  </p:stCondLst>
+                                  <p:childTnLst>
+                                    <p:set>
+                                      <p:cBhvr>
+                                        <p:cTn id="12" dur="1" fill="hold">
+                                          <p:stCondLst>
+                                            <p:cond delay="0"/>
+                                          </p:stCondLst>
+                                        </p:cTn>
+                                        <p:tgtEl>
+                                          <p:spTgt spid="5"/>
+                                        </p:tgtEl>
+                                        <p:attrNameLst>
+                                          <p:attrName>style.visibility</p:attrName>
+                                        </p:attrNameLst>
+                                      </p:cBhvr>
+                                      <p:to>
+                                        <p:strVal val="visible"/>
+                                      </p:to>
+                                    </p:set>
+                                  </p:childTnLst>
+                                </p:cTn>
+                              </p:par>
+                              <p:par>
+                                <p:cTn id="13" presetID="1" presetClass="entr" presetSubtype="0" fill="hold" grpId="0" nodeType="withEffect">
+                                  <p:stCondLst>
+                                    <p:cond delay="0"/>
+                                  </p:stCondLst>
+                                  <p:childTnLst>
+                                    <p:set>
+                                      <p:cBhvr>
+                                        <p:cTn id="14" dur="1" fill="hold">
+                                          <p:stCondLst>
+                                            <p:cond delay="0"/>
+                                          </p:stCondLst>
+                                        </p:cTn>
+                                        <p:tgtEl>
+                                          <p:spTgt spid="3"/>
+                                        </p:tgtEl>
+                                        <p:attrNameLst>
+                                          <p:attrName>style.visibility</p:attrName>
+                                        </p:attrNameLst>
+                                      </p:cBhvr>
+                                      <p:to>
+                                        <p:strVal val="visible"/>
+                                      </p:to>
+                                    </p:set>
+                                  </p:childTnLst>
+                                </p:cTn>
+                              </p:par>
+                            </p:childTnLst>
+                          </p:cTn>
+                        </p:par>
+                      </p:childTnLst>
+                    </p:cTn>
+                  </p:par>
+                  <p:par>
+                    <p:cTn id="15" fill="hold">
+                      <p:stCondLst>
+                        <p:cond delay="indefinite"/>
+                      </p:stCondLst>
+                      <p:childTnLst>
+                        <p:par>
+                          <p:cTn id="16" fill="hold">
+                            <p:stCondLst>
+                              <p:cond delay="0"/>
+                            </p:stCondLst>
+                            <p:childTnLst>
+                              <p:par>
+                                <p:cTn id="17" presetID="1" presetClass="entr" presetSubtype="0" fill="hold" nodeType="clickEffect">
+                                  <p:stCondLst>
+                                    <p:cond delay="0"/>
+                                  </p:stCondLst>
+                                  <p:childTnLst>
+                                    <p:set>
+                                      <p:cBhvr>
+                                        <p:cTn id="18" dur="1" fill="hold">
+                                          <p:stCondLst>
+                                            <p:cond delay="0"/>
+                                          </p:stCondLst>
+                                        </p:cTn>
+                                        <p:tgtEl>
+                                          <p:spTgt spid="4"/>
+                                        </p:tgtEl>
+                                        <p:attrNameLst>
+                                          <p:attrName>style.visibility</p:attrName>
+                                        </p:attrNameLst>
+                                      </p:cBhvr>
+                                      <p:to>
+                                        <p:strVal val="visible"/>
+                                      </p:to>
+                                    </p:set>
+                                  </p:childTnLst>
+                                </p:cTn>
+                              </p:par>
+                              <p:par>
+                                <p:cTn id="19" presetID="1" presetClass="entr" presetSubtype="0" fill="hold" grpId="0" nodeType="withEffect">
+                                  <p:stCondLst>
+                                    <p:cond delay="0"/>
+                                  </p:stCondLst>
+                                  <p:childTnLst>
+                                    <p:set>
+                                      <p:cBhvr>
+                                        <p:cTn id="20" dur="1" fill="hold">
+                                          <p:stCondLst>
+                                            <p:cond delay="0"/>
+                                          </p:stCondLst>
+                                        </p:cTn>
+                                        <p:tgtEl>
+                                          <p:spTgt spid="8"/>
+                                        </p:tgtEl>
+                                        <p:attrNameLst>
+                                          <p:attrName>style.visibility</p:attrName>
+                                        </p:attrNameLst>
+                                      </p:cBhvr>
+                                      <p:to>
+                                        <p:strVal val="visible"/>
+                                      </p:to>
+                                    </p:set>
+                                  </p:childTnLst>
+                                </p:cTn>
+                              </p:par>
+                            </p:childTnLst>
+                          </p:cTn>
+                        </p:par>
+                      </p:childTnLst>
+                    </p:cTn>
+                  </p:par>
+                </p:childTnLst>
+              </p:cTn>
+              <p:prevCondLst>
+                <p:cond evt="onPrev" delay="0">
+                  <p:tgtEl>
+                    <p:sldTgt/>
+                  </p:tgtEl>
+                </p:cond>
+              </p:prevCondLst>
+              <p:nextCondLst>
+                <p:cond evt="onNext" delay="0">
+                  <p:tgtEl>
+                    <p:sldTgt/>
+                  </p:tgtEl>
+                </p:cond>
+              </p:nextCondLst>
+            </p:seq>
+          </p:childTnLst>
+        </p:cTn>
       </p:par>
     </p:tnLst>
+    <p:bldLst>
+      <p:bldP spid="3" grpId="0"/>
+      <p:bldP spid="8" grpId="0"/>
+    </p:bldLst>
   </p:timing>
 </p:sld>
 </file>
@@ -11585,14 +17805,13 @@
           <a:p>
             <a:pPr algn="r" rtl="1"/>
             <a:r>
-              <a:rPr lang="he-IL" dirty="0" smtClean="0"/>
-              <a:t>בחינת המודל- על פי מדדי </a:t>
-            </a:r>
-            <a:r>
-              <a:rPr lang="en-US" dirty="0" smtClean="0"/>
+              <a:rPr lang="he-IL" dirty="0"/>
+              <a:t>בחינת המודל על פי מדדי </a:t>
+            </a:r>
+            <a:r>
+              <a:rPr lang="en-US" dirty="0"/>
               <a:t>Precision, Recall</a:t>
             </a:r>
-            <a:endParaRPr lang="en-US" dirty="0"/>
           </a:p>
         </p:txBody>
       </p:sp>
@@ -11936,10 +18155,9 @@
           <a:lstStyle/>
           <a:p>
             <a:r>
-              <a:rPr lang="en-US" dirty="0" smtClean="0"/>
+              <a:rPr lang="en-US" dirty="0"/>
               <a:t>Connected Components.</a:t>
             </a:r>
-            <a:endParaRPr lang="en-US" dirty="0"/>
           </a:p>
         </p:txBody>
       </p:sp>
@@ -11966,16 +18184,15 @@
           <a:lstStyle/>
           <a:p>
             <a:r>
-              <a:rPr lang="en-US" dirty="0" smtClean="0"/>
+              <a:rPr lang="en-US" dirty="0"/>
               <a:t>Define tight square.</a:t>
             </a:r>
           </a:p>
           <a:p>
             <a:r>
-              <a:rPr lang="en-US" dirty="0" smtClean="0"/>
+              <a:rPr lang="en-US" dirty="0"/>
               <a:t>merge overlapping squares.</a:t>
             </a:r>
-            <a:endParaRPr lang="en-US" dirty="0"/>
           </a:p>
         </p:txBody>
       </p:sp>
@@ -12467,7 +18684,12 @@
             <p:ph type="title"/>
           </p:nvPr>
         </p:nvSpPr>
-        <p:spPr/>
+        <p:spPr>
+          <a:xfrm>
+            <a:off x="6576647" y="341601"/>
+            <a:ext cx="5051058" cy="793272"/>
+          </a:xfrm>
+        </p:spPr>
         <p:txBody>
           <a:bodyPr/>
           <a:lstStyle/>
@@ -12475,13 +18697,16 @@
             <a:pPr algn="r" rtl="1"/>
             <a:r>
               <a:rPr lang="he-IL" dirty="0" smtClean="0"/>
-              <a:t>השוואה ל</a:t>
-            </a:r>
-            <a:r>
-              <a:rPr lang="en-US" dirty="0" smtClean="0"/>
+              <a:t>תוצאות- השוואה </a:t>
+            </a:r>
+            <a:r>
+              <a:rPr lang="he-IL" dirty="0"/>
+              <a:t>ל</a:t>
+            </a:r>
+            <a:r>
+              <a:rPr lang="en-US" dirty="0"/>
               <a:t>GAN</a:t>
             </a:r>
-            <a:endParaRPr lang="en-US" dirty="0"/>
           </a:p>
         </p:txBody>
       </p:sp>
@@ -12556,15 +18781,15 @@
               <a:buChar char="•"/>
             </a:pPr>
             <a:r>
-              <a:rPr lang="he-IL" dirty="0" smtClean="0"/>
+              <a:rPr lang="he-IL" dirty="0"/>
               <a:t>מדד ה</a:t>
             </a:r>
             <a:r>
-              <a:rPr lang="en-US" dirty="0" smtClean="0"/>
+              <a:rPr lang="en-US" dirty="0"/>
               <a:t>Recall</a:t>
             </a:r>
             <a:r>
-              <a:rPr lang="he-IL" dirty="0" smtClean="0"/>
+              <a:rPr lang="he-IL" dirty="0"/>
               <a:t> מתאר כמה שינויים גילתה המערכת מתוך כל השינויים הקיימים.</a:t>
             </a:r>
           </a:p>
@@ -12574,23 +18799,23 @@
               <a:buChar char="•"/>
             </a:pPr>
             <a:r>
-              <a:rPr lang="he-IL" dirty="0" smtClean="0"/>
+              <a:rPr lang="he-IL" dirty="0"/>
               <a:t>מדד ה</a:t>
             </a:r>
             <a:r>
-              <a:rPr lang="en-US" dirty="0" smtClean="0"/>
+              <a:rPr lang="en-US" dirty="0"/>
               <a:t>Precision</a:t>
             </a:r>
             <a:r>
-              <a:rPr lang="he-IL" dirty="0" smtClean="0"/>
+              <a:rPr lang="he-IL" dirty="0"/>
               <a:t> מתאר כמה מתוך השינויים שגילתה המערכת הינם </a:t>
             </a:r>
             <a:r>
-              <a:rPr lang="he-IL" dirty="0" err="1" smtClean="0"/>
+              <a:rPr lang="he-IL" dirty="0" err="1"/>
               <a:t>רלוונטים</a:t>
             </a:r>
             <a:r>
-              <a:rPr lang="he-IL" dirty="0" smtClean="0"/>
+              <a:rPr lang="he-IL" dirty="0"/>
               <a:t>.</a:t>
             </a:r>
           </a:p>
@@ -12600,23 +18825,23 @@
               <a:buChar char="•"/>
             </a:pPr>
             <a:r>
-              <a:rPr lang="he-IL" dirty="0" smtClean="0"/>
+              <a:rPr lang="he-IL" dirty="0"/>
               <a:t>במדד ה</a:t>
             </a:r>
             <a:r>
-              <a:rPr lang="en-US" dirty="0" smtClean="0"/>
+              <a:rPr lang="en-US" dirty="0"/>
               <a:t>Recall</a:t>
             </a:r>
             <a:r>
-              <a:rPr lang="he-IL" dirty="0" smtClean="0"/>
+              <a:rPr lang="he-IL" dirty="0"/>
               <a:t> התקבלנו ביצועים טובים יותר ביחס למערכת ה</a:t>
             </a:r>
             <a:r>
-              <a:rPr lang="en-US" dirty="0" smtClean="0"/>
+              <a:rPr lang="en-US" dirty="0"/>
               <a:t>GAN</a:t>
             </a:r>
             <a:r>
-              <a:rPr lang="he-IL" dirty="0" smtClean="0"/>
+              <a:rPr lang="he-IL" dirty="0"/>
               <a:t>.</a:t>
             </a:r>
           </a:p>
@@ -12626,27 +18851,23 @@
               <a:buChar char="•"/>
             </a:pPr>
             <a:r>
-              <a:rPr lang="he-IL" dirty="0" smtClean="0"/>
+              <a:rPr lang="he-IL" dirty="0"/>
               <a:t>במדד ה</a:t>
             </a:r>
             <a:r>
-              <a:rPr lang="en-US" dirty="0" smtClean="0"/>
+              <a:rPr lang="en-US" dirty="0"/>
               <a:t>Precision</a:t>
             </a:r>
             <a:r>
               <a:rPr lang="he-IL" dirty="0"/>
-              <a:t> </a:t>
-            </a:r>
-            <a:r>
-              <a:rPr lang="he-IL" dirty="0" smtClean="0"/>
-              <a:t>התקבלנו ביצועים נמוכים מעט ממערכת ה</a:t>
-            </a:r>
-            <a:r>
-              <a:rPr lang="en-US" dirty="0" smtClean="0"/>
+              <a:t> התקבלנו ביצועים נמוכים מעט ממערכת ה</a:t>
+            </a:r>
+            <a:r>
+              <a:rPr lang="en-US" dirty="0"/>
               <a:t>GAN</a:t>
             </a:r>
             <a:r>
-              <a:rPr lang="he-IL" dirty="0" smtClean="0"/>
+              <a:rPr lang="he-IL" dirty="0"/>
               <a:t>.</a:t>
             </a:r>
             <a:endParaRPr lang="en-US" dirty="0"/>
@@ -12765,7 +18986,7 @@
           <a:p>
             <a:pPr algn="r" rtl="1"/>
             <a:r>
-              <a:rPr lang="he-IL" dirty="0" smtClean="0"/>
+              <a:rPr lang="he-IL" dirty="0"/>
               <a:t>חלק ב מטרה בסיס נתונים</a:t>
             </a:r>
             <a:endParaRPr lang="en-US" dirty="0"/>
@@ -12781,7 +19002,7 @@
         <p:spPr>
           <a:xfrm>
             <a:off x="3022349" y="1464845"/>
-            <a:ext cx="8482263" cy="1477328"/>
+            <a:ext cx="8482263" cy="1631216"/>
           </a:xfrm>
           <a:prstGeom prst="rect">
             <a:avLst/>
@@ -12796,7 +19017,7 @@
           <a:p>
             <a:pPr algn="r" rtl="1"/>
             <a:r>
-              <a:rPr lang="he-IL" dirty="0" smtClean="0"/>
+              <a:rPr lang="he-IL" sz="2000" b="1" dirty="0"/>
               <a:t>מטרה:</a:t>
             </a:r>
           </a:p>
@@ -12806,15 +19027,15 @@
               <a:buChar char="•"/>
             </a:pPr>
             <a:r>
-              <a:rPr lang="he-IL" dirty="0" smtClean="0"/>
+              <a:rPr lang="he-IL" sz="2000" dirty="0"/>
               <a:t>הפשטה של תהליך בניית בסיס הנתונים, בכך שלא יהיה צורך בייצור מפות השינויים הבינאריות המהוות את ה</a:t>
             </a:r>
             <a:r>
-              <a:rPr lang="en-US" dirty="0" smtClean="0"/>
+              <a:rPr lang="en-US" sz="2000" dirty="0"/>
               <a:t>ground truth</a:t>
             </a:r>
             <a:r>
-              <a:rPr lang="he-IL" dirty="0" smtClean="0"/>
+              <a:rPr lang="he-IL" sz="2000" dirty="0"/>
               <a:t> בחלק א.</a:t>
             </a:r>
           </a:p>
@@ -12824,23 +19045,15 @@
               <a:buChar char="•"/>
             </a:pPr>
             <a:r>
-              <a:rPr lang="he-IL" dirty="0" smtClean="0"/>
+              <a:rPr lang="he-IL" sz="2000" dirty="0"/>
               <a:t>בניית מסווג, ושימוש ב</a:t>
             </a:r>
             <a:r>
-              <a:rPr lang="en-US" dirty="0" smtClean="0"/>
-              <a:t>Global Aver</a:t>
-            </a:r>
-            <a:r>
-              <a:rPr lang="en-US" dirty="0"/>
-              <a:t>a</a:t>
-            </a:r>
-            <a:r>
-              <a:rPr lang="en-US" dirty="0" smtClean="0"/>
-              <a:t>ge Pooling</a:t>
-            </a:r>
-            <a:r>
-              <a:rPr lang="he-IL" dirty="0" smtClean="0"/>
+              <a:rPr lang="en-US" sz="2000" dirty="0"/>
+              <a:t>Global Average Pooling</a:t>
+            </a:r>
+            <a:r>
+              <a:rPr lang="he-IL" sz="2000" dirty="0"/>
               <a:t> על מנת לקבל את מיקומם של השינויים.</a:t>
             </a:r>
           </a:p>
@@ -12854,8 +19067,8 @@
         </p:nvSpPr>
         <p:spPr>
           <a:xfrm>
-            <a:off x="3194265" y="3227923"/>
-            <a:ext cx="8482263" cy="2031325"/>
+            <a:off x="3184838" y="3429000"/>
+            <a:ext cx="8482263" cy="2246769"/>
           </a:xfrm>
           <a:prstGeom prst="rect">
             <a:avLst/>
@@ -12870,7 +19083,7 @@
           <a:p>
             <a:pPr algn="r" rtl="1"/>
             <a:r>
-              <a:rPr lang="he-IL" dirty="0" smtClean="0"/>
+              <a:rPr lang="he-IL" sz="2000" b="1" dirty="0"/>
               <a:t>בסיס הנתונים:</a:t>
             </a:r>
           </a:p>
@@ -12880,11 +19093,11 @@
               <a:buChar char="•"/>
             </a:pPr>
             <a:r>
-              <a:rPr lang="en-US" dirty="0" smtClean="0"/>
+              <a:rPr lang="en-US" sz="2000" dirty="0"/>
               <a:t>81,000</a:t>
             </a:r>
             <a:r>
-              <a:rPr lang="he-IL" dirty="0" smtClean="0"/>
+              <a:rPr lang="he-IL" sz="2000" dirty="0"/>
               <a:t> צמדי תמונות לוויין, ותווית בינארית שמתארת אם היה שינוי.</a:t>
             </a:r>
           </a:p>
@@ -12894,20 +19107,12 @@
               <a:buChar char="•"/>
             </a:pPr>
             <a:r>
-              <a:rPr lang="en-US" dirty="0" smtClean="0"/>
+              <a:rPr lang="en-US" sz="2000" dirty="0"/>
               <a:t>80,000</a:t>
             </a:r>
             <a:r>
-              <a:rPr lang="he-IL" dirty="0" smtClean="0"/>
-              <a:t> </a:t>
-            </a:r>
-            <a:r>
-              <a:rPr lang="he-IL" dirty="0"/>
-              <a:t>צמדי תמונות עבור בסיס האימון</a:t>
-            </a:r>
-            <a:r>
-              <a:rPr lang="he-IL" dirty="0" smtClean="0"/>
-              <a:t>.</a:t>
+              <a:rPr lang="he-IL" sz="2000" dirty="0"/>
+              <a:t> צמדי תמונות עבור בסיס האימון.</a:t>
             </a:r>
           </a:p>
           <a:p>
@@ -12916,20 +19121,12 @@
               <a:buChar char="•"/>
             </a:pPr>
             <a:r>
-              <a:rPr lang="en-US" dirty="0" smtClean="0"/>
+              <a:rPr lang="en-US" sz="2000" dirty="0"/>
               <a:t>1,000</a:t>
             </a:r>
             <a:r>
-              <a:rPr lang="he-IL" dirty="0" smtClean="0"/>
-              <a:t> </a:t>
-            </a:r>
-            <a:r>
-              <a:rPr lang="he-IL" dirty="0"/>
-              <a:t>צמדי תמונות עבור בחינת </a:t>
-            </a:r>
-            <a:r>
-              <a:rPr lang="he-IL" dirty="0" smtClean="0"/>
-              <a:t>המודל.</a:t>
+              <a:rPr lang="he-IL" sz="2000" dirty="0"/>
+              <a:t> צמדי תמונות עבור בחינת המודל.</a:t>
             </a:r>
           </a:p>
           <a:p>
@@ -12938,15 +19135,15 @@
               <a:buChar char="•"/>
             </a:pPr>
             <a:r>
-              <a:rPr lang="he-IL" dirty="0" smtClean="0"/>
+              <a:rPr lang="he-IL" sz="2000" dirty="0"/>
               <a:t>התמונות התקבלנו על ידי חלוקת התמונות מבסיס הנתונים שהוצג בחלק א לתמונות בגודל 64</a:t>
             </a:r>
             <a:r>
-              <a:rPr lang="en-US" dirty="0" smtClean="0"/>
+              <a:rPr lang="en-US" sz="2000" dirty="0"/>
               <a:t>X</a:t>
             </a:r>
             <a:r>
-              <a:rPr lang="he-IL" dirty="0" smtClean="0"/>
+              <a:rPr lang="he-IL" sz="2000" dirty="0"/>
               <a:t>64 פיקסלים במטרה לקבל חלקי תמונות עם ובלי שינויים.</a:t>
             </a:r>
           </a:p>
@@ -12955,7 +19152,7 @@
               <a:buFont typeface="Arial" panose="020B0604020202020204" pitchFamily="34" charset="0"/>
               <a:buChar char="•"/>
             </a:pPr>
-            <a:endParaRPr lang="he-IL" dirty="0" smtClean="0"/>
+            <a:endParaRPr lang="he-IL" sz="2000" dirty="0"/>
           </a:p>
         </p:txBody>
       </p:sp>
